--- a/ppt/UML概述ppt.pptx
+++ b/ppt/UML概述ppt.pptx
@@ -57,8 +57,9 @@
     <p:sldId id="302" r:id="rId50"/>
     <p:sldId id="373" r:id="rId51"/>
     <p:sldId id="374" r:id="rId52"/>
-    <p:sldId id="260" r:id="rId53"/>
-    <p:sldId id="274" r:id="rId54"/>
+    <p:sldId id="377" r:id="rId53"/>
+    <p:sldId id="260" r:id="rId54"/>
+    <p:sldId id="274" r:id="rId55"/>
   </p:sldIdLst>
   <p:sldSz cx="12190095" cy="6858000"/>
   <p:notesSz cx="6858000" cy="9144000"/>
@@ -4096,6 +4097,84 @@
 </file>
 
 <file path=ppt/notesSlides/notesSlide51.xml><?xml version="1.0" encoding="utf-8"?>
+<p:notes xmlns:a="http://schemas.openxmlformats.org/drawingml/2006/main" xmlns:r="http://schemas.openxmlformats.org/officeDocument/2006/relationships" xmlns:p="http://schemas.openxmlformats.org/presentationml/2006/main">
+  <p:cSld>
+    <p:spTree>
+      <p:nvGrpSpPr>
+        <p:cNvPr id="1" name=""/>
+        <p:cNvGrpSpPr/>
+        <p:nvPr/>
+      </p:nvGrpSpPr>
+      <p:grpSpPr>
+        <a:xfrm>
+          <a:off x="0" y="0"/>
+          <a:ext cx="0" cy="0"/>
+          <a:chOff x="0" y="0"/>
+          <a:chExt cx="0" cy="0"/>
+        </a:xfrm>
+      </p:grpSpPr>
+      <p:sp>
+        <p:nvSpPr>
+          <p:cNvPr id="2" name="幻灯片图像占位符 1"/>
+          <p:cNvSpPr>
+            <a:spLocks noGrp="1" noRot="1" noChangeAspect="1"/>
+          </p:cNvSpPr>
+          <p:nvPr>
+            <p:ph type="sldImg"/>
+          </p:nvPr>
+        </p:nvSpPr>
+        <p:spPr/>
+      </p:sp>
+      <p:sp>
+        <p:nvSpPr>
+          <p:cNvPr id="3" name="备注占位符 2"/>
+          <p:cNvSpPr>
+            <a:spLocks noGrp="1"/>
+          </p:cNvSpPr>
+          <p:nvPr>
+            <p:ph type="body" idx="1"/>
+          </p:nvPr>
+        </p:nvSpPr>
+        <p:spPr/>
+        <p:txBody>
+          <a:bodyPr/>
+          <a:lstStyle/>
+          <a:p>
+            <a:endParaRPr lang="zh-CN" altLang="en-US"/>
+          </a:p>
+        </p:txBody>
+      </p:sp>
+      <p:sp>
+        <p:nvSpPr>
+          <p:cNvPr id="4" name="灯片编号占位符 3"/>
+          <p:cNvSpPr>
+            <a:spLocks noGrp="1"/>
+          </p:cNvSpPr>
+          <p:nvPr>
+            <p:ph type="sldNum" sz="quarter" idx="10"/>
+          </p:nvPr>
+        </p:nvSpPr>
+        <p:spPr/>
+        <p:txBody>
+          <a:bodyPr/>
+          <a:lstStyle/>
+          <a:p>
+            <a:fld id="{6473F681-7291-41D2-A146-1FB28A7F6200}" type="slidenum">
+              <a:rPr lang="zh-CN" altLang="en-US" smtClean="0"/>
+            </a:fld>
+            <a:endParaRPr lang="zh-CN" altLang="en-US"/>
+          </a:p>
+        </p:txBody>
+      </p:sp>
+    </p:spTree>
+  </p:cSld>
+  <p:clrMapOvr>
+    <a:masterClrMapping/>
+  </p:clrMapOvr>
+</p:notes>
+</file>
+
+<file path=ppt/notesSlides/notesSlide52.xml><?xml version="1.0" encoding="utf-8"?>
 <p:notes xmlns:a="http://schemas.openxmlformats.org/drawingml/2006/main" xmlns:r="http://schemas.openxmlformats.org/officeDocument/2006/relationships" xmlns:p="http://schemas.openxmlformats.org/presentationml/2006/main">
   <p:cSld>
     <p:spTree>
@@ -8599,6 +8678,64 @@
           </a:extLst>
         </p:spPr>
       </p:pic>
+      <p:sp>
+        <p:nvSpPr>
+          <p:cNvPr id="4" name="文本框 3"/>
+          <p:cNvSpPr txBox="1"/>
+          <p:nvPr/>
+        </p:nvSpPr>
+        <p:spPr>
+          <a:xfrm>
+            <a:off x="1130935" y="5336540"/>
+            <a:ext cx="1795780" cy="368300"/>
+          </a:xfrm>
+          <a:prstGeom prst="rect">
+            <a:avLst/>
+          </a:prstGeom>
+          <a:noFill/>
+        </p:spPr>
+        <p:txBody>
+          <a:bodyPr wrap="square" rtlCol="0">
+            <a:spAutoFit/>
+          </a:bodyPr>
+          <a:p>
+            <a:r>
+              <a:rPr lang="zh-CN" altLang="en-US"/>
+              <a:t>组长：奕吉</a:t>
+            </a:r>
+            <a:endParaRPr lang="zh-CN" altLang="en-US"/>
+          </a:p>
+        </p:txBody>
+      </p:sp>
+      <p:sp>
+        <p:nvSpPr>
+          <p:cNvPr id="5" name="文本框 4"/>
+          <p:cNvSpPr txBox="1"/>
+          <p:nvPr/>
+        </p:nvSpPr>
+        <p:spPr>
+          <a:xfrm>
+            <a:off x="1130935" y="5913120"/>
+            <a:ext cx="5575935" cy="368300"/>
+          </a:xfrm>
+          <a:prstGeom prst="rect">
+            <a:avLst/>
+          </a:prstGeom>
+          <a:noFill/>
+        </p:spPr>
+        <p:txBody>
+          <a:bodyPr wrap="square" rtlCol="0">
+            <a:spAutoFit/>
+          </a:bodyPr>
+          <a:p>
+            <a:r>
+              <a:rPr lang="zh-CN" altLang="en-US"/>
+              <a:t>组员：靳泽旭，张旗，曾雨晴，于欣汝</a:t>
+            </a:r>
+            <a:endParaRPr lang="zh-CN" altLang="en-US"/>
+          </a:p>
+        </p:txBody>
+      </p:sp>
     </p:spTree>
   </p:cSld>
   <p:clrMapOvr>
@@ -14813,7 +14950,7 @@
         </p:nvGrpSpPr>
         <p:grpSpPr>
           <a:xfrm>
-            <a:off x="4739119" y="5955937"/>
+            <a:off x="4696574" y="6078492"/>
             <a:ext cx="2052692" cy="488790"/>
             <a:chOff x="4727054" y="4413802"/>
             <a:chExt cx="2052692" cy="488790"/>
@@ -32218,11 +32355,7 @@
             </a:r>
             <a:r>
               <a:rPr lang="zh-CN" altLang="en-US"/>
-              <a:t>分</a:t>
-            </a:r>
-            <a:r>
-              <a:rPr lang="zh-CN" altLang="en-US"/>
-              <a:t>）</a:t>
+              <a:t>分）</a:t>
             </a:r>
             <a:endParaRPr lang="en-US" altLang="zh-CN"/>
           </a:p>
@@ -32267,11 +32400,7 @@
             </a:r>
             <a:r>
               <a:rPr lang="zh-CN" altLang="en-US"/>
-              <a:t>图</a:t>
-            </a:r>
-            <a:r>
-              <a:rPr lang="zh-CN" altLang="en-US"/>
-              <a:t>       评价（</a:t>
+              <a:t>图       评价（</a:t>
             </a:r>
             <a:r>
               <a:rPr lang="en-US" altLang="zh-CN"/>
@@ -33154,6 +33283,255 @@
 </file>
 
 <file path=ppt/slides/slide50.xml><?xml version="1.0" encoding="utf-8"?>
+<p:sld xmlns:a="http://schemas.openxmlformats.org/drawingml/2006/main" xmlns:r="http://schemas.openxmlformats.org/officeDocument/2006/relationships" xmlns:p="http://schemas.openxmlformats.org/presentationml/2006/main">
+  <p:cSld>
+    <p:spTree>
+      <p:nvGrpSpPr>
+        <p:cNvPr id="1" name=""/>
+        <p:cNvGrpSpPr/>
+        <p:nvPr/>
+      </p:nvGrpSpPr>
+      <p:grpSpPr>
+        <a:xfrm>
+          <a:off x="0" y="0"/>
+          <a:ext cx="0" cy="0"/>
+          <a:chOff x="0" y="0"/>
+          <a:chExt cx="0" cy="0"/>
+        </a:xfrm>
+      </p:grpSpPr>
+      <p:cxnSp>
+        <p:nvCxnSpPr>
+          <p:cNvPr id="2" name="直接连接符 1"/>
+          <p:cNvCxnSpPr/>
+          <p:nvPr/>
+        </p:nvCxnSpPr>
+        <p:spPr>
+          <a:xfrm flipH="1">
+            <a:off x="-194358" y="217178"/>
+            <a:ext cx="777432" cy="653712"/>
+          </a:xfrm>
+          <a:prstGeom prst="line">
+            <a:avLst/>
+          </a:prstGeom>
+          <a:ln w="38100">
+            <a:solidFill>
+              <a:schemeClr val="tx1">
+                <a:lumMod val="85000"/>
+                <a:lumOff val="15000"/>
+              </a:schemeClr>
+            </a:solidFill>
+          </a:ln>
+        </p:spPr>
+        <p:style>
+          <a:lnRef idx="1">
+            <a:schemeClr val="accent1"/>
+          </a:lnRef>
+          <a:fillRef idx="0">
+            <a:schemeClr val="accent1"/>
+          </a:fillRef>
+          <a:effectRef idx="0">
+            <a:schemeClr val="accent1"/>
+          </a:effectRef>
+          <a:fontRef idx="minor">
+            <a:schemeClr val="tx1"/>
+          </a:fontRef>
+        </p:style>
+      </p:cxnSp>
+      <p:cxnSp>
+        <p:nvCxnSpPr>
+          <p:cNvPr id="3" name="直接连接符 2"/>
+          <p:cNvCxnSpPr/>
+          <p:nvPr/>
+        </p:nvCxnSpPr>
+        <p:spPr>
+          <a:xfrm flipH="1">
+            <a:off x="-58057" y="761631"/>
+            <a:ext cx="388716" cy="326856"/>
+          </a:xfrm>
+          <a:prstGeom prst="line">
+            <a:avLst/>
+          </a:prstGeom>
+          <a:ln w="12700">
+            <a:solidFill>
+              <a:srgbClr val="C00000"/>
+            </a:solidFill>
+          </a:ln>
+        </p:spPr>
+        <p:style>
+          <a:lnRef idx="1">
+            <a:schemeClr val="accent1"/>
+          </a:lnRef>
+          <a:fillRef idx="0">
+            <a:schemeClr val="accent1"/>
+          </a:fillRef>
+          <a:effectRef idx="0">
+            <a:schemeClr val="accent1"/>
+          </a:effectRef>
+          <a:fontRef idx="minor">
+            <a:schemeClr val="tx1"/>
+          </a:fontRef>
+        </p:style>
+      </p:cxnSp>
+      <p:sp>
+        <p:nvSpPr>
+          <p:cNvPr id="4" name="矩形 3"/>
+          <p:cNvSpPr/>
+          <p:nvPr/>
+        </p:nvSpPr>
+        <p:spPr>
+          <a:xfrm>
+            <a:off x="797873" y="611396"/>
+            <a:ext cx="1710055" cy="460375"/>
+          </a:xfrm>
+          <a:prstGeom prst="rect">
+            <a:avLst/>
+          </a:prstGeom>
+        </p:spPr>
+        <p:txBody>
+          <a:bodyPr wrap="none">
+            <a:spAutoFit/>
+          </a:bodyPr>
+          <a:lstStyle/>
+          <a:p>
+            <a:r>
+              <a:rPr lang="zh-CN" altLang="en-US" sz="2400" b="1" dirty="0">
+                <a:solidFill>
+                  <a:srgbClr val="FF0000"/>
+                </a:solidFill>
+              </a:rPr>
+              <a:t>参考文献：</a:t>
+            </a:r>
+            <a:endParaRPr lang="zh-CN" altLang="en-US" sz="2400" b="1" dirty="0">
+              <a:solidFill>
+                <a:srgbClr val="FF0000"/>
+              </a:solidFill>
+            </a:endParaRPr>
+          </a:p>
+        </p:txBody>
+      </p:sp>
+      <p:sp>
+        <p:nvSpPr>
+          <p:cNvPr id="5" name="左中括号 4"/>
+          <p:cNvSpPr/>
+          <p:nvPr/>
+        </p:nvSpPr>
+        <p:spPr>
+          <a:xfrm>
+            <a:off x="694606" y="544034"/>
+            <a:ext cx="72008" cy="504056"/>
+          </a:xfrm>
+          <a:prstGeom prst="leftBracket">
+            <a:avLst/>
+          </a:prstGeom>
+          <a:ln>
+            <a:solidFill>
+              <a:schemeClr val="tx1"/>
+            </a:solidFill>
+          </a:ln>
+        </p:spPr>
+        <p:style>
+          <a:lnRef idx="1">
+            <a:schemeClr val="accent1"/>
+          </a:lnRef>
+          <a:fillRef idx="0">
+            <a:schemeClr val="accent1"/>
+          </a:fillRef>
+          <a:effectRef idx="0">
+            <a:schemeClr val="accent1"/>
+          </a:effectRef>
+          <a:fontRef idx="minor">
+            <a:schemeClr val="tx1"/>
+          </a:fontRef>
+        </p:style>
+        <p:txBody>
+          <a:bodyPr rtlCol="0" anchor="ctr"/>
+          <a:lstStyle/>
+          <a:p>
+            <a:pPr algn="ctr"/>
+            <a:endParaRPr lang="zh-CN" altLang="en-US"/>
+          </a:p>
+        </p:txBody>
+      </p:sp>
+      <p:sp>
+        <p:nvSpPr>
+          <p:cNvPr id="15" name="文本框 14"/>
+          <p:cNvSpPr txBox="1"/>
+          <p:nvPr/>
+        </p:nvSpPr>
+        <p:spPr>
+          <a:xfrm>
+            <a:off x="694690" y="1520825"/>
+            <a:ext cx="10365740" cy="1753235"/>
+          </a:xfrm>
+          <a:prstGeom prst="rect">
+            <a:avLst/>
+          </a:prstGeom>
+          <a:noFill/>
+        </p:spPr>
+        <p:txBody>
+          <a:bodyPr wrap="square" rtlCol="0">
+            <a:spAutoFit/>
+          </a:bodyPr>
+          <a:p>
+            <a:r>
+              <a:rPr lang="en-US" altLang="zh-CN" sz="3600"/>
+              <a:t>CSDN</a:t>
+            </a:r>
+            <a:r>
+              <a:rPr lang="zh-CN" altLang="en-US" sz="3600"/>
+              <a:t>网站</a:t>
+            </a:r>
+            <a:endParaRPr lang="zh-CN" altLang="en-US" sz="3600"/>
+          </a:p>
+          <a:p>
+            <a:r>
+              <a:rPr lang="zh-CN" altLang="en-US" sz="3600"/>
+              <a:t>维基百科</a:t>
+            </a:r>
+            <a:endParaRPr lang="zh-CN" altLang="en-US" sz="3600"/>
+          </a:p>
+          <a:p>
+            <a:r>
+              <a:rPr lang="en-US" altLang="zh-CN" sz="3600"/>
+              <a:t>UML</a:t>
+            </a:r>
+            <a:r>
+              <a:rPr lang="zh-CN" altLang="en-US" sz="3600"/>
+              <a:t>用户指南（第二版</a:t>
+            </a:r>
+            <a:r>
+              <a:rPr lang="en-US" altLang="zh-CN" sz="3600"/>
+              <a:t>-</a:t>
+            </a:r>
+            <a:r>
+              <a:rPr lang="zh-CN" altLang="en-US" sz="3600"/>
+              <a:t>修订版）</a:t>
+            </a:r>
+            <a:endParaRPr lang="zh-CN" altLang="en-US" sz="3600"/>
+          </a:p>
+        </p:txBody>
+      </p:sp>
+    </p:spTree>
+  </p:cSld>
+  <p:clrMapOvr>
+    <a:masterClrMapping/>
+  </p:clrMapOvr>
+  <mc:AlternateContent xmlns:mc="http://schemas.openxmlformats.org/markup-compatibility/2006">
+    <mc:Choice xmlns:p14="http://schemas.microsoft.com/office/powerpoint/2010/main" Requires="p14">
+      <p:transition spd="slow" p14:dur="1600" advClick="0" advTm="3000">
+        <p14:gallery dir="l"/>
+      </p:transition>
+    </mc:Choice>
+    <mc:Fallback>
+      <p:transition spd="slow" advClick="0" advTm="3000">
+        <p:fade/>
+      </p:transition>
+    </mc:Fallback>
+  </mc:AlternateContent>
+</p:sld>
+</file>
+
+<file path=ppt/slides/slide51.xml><?xml version="1.0" encoding="utf-8"?>
 <p:sld xmlns:a="http://schemas.openxmlformats.org/drawingml/2006/main" xmlns:r="http://schemas.openxmlformats.org/officeDocument/2006/relationships" xmlns:p="http://schemas.openxmlformats.org/presentationml/2006/main">
   <p:cSld>
     <p:spTree>
@@ -33695,7 +34073,7 @@
 </p:sld>
 </file>
 
-<file path=ppt/slides/slide51.xml><?xml version="1.0" encoding="utf-8"?>
+<file path=ppt/slides/slide52.xml><?xml version="1.0" encoding="utf-8"?>
 <p:sld xmlns:a="http://schemas.openxmlformats.org/drawingml/2006/main" xmlns:r="http://schemas.openxmlformats.org/officeDocument/2006/relationships" xmlns:p="http://schemas.openxmlformats.org/presentationml/2006/main">
   <p:cSld>
     <p:spTree>

--- a/ppt/UML概述ppt.pptx
+++ b/ppt/UML概述ppt.pptx
@@ -5,62 +5,63 @@
     <p:sldMasterId id="2147483648" r:id="rId1"/>
   </p:sldMasterIdLst>
   <p:notesMasterIdLst>
-    <p:notesMasterId r:id="rId4"/>
+    <p:notesMasterId r:id="rId54"/>
   </p:notesMasterIdLst>
   <p:sldIdLst>
-    <p:sldId id="256" r:id="rId3"/>
-    <p:sldId id="257" r:id="rId5"/>
-    <p:sldId id="285" r:id="rId6"/>
-    <p:sldId id="287" r:id="rId7"/>
-    <p:sldId id="259" r:id="rId8"/>
-    <p:sldId id="288" r:id="rId9"/>
-    <p:sldId id="263" r:id="rId10"/>
-    <p:sldId id="258" r:id="rId11"/>
-    <p:sldId id="289" r:id="rId12"/>
-    <p:sldId id="333" r:id="rId13"/>
-    <p:sldId id="334" r:id="rId14"/>
-    <p:sldId id="335" r:id="rId15"/>
-    <p:sldId id="336" r:id="rId16"/>
-    <p:sldId id="337" r:id="rId17"/>
-    <p:sldId id="338" r:id="rId18"/>
-    <p:sldId id="339" r:id="rId19"/>
-    <p:sldId id="340" r:id="rId20"/>
-    <p:sldId id="290" r:id="rId21"/>
-    <p:sldId id="283" r:id="rId22"/>
-    <p:sldId id="291" r:id="rId23"/>
-    <p:sldId id="294" r:id="rId24"/>
-    <p:sldId id="295" r:id="rId25"/>
-    <p:sldId id="292" r:id="rId26"/>
-    <p:sldId id="296" r:id="rId27"/>
-    <p:sldId id="297" r:id="rId28"/>
-    <p:sldId id="298" r:id="rId29"/>
-    <p:sldId id="299" r:id="rId30"/>
-    <p:sldId id="300" r:id="rId31"/>
-    <p:sldId id="301" r:id="rId32"/>
-    <p:sldId id="278" r:id="rId33"/>
-    <p:sldId id="303" r:id="rId34"/>
-    <p:sldId id="304" r:id="rId35"/>
-    <p:sldId id="316" r:id="rId36"/>
-    <p:sldId id="317" r:id="rId37"/>
-    <p:sldId id="305" r:id="rId38"/>
-    <p:sldId id="307" r:id="rId39"/>
-    <p:sldId id="308" r:id="rId40"/>
-    <p:sldId id="309" r:id="rId41"/>
-    <p:sldId id="310" r:id="rId42"/>
-    <p:sldId id="311" r:id="rId43"/>
-    <p:sldId id="312" r:id="rId44"/>
-    <p:sldId id="313" r:id="rId45"/>
-    <p:sldId id="267" r:id="rId46"/>
-    <p:sldId id="280" r:id="rId47"/>
-    <p:sldId id="284" r:id="rId48"/>
-    <p:sldId id="261" r:id="rId49"/>
-    <p:sldId id="302" r:id="rId50"/>
-    <p:sldId id="373" r:id="rId51"/>
-    <p:sldId id="374" r:id="rId52"/>
-    <p:sldId id="260" r:id="rId53"/>
-    <p:sldId id="274" r:id="rId54"/>
+    <p:sldId id="256" r:id="rId2"/>
+    <p:sldId id="257" r:id="rId3"/>
+    <p:sldId id="285" r:id="rId4"/>
+    <p:sldId id="287" r:id="rId5"/>
+    <p:sldId id="259" r:id="rId6"/>
+    <p:sldId id="288" r:id="rId7"/>
+    <p:sldId id="263" r:id="rId8"/>
+    <p:sldId id="258" r:id="rId9"/>
+    <p:sldId id="289" r:id="rId10"/>
+    <p:sldId id="333" r:id="rId11"/>
+    <p:sldId id="334" r:id="rId12"/>
+    <p:sldId id="335" r:id="rId13"/>
+    <p:sldId id="336" r:id="rId14"/>
+    <p:sldId id="337" r:id="rId15"/>
+    <p:sldId id="338" r:id="rId16"/>
+    <p:sldId id="339" r:id="rId17"/>
+    <p:sldId id="340" r:id="rId18"/>
+    <p:sldId id="290" r:id="rId19"/>
+    <p:sldId id="283" r:id="rId20"/>
+    <p:sldId id="291" r:id="rId21"/>
+    <p:sldId id="294" r:id="rId22"/>
+    <p:sldId id="295" r:id="rId23"/>
+    <p:sldId id="292" r:id="rId24"/>
+    <p:sldId id="296" r:id="rId25"/>
+    <p:sldId id="297" r:id="rId26"/>
+    <p:sldId id="298" r:id="rId27"/>
+    <p:sldId id="299" r:id="rId28"/>
+    <p:sldId id="300" r:id="rId29"/>
+    <p:sldId id="301" r:id="rId30"/>
+    <p:sldId id="278" r:id="rId31"/>
+    <p:sldId id="303" r:id="rId32"/>
+    <p:sldId id="304" r:id="rId33"/>
+    <p:sldId id="316" r:id="rId34"/>
+    <p:sldId id="317" r:id="rId35"/>
+    <p:sldId id="305" r:id="rId36"/>
+    <p:sldId id="307" r:id="rId37"/>
+    <p:sldId id="308" r:id="rId38"/>
+    <p:sldId id="309" r:id="rId39"/>
+    <p:sldId id="310" r:id="rId40"/>
+    <p:sldId id="311" r:id="rId41"/>
+    <p:sldId id="312" r:id="rId42"/>
+    <p:sldId id="313" r:id="rId43"/>
+    <p:sldId id="267" r:id="rId44"/>
+    <p:sldId id="280" r:id="rId45"/>
+    <p:sldId id="284" r:id="rId46"/>
+    <p:sldId id="261" r:id="rId47"/>
+    <p:sldId id="302" r:id="rId48"/>
+    <p:sldId id="373" r:id="rId49"/>
+    <p:sldId id="374" r:id="rId50"/>
+    <p:sldId id="260" r:id="rId51"/>
+    <p:sldId id="375" r:id="rId52"/>
+    <p:sldId id="274" r:id="rId53"/>
   </p:sldIdLst>
-  <p:sldSz cx="12190095" cy="6858000"/>
+  <p:sldSz cx="12190413" cy="6858000"/>
   <p:notesSz cx="6858000" cy="9144000"/>
   <p:defaultTextStyle>
     <a:defPPr>
@@ -157,7 +158,27 @@
       </a:defRPr>
     </a:lvl9pPr>
   </p:defaultTextStyle>
+  <p:extLst>
+    <p:ext uri="{EFAFB233-063F-42B5-8137-9DF3F51BA10A}">
+      <p15:sldGuideLst xmlns:p15="http://schemas.microsoft.com/office/powerpoint/2012/main">
+        <p15:guide id="1" orient="horz" pos="2183">
+          <p15:clr>
+            <a:srgbClr val="A4A3A4"/>
+          </p15:clr>
+        </p15:guide>
+        <p15:guide id="2" pos="3818">
+          <p15:clr>
+            <a:srgbClr val="A4A3A4"/>
+          </p15:clr>
+        </p15:guide>
+      </p15:sldGuideLst>
+    </p:ext>
+  </p:extLst>
 </p:presentation>
+</file>
+
+<file path=ppt/revisionInfo.xml><?xml version="1.0" encoding="utf-8"?>
+<p1510:revInfo xmlns:a="http://schemas.openxmlformats.org/drawingml/2006/main" xmlns:r="http://schemas.openxmlformats.org/officeDocument/2006/relationships" xmlns:p1510="http://schemas.microsoft.com/office/powerpoint/2015/10/main"/>
 </file>
 
 <file path=ppt/notesMasters/notesMaster1.xml><?xml version="1.0" encoding="utf-8"?>
@@ -242,6 +263,7 @@
           <a:p>
             <a:fld id="{181B3BF1-4A3C-4696-9796-DA8D9610C879}" type="datetimeFigureOut">
               <a:rPr lang="zh-CN" altLang="en-US" smtClean="0"/>
+              <a:t>2017/11/1</a:t>
             </a:fld>
             <a:endParaRPr lang="zh-CN" altLang="en-US"/>
           </a:p>
@@ -308,7 +330,6 @@
               <a:rPr lang="zh-CN" altLang="en-US"/>
               <a:t>单击此处编辑母版文本样式</a:t>
             </a:r>
-            <a:endParaRPr lang="zh-CN" altLang="en-US"/>
           </a:p>
           <a:p>
             <a:pPr lvl="1"/>
@@ -316,7 +337,6 @@
               <a:rPr lang="zh-CN" altLang="en-US"/>
               <a:t>第二级</a:t>
             </a:r>
-            <a:endParaRPr lang="zh-CN" altLang="en-US"/>
           </a:p>
           <a:p>
             <a:pPr lvl="2"/>
@@ -324,7 +344,6 @@
               <a:rPr lang="zh-CN" altLang="en-US"/>
               <a:t>第三级</a:t>
             </a:r>
-            <a:endParaRPr lang="zh-CN" altLang="en-US"/>
           </a:p>
           <a:p>
             <a:pPr lvl="3"/>
@@ -332,7 +351,6 @@
               <a:rPr lang="zh-CN" altLang="en-US"/>
               <a:t>第四级</a:t>
             </a:r>
-            <a:endParaRPr lang="zh-CN" altLang="en-US"/>
           </a:p>
           <a:p>
             <a:pPr lvl="4"/>
@@ -340,7 +358,6 @@
               <a:rPr lang="zh-CN" altLang="en-US"/>
               <a:t>第五级</a:t>
             </a:r>
-            <a:endParaRPr lang="zh-CN" altLang="en-US"/>
           </a:p>
         </p:txBody>
       </p:sp>
@@ -404,6 +421,7 @@
           <a:p>
             <a:fld id="{6473F681-7291-41D2-A146-1FB28A7F6200}" type="slidenum">
               <a:rPr lang="zh-CN" altLang="en-US" smtClean="0"/>
+              <a:t>‹#›</a:t>
             </a:fld>
             <a:endParaRPr lang="zh-CN" altLang="en-US"/>
           </a:p>
@@ -572,6 +590,7 @@
           <a:p>
             <a:fld id="{6473F681-7291-41D2-A146-1FB28A7F6200}" type="slidenum">
               <a:rPr lang="zh-CN" altLang="en-US" smtClean="0"/>
+              <a:t>1</a:t>
             </a:fld>
             <a:endParaRPr lang="zh-CN" altLang="en-US"/>
           </a:p>
@@ -650,6 +669,7 @@
           <a:p>
             <a:fld id="{6473F681-7291-41D2-A146-1FB28A7F6200}" type="slidenum">
               <a:rPr lang="zh-CN" altLang="en-US" smtClean="0"/>
+              <a:t>10</a:t>
             </a:fld>
             <a:endParaRPr lang="zh-CN" altLang="en-US"/>
           </a:p>
@@ -728,6 +748,7 @@
           <a:p>
             <a:fld id="{6473F681-7291-41D2-A146-1FB28A7F6200}" type="slidenum">
               <a:rPr lang="zh-CN" altLang="en-US" smtClean="0"/>
+              <a:t>11</a:t>
             </a:fld>
             <a:endParaRPr lang="zh-CN" altLang="en-US"/>
           </a:p>
@@ -806,6 +827,7 @@
           <a:p>
             <a:fld id="{6473F681-7291-41D2-A146-1FB28A7F6200}" type="slidenum">
               <a:rPr lang="zh-CN" altLang="en-US" smtClean="0"/>
+              <a:t>12</a:t>
             </a:fld>
             <a:endParaRPr lang="zh-CN" altLang="en-US"/>
           </a:p>
@@ -884,6 +906,7 @@
           <a:p>
             <a:fld id="{6473F681-7291-41D2-A146-1FB28A7F6200}" type="slidenum">
               <a:rPr lang="zh-CN" altLang="en-US" smtClean="0"/>
+              <a:t>13</a:t>
             </a:fld>
             <a:endParaRPr lang="zh-CN" altLang="en-US"/>
           </a:p>
@@ -962,6 +985,7 @@
           <a:p>
             <a:fld id="{6473F681-7291-41D2-A146-1FB28A7F6200}" type="slidenum">
               <a:rPr lang="zh-CN" altLang="en-US" smtClean="0"/>
+              <a:t>14</a:t>
             </a:fld>
             <a:endParaRPr lang="zh-CN" altLang="en-US"/>
           </a:p>
@@ -1040,6 +1064,7 @@
           <a:p>
             <a:fld id="{6473F681-7291-41D2-A146-1FB28A7F6200}" type="slidenum">
               <a:rPr lang="zh-CN" altLang="en-US" smtClean="0"/>
+              <a:t>15</a:t>
             </a:fld>
             <a:endParaRPr lang="zh-CN" altLang="en-US"/>
           </a:p>
@@ -1118,6 +1143,7 @@
           <a:p>
             <a:fld id="{6473F681-7291-41D2-A146-1FB28A7F6200}" type="slidenum">
               <a:rPr lang="zh-CN" altLang="en-US" smtClean="0"/>
+              <a:t>16</a:t>
             </a:fld>
             <a:endParaRPr lang="zh-CN" altLang="en-US"/>
           </a:p>
@@ -1196,6 +1222,7 @@
           <a:p>
             <a:fld id="{6473F681-7291-41D2-A146-1FB28A7F6200}" type="slidenum">
               <a:rPr lang="zh-CN" altLang="en-US" smtClean="0"/>
+              <a:t>17</a:t>
             </a:fld>
             <a:endParaRPr lang="zh-CN" altLang="en-US"/>
           </a:p>
@@ -1274,6 +1301,7 @@
           <a:p>
             <a:fld id="{6473F681-7291-41D2-A146-1FB28A7F6200}" type="slidenum">
               <a:rPr lang="zh-CN" altLang="en-US" smtClean="0"/>
+              <a:t>18</a:t>
             </a:fld>
             <a:endParaRPr lang="zh-CN" altLang="en-US"/>
           </a:p>
@@ -1352,6 +1380,7 @@
           <a:p>
             <a:fld id="{6473F681-7291-41D2-A146-1FB28A7F6200}" type="slidenum">
               <a:rPr lang="zh-CN" altLang="en-US" smtClean="0"/>
+              <a:t>19</a:t>
             </a:fld>
             <a:endParaRPr lang="zh-CN" altLang="en-US"/>
           </a:p>
@@ -1430,6 +1459,7 @@
           <a:p>
             <a:fld id="{6473F681-7291-41D2-A146-1FB28A7F6200}" type="slidenum">
               <a:rPr lang="zh-CN" altLang="en-US" smtClean="0"/>
+              <a:t>2</a:t>
             </a:fld>
             <a:endParaRPr lang="zh-CN" altLang="en-US"/>
           </a:p>
@@ -1508,6 +1538,7 @@
           <a:p>
             <a:fld id="{6473F681-7291-41D2-A146-1FB28A7F6200}" type="slidenum">
               <a:rPr lang="zh-CN" altLang="en-US" smtClean="0"/>
+              <a:t>20</a:t>
             </a:fld>
             <a:endParaRPr lang="zh-CN" altLang="en-US"/>
           </a:p>
@@ -1586,6 +1617,7 @@
           <a:p>
             <a:fld id="{6473F681-7291-41D2-A146-1FB28A7F6200}" type="slidenum">
               <a:rPr lang="zh-CN" altLang="en-US" smtClean="0"/>
+              <a:t>21</a:t>
             </a:fld>
             <a:endParaRPr lang="zh-CN" altLang="en-US"/>
           </a:p>
@@ -1664,6 +1696,7 @@
           <a:p>
             <a:fld id="{6473F681-7291-41D2-A146-1FB28A7F6200}" type="slidenum">
               <a:rPr lang="zh-CN" altLang="en-US" smtClean="0"/>
+              <a:t>22</a:t>
             </a:fld>
             <a:endParaRPr lang="zh-CN" altLang="en-US"/>
           </a:p>
@@ -1742,6 +1775,7 @@
           <a:p>
             <a:fld id="{6473F681-7291-41D2-A146-1FB28A7F6200}" type="slidenum">
               <a:rPr lang="zh-CN" altLang="en-US" smtClean="0"/>
+              <a:t>23</a:t>
             </a:fld>
             <a:endParaRPr lang="zh-CN" altLang="en-US"/>
           </a:p>
@@ -1820,6 +1854,7 @@
           <a:p>
             <a:fld id="{6473F681-7291-41D2-A146-1FB28A7F6200}" type="slidenum">
               <a:rPr lang="zh-CN" altLang="en-US" smtClean="0"/>
+              <a:t>24</a:t>
             </a:fld>
             <a:endParaRPr lang="zh-CN" altLang="en-US"/>
           </a:p>
@@ -1898,6 +1933,7 @@
           <a:p>
             <a:fld id="{6473F681-7291-41D2-A146-1FB28A7F6200}" type="slidenum">
               <a:rPr lang="zh-CN" altLang="en-US" smtClean="0"/>
+              <a:t>25</a:t>
             </a:fld>
             <a:endParaRPr lang="zh-CN" altLang="en-US"/>
           </a:p>
@@ -1976,6 +2012,7 @@
           <a:p>
             <a:fld id="{6473F681-7291-41D2-A146-1FB28A7F6200}" type="slidenum">
               <a:rPr lang="zh-CN" altLang="en-US" smtClean="0"/>
+              <a:t>26</a:t>
             </a:fld>
             <a:endParaRPr lang="zh-CN" altLang="en-US"/>
           </a:p>
@@ -2054,6 +2091,7 @@
           <a:p>
             <a:fld id="{6473F681-7291-41D2-A146-1FB28A7F6200}" type="slidenum">
               <a:rPr lang="zh-CN" altLang="en-US" smtClean="0"/>
+              <a:t>27</a:t>
             </a:fld>
             <a:endParaRPr lang="zh-CN" altLang="en-US"/>
           </a:p>
@@ -2132,6 +2170,7 @@
           <a:p>
             <a:fld id="{6473F681-7291-41D2-A146-1FB28A7F6200}" type="slidenum">
               <a:rPr lang="zh-CN" altLang="en-US" smtClean="0"/>
+              <a:t>28</a:t>
             </a:fld>
             <a:endParaRPr lang="zh-CN" altLang="en-US"/>
           </a:p>
@@ -2210,6 +2249,7 @@
           <a:p>
             <a:fld id="{6473F681-7291-41D2-A146-1FB28A7F6200}" type="slidenum">
               <a:rPr lang="zh-CN" altLang="en-US" smtClean="0"/>
+              <a:t>29</a:t>
             </a:fld>
             <a:endParaRPr lang="zh-CN" altLang="en-US"/>
           </a:p>
@@ -2288,6 +2328,7 @@
           <a:p>
             <a:fld id="{6473F681-7291-41D2-A146-1FB28A7F6200}" type="slidenum">
               <a:rPr lang="zh-CN" altLang="en-US" smtClean="0"/>
+              <a:t>3</a:t>
             </a:fld>
             <a:endParaRPr lang="zh-CN" altLang="en-US"/>
           </a:p>
@@ -2366,6 +2407,7 @@
           <a:p>
             <a:fld id="{6473F681-7291-41D2-A146-1FB28A7F6200}" type="slidenum">
               <a:rPr lang="zh-CN" altLang="en-US" smtClean="0"/>
+              <a:t>30</a:t>
             </a:fld>
             <a:endParaRPr lang="zh-CN" altLang="en-US"/>
           </a:p>
@@ -2444,6 +2486,7 @@
           <a:p>
             <a:fld id="{6473F681-7291-41D2-A146-1FB28A7F6200}" type="slidenum">
               <a:rPr lang="zh-CN" altLang="en-US" smtClean="0"/>
+              <a:t>31</a:t>
             </a:fld>
             <a:endParaRPr lang="zh-CN" altLang="en-US"/>
           </a:p>
@@ -2522,6 +2565,7 @@
           <a:p>
             <a:fld id="{6473F681-7291-41D2-A146-1FB28A7F6200}" type="slidenum">
               <a:rPr lang="zh-CN" altLang="en-US" smtClean="0"/>
+              <a:t>32</a:t>
             </a:fld>
             <a:endParaRPr lang="zh-CN" altLang="en-US"/>
           </a:p>
@@ -2600,6 +2644,7 @@
           <a:p>
             <a:fld id="{6473F681-7291-41D2-A146-1FB28A7F6200}" type="slidenum">
               <a:rPr lang="zh-CN" altLang="en-US" smtClean="0"/>
+              <a:t>33</a:t>
             </a:fld>
             <a:endParaRPr lang="zh-CN" altLang="en-US"/>
           </a:p>
@@ -2678,6 +2723,7 @@
           <a:p>
             <a:fld id="{6473F681-7291-41D2-A146-1FB28A7F6200}" type="slidenum">
               <a:rPr lang="zh-CN" altLang="en-US" smtClean="0"/>
+              <a:t>34</a:t>
             </a:fld>
             <a:endParaRPr lang="zh-CN" altLang="en-US"/>
           </a:p>
@@ -2756,6 +2802,7 @@
           <a:p>
             <a:fld id="{6473F681-7291-41D2-A146-1FB28A7F6200}" type="slidenum">
               <a:rPr lang="zh-CN" altLang="en-US" smtClean="0"/>
+              <a:t>35</a:t>
             </a:fld>
             <a:endParaRPr lang="zh-CN" altLang="en-US"/>
           </a:p>
@@ -2834,6 +2881,7 @@
           <a:p>
             <a:fld id="{6473F681-7291-41D2-A146-1FB28A7F6200}" type="slidenum">
               <a:rPr lang="zh-CN" altLang="en-US" smtClean="0"/>
+              <a:t>36</a:t>
             </a:fld>
             <a:endParaRPr lang="zh-CN" altLang="en-US"/>
           </a:p>
@@ -2912,6 +2960,7 @@
           <a:p>
             <a:fld id="{6473F681-7291-41D2-A146-1FB28A7F6200}" type="slidenum">
               <a:rPr lang="zh-CN" altLang="en-US" smtClean="0"/>
+              <a:t>37</a:t>
             </a:fld>
             <a:endParaRPr lang="zh-CN" altLang="en-US"/>
           </a:p>
@@ -2990,6 +3039,7 @@
           <a:p>
             <a:fld id="{6473F681-7291-41D2-A146-1FB28A7F6200}" type="slidenum">
               <a:rPr lang="zh-CN" altLang="en-US" smtClean="0"/>
+              <a:t>38</a:t>
             </a:fld>
             <a:endParaRPr lang="zh-CN" altLang="en-US"/>
           </a:p>
@@ -3068,6 +3118,7 @@
           <a:p>
             <a:fld id="{6473F681-7291-41D2-A146-1FB28A7F6200}" type="slidenum">
               <a:rPr lang="zh-CN" altLang="en-US" smtClean="0"/>
+              <a:t>39</a:t>
             </a:fld>
             <a:endParaRPr lang="zh-CN" altLang="en-US"/>
           </a:p>
@@ -3146,6 +3197,7 @@
           <a:p>
             <a:fld id="{6473F681-7291-41D2-A146-1FB28A7F6200}" type="slidenum">
               <a:rPr lang="zh-CN" altLang="en-US" smtClean="0"/>
+              <a:t>4</a:t>
             </a:fld>
             <a:endParaRPr lang="zh-CN" altLang="en-US"/>
           </a:p>
@@ -3224,6 +3276,7 @@
           <a:p>
             <a:fld id="{6473F681-7291-41D2-A146-1FB28A7F6200}" type="slidenum">
               <a:rPr lang="zh-CN" altLang="en-US" smtClean="0"/>
+              <a:t>40</a:t>
             </a:fld>
             <a:endParaRPr lang="zh-CN" altLang="en-US"/>
           </a:p>
@@ -3302,6 +3355,7 @@
           <a:p>
             <a:fld id="{6473F681-7291-41D2-A146-1FB28A7F6200}" type="slidenum">
               <a:rPr lang="zh-CN" altLang="en-US" smtClean="0"/>
+              <a:t>41</a:t>
             </a:fld>
             <a:endParaRPr lang="zh-CN" altLang="en-US"/>
           </a:p>
@@ -3380,6 +3434,7 @@
           <a:p>
             <a:fld id="{6473F681-7291-41D2-A146-1FB28A7F6200}" type="slidenum">
               <a:rPr lang="zh-CN" altLang="en-US" smtClean="0"/>
+              <a:t>42</a:t>
             </a:fld>
             <a:endParaRPr lang="zh-CN" altLang="en-US"/>
           </a:p>
@@ -3458,6 +3513,7 @@
           <a:p>
             <a:fld id="{6473F681-7291-41D2-A146-1FB28A7F6200}" type="slidenum">
               <a:rPr lang="zh-CN" altLang="en-US" smtClean="0"/>
+              <a:t>43</a:t>
             </a:fld>
             <a:endParaRPr lang="zh-CN" altLang="en-US"/>
           </a:p>
@@ -3536,6 +3592,7 @@
           <a:p>
             <a:fld id="{6473F681-7291-41D2-A146-1FB28A7F6200}" type="slidenum">
               <a:rPr lang="zh-CN" altLang="en-US" smtClean="0"/>
+              <a:t>44</a:t>
             </a:fld>
             <a:endParaRPr lang="zh-CN" altLang="en-US"/>
           </a:p>
@@ -3614,6 +3671,7 @@
           <a:p>
             <a:fld id="{6473F681-7291-41D2-A146-1FB28A7F6200}" type="slidenum">
               <a:rPr lang="zh-CN" altLang="en-US" smtClean="0"/>
+              <a:t>45</a:t>
             </a:fld>
             <a:endParaRPr lang="zh-CN" altLang="en-US"/>
           </a:p>
@@ -3692,6 +3750,7 @@
           <a:p>
             <a:fld id="{6473F681-7291-41D2-A146-1FB28A7F6200}" type="slidenum">
               <a:rPr lang="zh-CN" altLang="en-US" smtClean="0"/>
+              <a:t>46</a:t>
             </a:fld>
             <a:endParaRPr lang="zh-CN" altLang="en-US"/>
           </a:p>
@@ -3770,6 +3829,7 @@
           <a:p>
             <a:fld id="{6473F681-7291-41D2-A146-1FB28A7F6200}" type="slidenum">
               <a:rPr lang="zh-CN" altLang="en-US" smtClean="0"/>
+              <a:t>47</a:t>
             </a:fld>
             <a:endParaRPr lang="zh-CN" altLang="en-US"/>
           </a:p>
@@ -3848,6 +3908,7 @@
           <a:p>
             <a:fld id="{6473F681-7291-41D2-A146-1FB28A7F6200}" type="slidenum">
               <a:rPr lang="zh-CN" altLang="en-US" smtClean="0"/>
+              <a:t>48</a:t>
             </a:fld>
             <a:endParaRPr lang="zh-CN" altLang="en-US"/>
           </a:p>
@@ -3926,6 +3987,7 @@
           <a:p>
             <a:fld id="{6473F681-7291-41D2-A146-1FB28A7F6200}" type="slidenum">
               <a:rPr lang="zh-CN" altLang="en-US" smtClean="0"/>
+              <a:t>49</a:t>
             </a:fld>
             <a:endParaRPr lang="zh-CN" altLang="en-US"/>
           </a:p>
@@ -4004,6 +4066,7 @@
           <a:p>
             <a:fld id="{6473F681-7291-41D2-A146-1FB28A7F6200}" type="slidenum">
               <a:rPr lang="zh-CN" altLang="en-US" smtClean="0"/>
+              <a:t>5</a:t>
             </a:fld>
             <a:endParaRPr lang="zh-CN" altLang="en-US"/>
           </a:p>
@@ -4082,6 +4145,7 @@
           <a:p>
             <a:fld id="{6473F681-7291-41D2-A146-1FB28A7F6200}" type="slidenum">
               <a:rPr lang="zh-CN" altLang="en-US" smtClean="0"/>
+              <a:t>50</a:t>
             </a:fld>
             <a:endParaRPr lang="zh-CN" altLang="en-US"/>
           </a:p>
@@ -4160,6 +4224,91 @@
           <a:p>
             <a:fld id="{6473F681-7291-41D2-A146-1FB28A7F6200}" type="slidenum">
               <a:rPr lang="zh-CN" altLang="en-US" smtClean="0"/>
+              <a:t>51</a:t>
+            </a:fld>
+            <a:endParaRPr lang="zh-CN" altLang="en-US"/>
+          </a:p>
+        </p:txBody>
+      </p:sp>
+    </p:spTree>
+    <p:extLst>
+      <p:ext uri="{BB962C8B-B14F-4D97-AF65-F5344CB8AC3E}">
+        <p14:creationId xmlns:p14="http://schemas.microsoft.com/office/powerpoint/2010/main" val="1501082869"/>
+      </p:ext>
+    </p:extLst>
+  </p:cSld>
+  <p:clrMapOvr>
+    <a:masterClrMapping/>
+  </p:clrMapOvr>
+</p:notes>
+</file>
+
+<file path=ppt/notesSlides/notesSlide52.xml><?xml version="1.0" encoding="utf-8"?>
+<p:notes xmlns:a="http://schemas.openxmlformats.org/drawingml/2006/main" xmlns:r="http://schemas.openxmlformats.org/officeDocument/2006/relationships" xmlns:p="http://schemas.openxmlformats.org/presentationml/2006/main">
+  <p:cSld>
+    <p:spTree>
+      <p:nvGrpSpPr>
+        <p:cNvPr id="1" name=""/>
+        <p:cNvGrpSpPr/>
+        <p:nvPr/>
+      </p:nvGrpSpPr>
+      <p:grpSpPr>
+        <a:xfrm>
+          <a:off x="0" y="0"/>
+          <a:ext cx="0" cy="0"/>
+          <a:chOff x="0" y="0"/>
+          <a:chExt cx="0" cy="0"/>
+        </a:xfrm>
+      </p:grpSpPr>
+      <p:sp>
+        <p:nvSpPr>
+          <p:cNvPr id="2" name="幻灯片图像占位符 1"/>
+          <p:cNvSpPr>
+            <a:spLocks noGrp="1" noRot="1" noChangeAspect="1"/>
+          </p:cNvSpPr>
+          <p:nvPr>
+            <p:ph type="sldImg"/>
+          </p:nvPr>
+        </p:nvSpPr>
+        <p:spPr/>
+      </p:sp>
+      <p:sp>
+        <p:nvSpPr>
+          <p:cNvPr id="3" name="备注占位符 2"/>
+          <p:cNvSpPr>
+            <a:spLocks noGrp="1"/>
+          </p:cNvSpPr>
+          <p:nvPr>
+            <p:ph type="body" idx="1"/>
+          </p:nvPr>
+        </p:nvSpPr>
+        <p:spPr/>
+        <p:txBody>
+          <a:bodyPr/>
+          <a:lstStyle/>
+          <a:p>
+            <a:endParaRPr lang="zh-CN" altLang="en-US"/>
+          </a:p>
+        </p:txBody>
+      </p:sp>
+      <p:sp>
+        <p:nvSpPr>
+          <p:cNvPr id="4" name="灯片编号占位符 3"/>
+          <p:cNvSpPr>
+            <a:spLocks noGrp="1"/>
+          </p:cNvSpPr>
+          <p:nvPr>
+            <p:ph type="sldNum" sz="quarter" idx="10"/>
+          </p:nvPr>
+        </p:nvSpPr>
+        <p:spPr/>
+        <p:txBody>
+          <a:bodyPr/>
+          <a:lstStyle/>
+          <a:p>
+            <a:fld id="{6473F681-7291-41D2-A146-1FB28A7F6200}" type="slidenum">
+              <a:rPr lang="zh-CN" altLang="en-US" smtClean="0"/>
+              <a:t>52</a:t>
             </a:fld>
             <a:endParaRPr lang="zh-CN" altLang="en-US"/>
           </a:p>
@@ -4238,6 +4387,7 @@
           <a:p>
             <a:fld id="{6473F681-7291-41D2-A146-1FB28A7F6200}" type="slidenum">
               <a:rPr lang="zh-CN" altLang="en-US" smtClean="0"/>
+              <a:t>6</a:t>
             </a:fld>
             <a:endParaRPr lang="zh-CN" altLang="en-US"/>
           </a:p>
@@ -4316,6 +4466,7 @@
           <a:p>
             <a:fld id="{6473F681-7291-41D2-A146-1FB28A7F6200}" type="slidenum">
               <a:rPr lang="zh-CN" altLang="en-US" smtClean="0"/>
+              <a:t>7</a:t>
             </a:fld>
             <a:endParaRPr lang="zh-CN" altLang="en-US"/>
           </a:p>
@@ -4394,6 +4545,7 @@
           <a:p>
             <a:fld id="{6473F681-7291-41D2-A146-1FB28A7F6200}" type="slidenum">
               <a:rPr lang="zh-CN" altLang="en-US" smtClean="0"/>
+              <a:t>8</a:t>
             </a:fld>
             <a:endParaRPr lang="zh-CN" altLang="en-US"/>
           </a:p>
@@ -4472,6 +4624,7 @@
           <a:p>
             <a:fld id="{6473F681-7291-41D2-A146-1FB28A7F6200}" type="slidenum">
               <a:rPr lang="zh-CN" altLang="en-US" smtClean="0"/>
+              <a:t>9</a:t>
             </a:fld>
             <a:endParaRPr lang="zh-CN" altLang="en-US"/>
           </a:p>
@@ -4526,7 +4679,6 @@
               <a:rPr lang="zh-CN" altLang="en-US"/>
               <a:t>单击此处编辑母版标题样式</a:t>
             </a:r>
-            <a:endParaRPr lang="zh-CN" altLang="en-US"/>
           </a:p>
         </p:txBody>
       </p:sp>
@@ -4645,7 +4797,6 @@
               <a:rPr lang="zh-CN" altLang="en-US"/>
               <a:t>单击此处编辑母版副标题样式</a:t>
             </a:r>
-            <a:endParaRPr lang="zh-CN" altLang="en-US"/>
           </a:p>
         </p:txBody>
       </p:sp>
@@ -4666,6 +4817,7 @@
           <a:p>
             <a:fld id="{530820CF-B880-4189-942D-D702A7CBA730}" type="datetimeFigureOut">
               <a:rPr lang="zh-CN" altLang="en-US" smtClean="0"/>
+              <a:t>2017/11/1</a:t>
             </a:fld>
             <a:endParaRPr lang="zh-CN" altLang="en-US"/>
           </a:p>
@@ -4707,6 +4859,7 @@
           <a:p>
             <a:fld id="{0C913308-F349-4B6D-A68A-DD1791B4A57B}" type="slidenum">
               <a:rPr lang="zh-CN" altLang="en-US" smtClean="0"/>
+              <a:t>‹#›</a:t>
             </a:fld>
             <a:endParaRPr lang="zh-CN" altLang="en-US"/>
           </a:p>
@@ -4717,13 +4870,13 @@
   <p:clrMapOvr>
     <a:masterClrMapping/>
   </p:clrMapOvr>
-  <mc:AlternateContent xmlns:mc="http://schemas.openxmlformats.org/markup-compatibility/2006">
-    <mc:Choice xmlns:p14="http://schemas.microsoft.com/office/powerpoint/2010/main" Requires="p14">
+  <mc:AlternateContent xmlns:mc="http://schemas.openxmlformats.org/markup-compatibility/2006" xmlns:p14="http://schemas.microsoft.com/office/powerpoint/2010/main">
+    <mc:Choice Requires="p14">
       <p:transition spd="slow" p14:dur="1600" advClick="0" advTm="3000">
         <p14:gallery dir="l"/>
       </p:transition>
     </mc:Choice>
-    <mc:Fallback>
+    <mc:Fallback xmlns="">
       <p:transition spd="slow" advClick="0" advTm="3000">
         <p:fade/>
       </p:transition>
@@ -4768,7 +4921,6 @@
               <a:rPr lang="zh-CN" altLang="en-US"/>
               <a:t>单击此处编辑母版标题样式</a:t>
             </a:r>
-            <a:endParaRPr lang="zh-CN" altLang="en-US"/>
           </a:p>
         </p:txBody>
       </p:sp>
@@ -4792,7 +4944,6 @@
               <a:rPr lang="zh-CN" altLang="en-US"/>
               <a:t>单击此处编辑母版文本样式</a:t>
             </a:r>
-            <a:endParaRPr lang="zh-CN" altLang="en-US"/>
           </a:p>
           <a:p>
             <a:pPr lvl="1"/>
@@ -4800,7 +4951,6 @@
               <a:rPr lang="zh-CN" altLang="en-US"/>
               <a:t>第二级</a:t>
             </a:r>
-            <a:endParaRPr lang="zh-CN" altLang="en-US"/>
           </a:p>
           <a:p>
             <a:pPr lvl="2"/>
@@ -4808,7 +4958,6 @@
               <a:rPr lang="zh-CN" altLang="en-US"/>
               <a:t>第三级</a:t>
             </a:r>
-            <a:endParaRPr lang="zh-CN" altLang="en-US"/>
           </a:p>
           <a:p>
             <a:pPr lvl="3"/>
@@ -4816,7 +4965,6 @@
               <a:rPr lang="zh-CN" altLang="en-US"/>
               <a:t>第四级</a:t>
             </a:r>
-            <a:endParaRPr lang="zh-CN" altLang="en-US"/>
           </a:p>
           <a:p>
             <a:pPr lvl="4"/>
@@ -4824,7 +4972,6 @@
               <a:rPr lang="zh-CN" altLang="en-US"/>
               <a:t>第五级</a:t>
             </a:r>
-            <a:endParaRPr lang="zh-CN" altLang="en-US"/>
           </a:p>
         </p:txBody>
       </p:sp>
@@ -4845,6 +4992,7 @@
           <a:p>
             <a:fld id="{530820CF-B880-4189-942D-D702A7CBA730}" type="datetimeFigureOut">
               <a:rPr lang="zh-CN" altLang="en-US" smtClean="0"/>
+              <a:t>2017/11/1</a:t>
             </a:fld>
             <a:endParaRPr lang="zh-CN" altLang="en-US"/>
           </a:p>
@@ -4886,6 +5034,7 @@
           <a:p>
             <a:fld id="{0C913308-F349-4B6D-A68A-DD1791B4A57B}" type="slidenum">
               <a:rPr lang="zh-CN" altLang="en-US" smtClean="0"/>
+              <a:t>‹#›</a:t>
             </a:fld>
             <a:endParaRPr lang="zh-CN" altLang="en-US"/>
           </a:p>
@@ -4896,13 +5045,13 @@
   <p:clrMapOvr>
     <a:masterClrMapping/>
   </p:clrMapOvr>
-  <mc:AlternateContent xmlns:mc="http://schemas.openxmlformats.org/markup-compatibility/2006">
-    <mc:Choice xmlns:p14="http://schemas.microsoft.com/office/powerpoint/2010/main" Requires="p14">
+  <mc:AlternateContent xmlns:mc="http://schemas.openxmlformats.org/markup-compatibility/2006" xmlns:p14="http://schemas.microsoft.com/office/powerpoint/2010/main">
+    <mc:Choice Requires="p14">
       <p:transition spd="slow" p14:dur="1600" advClick="0" advTm="3000">
         <p14:gallery dir="l"/>
       </p:transition>
     </mc:Choice>
-    <mc:Fallback>
+    <mc:Fallback xmlns="">
       <p:transition spd="slow" advClick="0" advTm="3000">
         <p:fade/>
       </p:transition>
@@ -4952,7 +5101,6 @@
               <a:rPr lang="zh-CN" altLang="en-US"/>
               <a:t>单击此处编辑母版标题样式</a:t>
             </a:r>
-            <a:endParaRPr lang="zh-CN" altLang="en-US"/>
           </a:p>
         </p:txBody>
       </p:sp>
@@ -4981,7 +5129,6 @@
               <a:rPr lang="zh-CN" altLang="en-US"/>
               <a:t>单击此处编辑母版文本样式</a:t>
             </a:r>
-            <a:endParaRPr lang="zh-CN" altLang="en-US"/>
           </a:p>
           <a:p>
             <a:pPr lvl="1"/>
@@ -4989,7 +5136,6 @@
               <a:rPr lang="zh-CN" altLang="en-US"/>
               <a:t>第二级</a:t>
             </a:r>
-            <a:endParaRPr lang="zh-CN" altLang="en-US"/>
           </a:p>
           <a:p>
             <a:pPr lvl="2"/>
@@ -4997,7 +5143,6 @@
               <a:rPr lang="zh-CN" altLang="en-US"/>
               <a:t>第三级</a:t>
             </a:r>
-            <a:endParaRPr lang="zh-CN" altLang="en-US"/>
           </a:p>
           <a:p>
             <a:pPr lvl="3"/>
@@ -5005,7 +5150,6 @@
               <a:rPr lang="zh-CN" altLang="en-US"/>
               <a:t>第四级</a:t>
             </a:r>
-            <a:endParaRPr lang="zh-CN" altLang="en-US"/>
           </a:p>
           <a:p>
             <a:pPr lvl="4"/>
@@ -5013,7 +5157,6 @@
               <a:rPr lang="zh-CN" altLang="en-US"/>
               <a:t>第五级</a:t>
             </a:r>
-            <a:endParaRPr lang="zh-CN" altLang="en-US"/>
           </a:p>
         </p:txBody>
       </p:sp>
@@ -5034,6 +5177,7 @@
           <a:p>
             <a:fld id="{530820CF-B880-4189-942D-D702A7CBA730}" type="datetimeFigureOut">
               <a:rPr lang="zh-CN" altLang="en-US" smtClean="0"/>
+              <a:t>2017/11/1</a:t>
             </a:fld>
             <a:endParaRPr lang="zh-CN" altLang="en-US"/>
           </a:p>
@@ -5075,6 +5219,7 @@
           <a:p>
             <a:fld id="{0C913308-F349-4B6D-A68A-DD1791B4A57B}" type="slidenum">
               <a:rPr lang="zh-CN" altLang="en-US" smtClean="0"/>
+              <a:t>‹#›</a:t>
             </a:fld>
             <a:endParaRPr lang="zh-CN" altLang="en-US"/>
           </a:p>
@@ -5085,13 +5230,13 @@
   <p:clrMapOvr>
     <a:masterClrMapping/>
   </p:clrMapOvr>
-  <mc:AlternateContent xmlns:mc="http://schemas.openxmlformats.org/markup-compatibility/2006">
-    <mc:Choice xmlns:p14="http://schemas.microsoft.com/office/powerpoint/2010/main" Requires="p14">
+  <mc:AlternateContent xmlns:mc="http://schemas.openxmlformats.org/markup-compatibility/2006" xmlns:p14="http://schemas.microsoft.com/office/powerpoint/2010/main">
+    <mc:Choice Requires="p14">
       <p:transition spd="slow" p14:dur="1600" advClick="0" advTm="3000">
         <p14:gallery dir="l"/>
       </p:transition>
     </mc:Choice>
-    <mc:Fallback>
+    <mc:Fallback xmlns="">
       <p:transition spd="slow" advClick="0" advTm="3000">
         <p:fade/>
       </p:transition>
@@ -5136,7 +5281,6 @@
               <a:rPr lang="zh-CN" altLang="en-US"/>
               <a:t>单击此处编辑母版标题样式</a:t>
             </a:r>
-            <a:endParaRPr lang="zh-CN" altLang="en-US"/>
           </a:p>
         </p:txBody>
       </p:sp>
@@ -5160,7 +5304,6 @@
               <a:rPr lang="zh-CN" altLang="en-US"/>
               <a:t>单击此处编辑母版文本样式</a:t>
             </a:r>
-            <a:endParaRPr lang="zh-CN" altLang="en-US"/>
           </a:p>
           <a:p>
             <a:pPr lvl="1"/>
@@ -5168,7 +5311,6 @@
               <a:rPr lang="zh-CN" altLang="en-US"/>
               <a:t>第二级</a:t>
             </a:r>
-            <a:endParaRPr lang="zh-CN" altLang="en-US"/>
           </a:p>
           <a:p>
             <a:pPr lvl="2"/>
@@ -5176,7 +5318,6 @@
               <a:rPr lang="zh-CN" altLang="en-US"/>
               <a:t>第三级</a:t>
             </a:r>
-            <a:endParaRPr lang="zh-CN" altLang="en-US"/>
           </a:p>
           <a:p>
             <a:pPr lvl="3"/>
@@ -5184,7 +5325,6 @@
               <a:rPr lang="zh-CN" altLang="en-US"/>
               <a:t>第四级</a:t>
             </a:r>
-            <a:endParaRPr lang="zh-CN" altLang="en-US"/>
           </a:p>
           <a:p>
             <a:pPr lvl="4"/>
@@ -5192,7 +5332,6 @@
               <a:rPr lang="zh-CN" altLang="en-US"/>
               <a:t>第五级</a:t>
             </a:r>
-            <a:endParaRPr lang="zh-CN" altLang="en-US"/>
           </a:p>
         </p:txBody>
       </p:sp>
@@ -5213,6 +5352,7 @@
           <a:p>
             <a:fld id="{530820CF-B880-4189-942D-D702A7CBA730}" type="datetimeFigureOut">
               <a:rPr lang="zh-CN" altLang="en-US" smtClean="0"/>
+              <a:t>2017/11/1</a:t>
             </a:fld>
             <a:endParaRPr lang="zh-CN" altLang="en-US"/>
           </a:p>
@@ -5254,6 +5394,7 @@
           <a:p>
             <a:fld id="{0C913308-F349-4B6D-A68A-DD1791B4A57B}" type="slidenum">
               <a:rPr lang="zh-CN" altLang="en-US" smtClean="0"/>
+              <a:t>‹#›</a:t>
             </a:fld>
             <a:endParaRPr lang="zh-CN" altLang="en-US"/>
           </a:p>
@@ -5264,13 +5405,13 @@
   <p:clrMapOvr>
     <a:masterClrMapping/>
   </p:clrMapOvr>
-  <mc:AlternateContent xmlns:mc="http://schemas.openxmlformats.org/markup-compatibility/2006">
-    <mc:Choice xmlns:p14="http://schemas.microsoft.com/office/powerpoint/2010/main" Requires="p14">
+  <mc:AlternateContent xmlns:mc="http://schemas.openxmlformats.org/markup-compatibility/2006" xmlns:p14="http://schemas.microsoft.com/office/powerpoint/2010/main">
+    <mc:Choice Requires="p14">
       <p:transition spd="slow" p14:dur="1600" advClick="0" advTm="3000">
         <p14:gallery dir="l"/>
       </p:transition>
     </mc:Choice>
-    <mc:Fallback>
+    <mc:Fallback xmlns="">
       <p:transition spd="slow" advClick="0" advTm="3000">
         <p:fade/>
       </p:transition>
@@ -5324,7 +5465,6 @@
               <a:rPr lang="zh-CN" altLang="en-US"/>
               <a:t>单击此处编辑母版标题样式</a:t>
             </a:r>
-            <a:endParaRPr lang="zh-CN" altLang="en-US"/>
           </a:p>
         </p:txBody>
       </p:sp>
@@ -5444,7 +5584,6 @@
               <a:rPr lang="zh-CN" altLang="en-US"/>
               <a:t>单击此处编辑母版文本样式</a:t>
             </a:r>
-            <a:endParaRPr lang="zh-CN" altLang="en-US"/>
           </a:p>
         </p:txBody>
       </p:sp>
@@ -5465,6 +5604,7 @@
           <a:p>
             <a:fld id="{530820CF-B880-4189-942D-D702A7CBA730}" type="datetimeFigureOut">
               <a:rPr lang="zh-CN" altLang="en-US" smtClean="0"/>
+              <a:t>2017/11/1</a:t>
             </a:fld>
             <a:endParaRPr lang="zh-CN" altLang="en-US"/>
           </a:p>
@@ -5506,6 +5646,7 @@
           <a:p>
             <a:fld id="{0C913308-F349-4B6D-A68A-DD1791B4A57B}" type="slidenum">
               <a:rPr lang="zh-CN" altLang="en-US" smtClean="0"/>
+              <a:t>‹#›</a:t>
             </a:fld>
             <a:endParaRPr lang="zh-CN" altLang="en-US"/>
           </a:p>
@@ -5516,13 +5657,13 @@
   <p:clrMapOvr>
     <a:masterClrMapping/>
   </p:clrMapOvr>
-  <mc:AlternateContent xmlns:mc="http://schemas.openxmlformats.org/markup-compatibility/2006">
-    <mc:Choice xmlns:p14="http://schemas.microsoft.com/office/powerpoint/2010/main" Requires="p14">
+  <mc:AlternateContent xmlns:mc="http://schemas.openxmlformats.org/markup-compatibility/2006" xmlns:p14="http://schemas.microsoft.com/office/powerpoint/2010/main">
+    <mc:Choice Requires="p14">
       <p:transition spd="slow" p14:dur="1600" advClick="0" advTm="3000">
         <p14:gallery dir="l"/>
       </p:transition>
     </mc:Choice>
-    <mc:Fallback>
+    <mc:Fallback xmlns="">
       <p:transition spd="slow" advClick="0" advTm="3000">
         <p:fade/>
       </p:transition>
@@ -5567,7 +5708,6 @@
               <a:rPr lang="zh-CN" altLang="en-US"/>
               <a:t>单击此处编辑母版标题样式</a:t>
             </a:r>
-            <a:endParaRPr lang="zh-CN" altLang="en-US"/>
           </a:p>
         </p:txBody>
       </p:sp>
@@ -5624,7 +5764,6 @@
               <a:rPr lang="zh-CN" altLang="en-US"/>
               <a:t>单击此处编辑母版文本样式</a:t>
             </a:r>
-            <a:endParaRPr lang="zh-CN" altLang="en-US"/>
           </a:p>
           <a:p>
             <a:pPr lvl="1"/>
@@ -5632,7 +5771,6 @@
               <a:rPr lang="zh-CN" altLang="en-US"/>
               <a:t>第二级</a:t>
             </a:r>
-            <a:endParaRPr lang="zh-CN" altLang="en-US"/>
           </a:p>
           <a:p>
             <a:pPr lvl="2"/>
@@ -5640,7 +5778,6 @@
               <a:rPr lang="zh-CN" altLang="en-US"/>
               <a:t>第三级</a:t>
             </a:r>
-            <a:endParaRPr lang="zh-CN" altLang="en-US"/>
           </a:p>
           <a:p>
             <a:pPr lvl="3"/>
@@ -5648,7 +5785,6 @@
               <a:rPr lang="zh-CN" altLang="en-US"/>
               <a:t>第四级</a:t>
             </a:r>
-            <a:endParaRPr lang="zh-CN" altLang="en-US"/>
           </a:p>
           <a:p>
             <a:pPr lvl="4"/>
@@ -5656,7 +5792,6 @@
               <a:rPr lang="zh-CN" altLang="en-US"/>
               <a:t>第五级</a:t>
             </a:r>
-            <a:endParaRPr lang="zh-CN" altLang="en-US"/>
           </a:p>
         </p:txBody>
       </p:sp>
@@ -5713,7 +5848,6 @@
               <a:rPr lang="zh-CN" altLang="en-US"/>
               <a:t>单击此处编辑母版文本样式</a:t>
             </a:r>
-            <a:endParaRPr lang="zh-CN" altLang="en-US"/>
           </a:p>
           <a:p>
             <a:pPr lvl="1"/>
@@ -5721,7 +5855,6 @@
               <a:rPr lang="zh-CN" altLang="en-US"/>
               <a:t>第二级</a:t>
             </a:r>
-            <a:endParaRPr lang="zh-CN" altLang="en-US"/>
           </a:p>
           <a:p>
             <a:pPr lvl="2"/>
@@ -5729,7 +5862,6 @@
               <a:rPr lang="zh-CN" altLang="en-US"/>
               <a:t>第三级</a:t>
             </a:r>
-            <a:endParaRPr lang="zh-CN" altLang="en-US"/>
           </a:p>
           <a:p>
             <a:pPr lvl="3"/>
@@ -5737,7 +5869,6 @@
               <a:rPr lang="zh-CN" altLang="en-US"/>
               <a:t>第四级</a:t>
             </a:r>
-            <a:endParaRPr lang="zh-CN" altLang="en-US"/>
           </a:p>
           <a:p>
             <a:pPr lvl="4"/>
@@ -5745,7 +5876,6 @@
               <a:rPr lang="zh-CN" altLang="en-US"/>
               <a:t>第五级</a:t>
             </a:r>
-            <a:endParaRPr lang="zh-CN" altLang="en-US"/>
           </a:p>
         </p:txBody>
       </p:sp>
@@ -5766,6 +5896,7 @@
           <a:p>
             <a:fld id="{530820CF-B880-4189-942D-D702A7CBA730}" type="datetimeFigureOut">
               <a:rPr lang="zh-CN" altLang="en-US" smtClean="0"/>
+              <a:t>2017/11/1</a:t>
             </a:fld>
             <a:endParaRPr lang="zh-CN" altLang="en-US"/>
           </a:p>
@@ -5807,6 +5938,7 @@
           <a:p>
             <a:fld id="{0C913308-F349-4B6D-A68A-DD1791B4A57B}" type="slidenum">
               <a:rPr lang="zh-CN" altLang="en-US" smtClean="0"/>
+              <a:t>‹#›</a:t>
             </a:fld>
             <a:endParaRPr lang="zh-CN" altLang="en-US"/>
           </a:p>
@@ -5817,13 +5949,13 @@
   <p:clrMapOvr>
     <a:masterClrMapping/>
   </p:clrMapOvr>
-  <mc:AlternateContent xmlns:mc="http://schemas.openxmlformats.org/markup-compatibility/2006">
-    <mc:Choice xmlns:p14="http://schemas.microsoft.com/office/powerpoint/2010/main" Requires="p14">
+  <mc:AlternateContent xmlns:mc="http://schemas.openxmlformats.org/markup-compatibility/2006" xmlns:p14="http://schemas.microsoft.com/office/powerpoint/2010/main">
+    <mc:Choice Requires="p14">
       <p:transition spd="slow" p14:dur="1600" advClick="0" advTm="3000">
         <p14:gallery dir="l"/>
       </p:transition>
     </mc:Choice>
-    <mc:Fallback>
+    <mc:Fallback xmlns="">
       <p:transition spd="slow" advClick="0" advTm="3000">
         <p:fade/>
       </p:transition>
@@ -5872,7 +6004,6 @@
               <a:rPr lang="zh-CN" altLang="en-US"/>
               <a:t>单击此处编辑母版标题样式</a:t>
             </a:r>
-            <a:endParaRPr lang="zh-CN" altLang="en-US"/>
           </a:p>
         </p:txBody>
       </p:sp>
@@ -5938,7 +6069,6 @@
               <a:rPr lang="zh-CN" altLang="en-US"/>
               <a:t>单击此处编辑母版文本样式</a:t>
             </a:r>
-            <a:endParaRPr lang="zh-CN" altLang="en-US"/>
           </a:p>
         </p:txBody>
       </p:sp>
@@ -5995,7 +6125,6 @@
               <a:rPr lang="zh-CN" altLang="en-US"/>
               <a:t>单击此处编辑母版文本样式</a:t>
             </a:r>
-            <a:endParaRPr lang="zh-CN" altLang="en-US"/>
           </a:p>
           <a:p>
             <a:pPr lvl="1"/>
@@ -6003,7 +6132,6 @@
               <a:rPr lang="zh-CN" altLang="en-US"/>
               <a:t>第二级</a:t>
             </a:r>
-            <a:endParaRPr lang="zh-CN" altLang="en-US"/>
           </a:p>
           <a:p>
             <a:pPr lvl="2"/>
@@ -6011,7 +6139,6 @@
               <a:rPr lang="zh-CN" altLang="en-US"/>
               <a:t>第三级</a:t>
             </a:r>
-            <a:endParaRPr lang="zh-CN" altLang="en-US"/>
           </a:p>
           <a:p>
             <a:pPr lvl="3"/>
@@ -6019,7 +6146,6 @@
               <a:rPr lang="zh-CN" altLang="en-US"/>
               <a:t>第四级</a:t>
             </a:r>
-            <a:endParaRPr lang="zh-CN" altLang="en-US"/>
           </a:p>
           <a:p>
             <a:pPr lvl="4"/>
@@ -6027,7 +6153,6 @@
               <a:rPr lang="zh-CN" altLang="en-US"/>
               <a:t>第五级</a:t>
             </a:r>
-            <a:endParaRPr lang="zh-CN" altLang="en-US"/>
           </a:p>
         </p:txBody>
       </p:sp>
@@ -6093,7 +6218,6 @@
               <a:rPr lang="zh-CN" altLang="en-US"/>
               <a:t>单击此处编辑母版文本样式</a:t>
             </a:r>
-            <a:endParaRPr lang="zh-CN" altLang="en-US"/>
           </a:p>
         </p:txBody>
       </p:sp>
@@ -6150,7 +6274,6 @@
               <a:rPr lang="zh-CN" altLang="en-US"/>
               <a:t>单击此处编辑母版文本样式</a:t>
             </a:r>
-            <a:endParaRPr lang="zh-CN" altLang="en-US"/>
           </a:p>
           <a:p>
             <a:pPr lvl="1"/>
@@ -6158,7 +6281,6 @@
               <a:rPr lang="zh-CN" altLang="en-US"/>
               <a:t>第二级</a:t>
             </a:r>
-            <a:endParaRPr lang="zh-CN" altLang="en-US"/>
           </a:p>
           <a:p>
             <a:pPr lvl="2"/>
@@ -6166,7 +6288,6 @@
               <a:rPr lang="zh-CN" altLang="en-US"/>
               <a:t>第三级</a:t>
             </a:r>
-            <a:endParaRPr lang="zh-CN" altLang="en-US"/>
           </a:p>
           <a:p>
             <a:pPr lvl="3"/>
@@ -6174,7 +6295,6 @@
               <a:rPr lang="zh-CN" altLang="en-US"/>
               <a:t>第四级</a:t>
             </a:r>
-            <a:endParaRPr lang="zh-CN" altLang="en-US"/>
           </a:p>
           <a:p>
             <a:pPr lvl="4"/>
@@ -6182,7 +6302,6 @@
               <a:rPr lang="zh-CN" altLang="en-US"/>
               <a:t>第五级</a:t>
             </a:r>
-            <a:endParaRPr lang="zh-CN" altLang="en-US"/>
           </a:p>
         </p:txBody>
       </p:sp>
@@ -6203,6 +6322,7 @@
           <a:p>
             <a:fld id="{530820CF-B880-4189-942D-D702A7CBA730}" type="datetimeFigureOut">
               <a:rPr lang="zh-CN" altLang="en-US" smtClean="0"/>
+              <a:t>2017/11/1</a:t>
             </a:fld>
             <a:endParaRPr lang="zh-CN" altLang="en-US"/>
           </a:p>
@@ -6244,6 +6364,7 @@
           <a:p>
             <a:fld id="{0C913308-F349-4B6D-A68A-DD1791B4A57B}" type="slidenum">
               <a:rPr lang="zh-CN" altLang="en-US" smtClean="0"/>
+              <a:t>‹#›</a:t>
             </a:fld>
             <a:endParaRPr lang="zh-CN" altLang="en-US"/>
           </a:p>
@@ -6254,13 +6375,13 @@
   <p:clrMapOvr>
     <a:masterClrMapping/>
   </p:clrMapOvr>
-  <mc:AlternateContent xmlns:mc="http://schemas.openxmlformats.org/markup-compatibility/2006">
-    <mc:Choice xmlns:p14="http://schemas.microsoft.com/office/powerpoint/2010/main" Requires="p14">
+  <mc:AlternateContent xmlns:mc="http://schemas.openxmlformats.org/markup-compatibility/2006" xmlns:p14="http://schemas.microsoft.com/office/powerpoint/2010/main">
+    <mc:Choice Requires="p14">
       <p:transition spd="slow" p14:dur="1600" advClick="0" advTm="3000">
         <p14:gallery dir="l"/>
       </p:transition>
     </mc:Choice>
-    <mc:Fallback>
+    <mc:Fallback xmlns="">
       <p:transition spd="slow" advClick="0" advTm="3000">
         <p:fade/>
       </p:transition>
@@ -6305,7 +6426,6 @@
               <a:rPr lang="zh-CN" altLang="en-US"/>
               <a:t>单击此处编辑母版标题样式</a:t>
             </a:r>
-            <a:endParaRPr lang="zh-CN" altLang="en-US"/>
           </a:p>
         </p:txBody>
       </p:sp>
@@ -6326,6 +6446,7 @@
           <a:p>
             <a:fld id="{530820CF-B880-4189-942D-D702A7CBA730}" type="datetimeFigureOut">
               <a:rPr lang="zh-CN" altLang="en-US" smtClean="0"/>
+              <a:t>2017/11/1</a:t>
             </a:fld>
             <a:endParaRPr lang="zh-CN" altLang="en-US"/>
           </a:p>
@@ -6367,6 +6488,7 @@
           <a:p>
             <a:fld id="{0C913308-F349-4B6D-A68A-DD1791B4A57B}" type="slidenum">
               <a:rPr lang="zh-CN" altLang="en-US" smtClean="0"/>
+              <a:t>‹#›</a:t>
             </a:fld>
             <a:endParaRPr lang="zh-CN" altLang="en-US"/>
           </a:p>
@@ -6377,13 +6499,13 @@
   <p:clrMapOvr>
     <a:masterClrMapping/>
   </p:clrMapOvr>
-  <mc:AlternateContent xmlns:mc="http://schemas.openxmlformats.org/markup-compatibility/2006">
-    <mc:Choice xmlns:p14="http://schemas.microsoft.com/office/powerpoint/2010/main" Requires="p14">
+  <mc:AlternateContent xmlns:mc="http://schemas.openxmlformats.org/markup-compatibility/2006" xmlns:p14="http://schemas.microsoft.com/office/powerpoint/2010/main">
+    <mc:Choice Requires="p14">
       <p:transition spd="slow" p14:dur="1600" advClick="0" advTm="3000">
         <p14:gallery dir="l"/>
       </p:transition>
     </mc:Choice>
-    <mc:Fallback>
+    <mc:Fallback xmlns="">
       <p:transition spd="slow" advClick="0" advTm="3000">
         <p:fade/>
       </p:transition>
@@ -6426,6 +6548,7 @@
           <a:p>
             <a:fld id="{530820CF-B880-4189-942D-D702A7CBA730}" type="datetimeFigureOut">
               <a:rPr lang="zh-CN" altLang="en-US" smtClean="0"/>
+              <a:t>2017/11/1</a:t>
             </a:fld>
             <a:endParaRPr lang="zh-CN" altLang="en-US"/>
           </a:p>
@@ -6467,6 +6590,7 @@
           <a:p>
             <a:fld id="{0C913308-F349-4B6D-A68A-DD1791B4A57B}" type="slidenum">
               <a:rPr lang="zh-CN" altLang="en-US" smtClean="0"/>
+              <a:t>‹#›</a:t>
             </a:fld>
             <a:endParaRPr lang="zh-CN" altLang="en-US"/>
           </a:p>
@@ -6477,13 +6601,13 @@
   <p:clrMapOvr>
     <a:masterClrMapping/>
   </p:clrMapOvr>
-  <mc:AlternateContent xmlns:mc="http://schemas.openxmlformats.org/markup-compatibility/2006">
-    <mc:Choice xmlns:p14="http://schemas.microsoft.com/office/powerpoint/2010/main" Requires="p14">
+  <mc:AlternateContent xmlns:mc="http://schemas.openxmlformats.org/markup-compatibility/2006" xmlns:p14="http://schemas.microsoft.com/office/powerpoint/2010/main">
+    <mc:Choice Requires="p14">
       <p:transition spd="slow" p14:dur="1600" advClick="0" advTm="3000">
         <p14:gallery dir="l"/>
       </p:transition>
     </mc:Choice>
-    <mc:Fallback>
+    <mc:Fallback xmlns="">
       <p:transition spd="slow" advClick="0" advTm="3000">
         <p:fade/>
       </p:transition>
@@ -6537,7 +6661,6 @@
               <a:rPr lang="zh-CN" altLang="en-US"/>
               <a:t>单击此处编辑母版标题样式</a:t>
             </a:r>
-            <a:endParaRPr lang="zh-CN" altLang="en-US"/>
           </a:p>
         </p:txBody>
       </p:sp>
@@ -6594,7 +6717,6 @@
               <a:rPr lang="zh-CN" altLang="en-US"/>
               <a:t>单击此处编辑母版文本样式</a:t>
             </a:r>
-            <a:endParaRPr lang="zh-CN" altLang="en-US"/>
           </a:p>
           <a:p>
             <a:pPr lvl="1"/>
@@ -6602,7 +6724,6 @@
               <a:rPr lang="zh-CN" altLang="en-US"/>
               <a:t>第二级</a:t>
             </a:r>
-            <a:endParaRPr lang="zh-CN" altLang="en-US"/>
           </a:p>
           <a:p>
             <a:pPr lvl="2"/>
@@ -6610,7 +6731,6 @@
               <a:rPr lang="zh-CN" altLang="en-US"/>
               <a:t>第三级</a:t>
             </a:r>
-            <a:endParaRPr lang="zh-CN" altLang="en-US"/>
           </a:p>
           <a:p>
             <a:pPr lvl="3"/>
@@ -6618,7 +6738,6 @@
               <a:rPr lang="zh-CN" altLang="en-US"/>
               <a:t>第四级</a:t>
             </a:r>
-            <a:endParaRPr lang="zh-CN" altLang="en-US"/>
           </a:p>
           <a:p>
             <a:pPr lvl="4"/>
@@ -6626,7 +6745,6 @@
               <a:rPr lang="zh-CN" altLang="en-US"/>
               <a:t>第五级</a:t>
             </a:r>
-            <a:endParaRPr lang="zh-CN" altLang="en-US"/>
           </a:p>
         </p:txBody>
       </p:sp>
@@ -6692,7 +6810,6 @@
               <a:rPr lang="zh-CN" altLang="en-US"/>
               <a:t>单击此处编辑母版文本样式</a:t>
             </a:r>
-            <a:endParaRPr lang="zh-CN" altLang="en-US"/>
           </a:p>
         </p:txBody>
       </p:sp>
@@ -6713,6 +6830,7 @@
           <a:p>
             <a:fld id="{530820CF-B880-4189-942D-D702A7CBA730}" type="datetimeFigureOut">
               <a:rPr lang="zh-CN" altLang="en-US" smtClean="0"/>
+              <a:t>2017/11/1</a:t>
             </a:fld>
             <a:endParaRPr lang="zh-CN" altLang="en-US"/>
           </a:p>
@@ -6754,6 +6872,7 @@
           <a:p>
             <a:fld id="{0C913308-F349-4B6D-A68A-DD1791B4A57B}" type="slidenum">
               <a:rPr lang="zh-CN" altLang="en-US" smtClean="0"/>
+              <a:t>‹#›</a:t>
             </a:fld>
             <a:endParaRPr lang="zh-CN" altLang="en-US"/>
           </a:p>
@@ -6764,13 +6883,13 @@
   <p:clrMapOvr>
     <a:masterClrMapping/>
   </p:clrMapOvr>
-  <mc:AlternateContent xmlns:mc="http://schemas.openxmlformats.org/markup-compatibility/2006">
-    <mc:Choice xmlns:p14="http://schemas.microsoft.com/office/powerpoint/2010/main" Requires="p14">
+  <mc:AlternateContent xmlns:mc="http://schemas.openxmlformats.org/markup-compatibility/2006" xmlns:p14="http://schemas.microsoft.com/office/powerpoint/2010/main">
+    <mc:Choice Requires="p14">
       <p:transition spd="slow" p14:dur="1600" advClick="0" advTm="3000">
         <p14:gallery dir="l"/>
       </p:transition>
     </mc:Choice>
-    <mc:Fallback>
+    <mc:Fallback xmlns="">
       <p:transition spd="slow" advClick="0" advTm="3000">
         <p:fade/>
       </p:transition>
@@ -6824,7 +6943,6 @@
               <a:rPr lang="zh-CN" altLang="en-US"/>
               <a:t>单击此处编辑母版标题样式</a:t>
             </a:r>
-            <a:endParaRPr lang="zh-CN" altLang="en-US"/>
           </a:p>
         </p:txBody>
       </p:sp>
@@ -6951,7 +7069,6 @@
               <a:rPr lang="zh-CN" altLang="en-US"/>
               <a:t>单击此处编辑母版文本样式</a:t>
             </a:r>
-            <a:endParaRPr lang="zh-CN" altLang="en-US"/>
           </a:p>
         </p:txBody>
       </p:sp>
@@ -6972,6 +7089,7 @@
           <a:p>
             <a:fld id="{530820CF-B880-4189-942D-D702A7CBA730}" type="datetimeFigureOut">
               <a:rPr lang="zh-CN" altLang="en-US" smtClean="0"/>
+              <a:t>2017/11/1</a:t>
             </a:fld>
             <a:endParaRPr lang="zh-CN" altLang="en-US"/>
           </a:p>
@@ -7013,6 +7131,7 @@
           <a:p>
             <a:fld id="{0C913308-F349-4B6D-A68A-DD1791B4A57B}" type="slidenum">
               <a:rPr lang="zh-CN" altLang="en-US" smtClean="0"/>
+              <a:t>‹#›</a:t>
             </a:fld>
             <a:endParaRPr lang="zh-CN" altLang="en-US"/>
           </a:p>
@@ -7023,13 +7142,13 @@
   <p:clrMapOvr>
     <a:masterClrMapping/>
   </p:clrMapOvr>
-  <mc:AlternateContent xmlns:mc="http://schemas.openxmlformats.org/markup-compatibility/2006">
-    <mc:Choice xmlns:p14="http://schemas.microsoft.com/office/powerpoint/2010/main" Requires="p14">
+  <mc:AlternateContent xmlns:mc="http://schemas.openxmlformats.org/markup-compatibility/2006" xmlns:p14="http://schemas.microsoft.com/office/powerpoint/2010/main">
+    <mc:Choice Requires="p14">
       <p:transition spd="slow" p14:dur="1600" advClick="0" advTm="3000">
         <p14:gallery dir="l"/>
       </p:transition>
     </mc:Choice>
-    <mc:Fallback>
+    <mc:Fallback xmlns="">
       <p:transition spd="slow" advClick="0" advTm="3000">
         <p:fade/>
       </p:transition>
@@ -7089,7 +7208,6 @@
               <a:rPr lang="zh-CN" altLang="en-US"/>
               <a:t>单击此处编辑母版标题样式</a:t>
             </a:r>
-            <a:endParaRPr lang="zh-CN" altLang="en-US"/>
           </a:p>
         </p:txBody>
       </p:sp>
@@ -7123,7 +7241,6 @@
               <a:rPr lang="zh-CN" altLang="en-US"/>
               <a:t>单击此处编辑母版文本样式</a:t>
             </a:r>
-            <a:endParaRPr lang="zh-CN" altLang="en-US"/>
           </a:p>
           <a:p>
             <a:pPr lvl="1"/>
@@ -7131,7 +7248,6 @@
               <a:rPr lang="zh-CN" altLang="en-US"/>
               <a:t>第二级</a:t>
             </a:r>
-            <a:endParaRPr lang="zh-CN" altLang="en-US"/>
           </a:p>
           <a:p>
             <a:pPr lvl="2"/>
@@ -7139,7 +7255,6 @@
               <a:rPr lang="zh-CN" altLang="en-US"/>
               <a:t>第三级</a:t>
             </a:r>
-            <a:endParaRPr lang="zh-CN" altLang="en-US"/>
           </a:p>
           <a:p>
             <a:pPr lvl="3"/>
@@ -7147,7 +7262,6 @@
               <a:rPr lang="zh-CN" altLang="en-US"/>
               <a:t>第四级</a:t>
             </a:r>
-            <a:endParaRPr lang="zh-CN" altLang="en-US"/>
           </a:p>
           <a:p>
             <a:pPr lvl="4"/>
@@ -7155,7 +7269,6 @@
               <a:rPr lang="zh-CN" altLang="en-US"/>
               <a:t>第五级</a:t>
             </a:r>
-            <a:endParaRPr lang="zh-CN" altLang="en-US"/>
           </a:p>
         </p:txBody>
       </p:sp>
@@ -7194,6 +7307,7 @@
           <a:p>
             <a:fld id="{530820CF-B880-4189-942D-D702A7CBA730}" type="datetimeFigureOut">
               <a:rPr lang="zh-CN" altLang="en-US" smtClean="0"/>
+              <a:t>2017/11/1</a:t>
             </a:fld>
             <a:endParaRPr lang="zh-CN" altLang="en-US"/>
           </a:p>
@@ -7271,6 +7385,7 @@
           <a:p>
             <a:fld id="{0C913308-F349-4B6D-A68A-DD1791B4A57B}" type="slidenum">
               <a:rPr lang="zh-CN" altLang="en-US" smtClean="0"/>
+              <a:t>‹#›</a:t>
             </a:fld>
             <a:endParaRPr lang="zh-CN" altLang="en-US"/>
           </a:p>
@@ -7292,13 +7407,13 @@
     <p:sldLayoutId id="2147483658" r:id="rId10"/>
     <p:sldLayoutId id="2147483659" r:id="rId11"/>
   </p:sldLayoutIdLst>
-  <mc:AlternateContent xmlns:mc="http://schemas.openxmlformats.org/markup-compatibility/2006">
-    <mc:Choice xmlns:p14="http://schemas.microsoft.com/office/powerpoint/2010/main" Requires="p14">
+  <mc:AlternateContent xmlns:mc="http://schemas.openxmlformats.org/markup-compatibility/2006" xmlns:p14="http://schemas.microsoft.com/office/powerpoint/2010/main">
+    <mc:Choice Requires="p14">
       <p:transition spd="slow" p14:dur="1600" advClick="0" advTm="3000">
         <p14:gallery dir="l"/>
       </p:transition>
     </mc:Choice>
-    <mc:Fallback>
+    <mc:Fallback xmlns="">
       <p:transition spd="slow" advClick="0" advTm="3000">
         <p:fade/>
       </p:transition>
@@ -7851,16 +7966,6 @@
               </a:rPr>
               <a:t>概述</a:t>
             </a:r>
-            <a:endParaRPr lang="zh-CN" altLang="en-US" sz="6600" spc="300" dirty="0">
-              <a:solidFill>
-                <a:schemeClr val="tx1">
-                  <a:lumMod val="85000"/>
-                  <a:lumOff val="15000"/>
-                </a:schemeClr>
-              </a:solidFill>
-              <a:latin typeface="黑体" panose="02010609060101010101" pitchFamily="49" charset="-122"/>
-              <a:ea typeface="黑体" panose="02010609060101010101" pitchFamily="49" charset="-122"/>
-            </a:endParaRPr>
           </a:p>
         </p:txBody>
       </p:sp>
@@ -8181,13 +8286,6 @@
               </a:rPr>
               <a:t>小组</a:t>
             </a:r>
-            <a:endParaRPr lang="zh-CN" altLang="en-US" dirty="0">
-              <a:solidFill>
-                <a:schemeClr val="bg1"/>
-              </a:solidFill>
-              <a:latin typeface="汉仪大圣体简" panose="00020600040101010101" pitchFamily="18" charset="-122"/>
-              <a:ea typeface="汉仪大圣体简" panose="00020600040101010101" pitchFamily="18" charset="-122"/>
-            </a:endParaRPr>
           </a:p>
         </p:txBody>
       </p:sp>
@@ -8554,7 +8652,7 @@
           <p:nvPr/>
         </p:nvPicPr>
         <p:blipFill>
-          <a:blip r:embed="rId1" cstate="print">
+          <a:blip r:embed="rId3" cstate="print">
             <a:extLst>
               <a:ext uri="{28A0092B-C50C-407E-A947-70E740481C1C}">
                 <a14:useLocalDpi xmlns:a14="http://schemas.microsoft.com/office/drawing/2010/main" val="0"/>
@@ -8604,13 +8702,13 @@
   <p:clrMapOvr>
     <a:masterClrMapping/>
   </p:clrMapOvr>
-  <mc:AlternateContent xmlns:mc="http://schemas.openxmlformats.org/markup-compatibility/2006">
-    <mc:Choice xmlns:p14="http://schemas.microsoft.com/office/powerpoint/2010/main" Requires="p14">
+  <mc:AlternateContent xmlns:mc="http://schemas.openxmlformats.org/markup-compatibility/2006" xmlns:p14="http://schemas.microsoft.com/office/powerpoint/2010/main">
+    <mc:Choice Requires="p14">
       <p:transition spd="slow" p14:dur="1600" advClick="0" advTm="6355">
         <p14:gallery dir="l"/>
       </p:transition>
     </mc:Choice>
-    <mc:Fallback>
+    <mc:Fallback xmlns="">
       <p:transition spd="slow" advClick="0" advTm="6355">
         <p:fade/>
       </p:transition>
@@ -8738,7 +8836,6 @@
               <a:rPr lang="zh-CN" altLang="en-US" sz="2400" b="1" dirty="0"/>
               <a:t>介绍</a:t>
             </a:r>
-            <a:endParaRPr lang="zh-CN" altLang="en-US" sz="2400" b="1" dirty="0"/>
           </a:p>
         </p:txBody>
       </p:sp>
@@ -8932,10 +9029,6 @@
               </a:rPr>
               <a:t>Booch是美国Rational软件工程公司的首席科学家和Booch方法的主创人。与Rational公司的Ivar Jacobson、James Rumbaugh共同创建了一种可视化地说明、建造软件系统的工业标准语言-统一建模语言UML。UML在1997年被对象管理组织OMG正式确定为国际标准。</a:t>
             </a:r>
-            <a:endParaRPr kumimoji="1" lang="zh-CN" altLang="en-US" sz="2000" b="1" dirty="0">
-              <a:ea typeface="楷体_GB2312" charset="-122"/>
-              <a:sym typeface="+mn-ea"/>
-            </a:endParaRPr>
           </a:p>
           <a:p>
             <a:pPr marL="342900" indent="-342900">
@@ -8951,9 +9044,6 @@
               </a:rPr>
               <a:t>Grady Booch的描述对象集合和它们之间的关系的方法。</a:t>
             </a:r>
-            <a:endParaRPr kumimoji="1" lang="zh-CN" altLang="en-US" sz="2000" b="1" dirty="0">
-              <a:ea typeface="楷体_GB2312" charset="-122"/>
-            </a:endParaRPr>
           </a:p>
           <a:p>
             <a:pPr marL="342900" indent="-342900">
@@ -9101,13 +9191,13 @@
   <p:clrMapOvr>
     <a:masterClrMapping/>
   </p:clrMapOvr>
-  <mc:AlternateContent xmlns:mc="http://schemas.openxmlformats.org/markup-compatibility/2006">
-    <mc:Choice xmlns:p14="http://schemas.microsoft.com/office/powerpoint/2010/main" Requires="p14">
+  <mc:AlternateContent xmlns:mc="http://schemas.openxmlformats.org/markup-compatibility/2006" xmlns:p14="http://schemas.microsoft.com/office/powerpoint/2010/main">
+    <mc:Choice Requires="p14">
       <p:transition spd="slow" p14:dur="1600" advClick="0" advTm="3000">
         <p14:gallery dir="l"/>
       </p:transition>
     </mc:Choice>
-    <mc:Fallback>
+    <mc:Fallback xmlns="">
       <p:transition spd="slow" advClick="0" advTm="3000">
         <p:fade/>
       </p:transition>
@@ -9235,7 +9325,6 @@
               <a:rPr lang="zh-CN" altLang="en-US" sz="2400" b="1" dirty="0"/>
               <a:t>介绍</a:t>
             </a:r>
-            <a:endParaRPr lang="zh-CN" altLang="en-US" sz="2400" b="1" dirty="0"/>
           </a:p>
         </p:txBody>
       </p:sp>
@@ -9440,9 +9529,6 @@
               </a:rPr>
               <a:t>Booch于一九七七年毕业于美国空军军官学校，并于一九七九年在加州大学圣.巴巴拉分校获得计算机工程硕士学位。Rational公司成立不久，Booch就加盟这个公司。在过去的十几年里他孜孜不倦地在面向对象领域里研究，取得了开拓性的研究成果。他开发了面向对象的分析设计方法Booch Method和可重用的、灵活的Booch组件。他还是Rational公司一些产品的开发者，包括该公司最初的软件工程环境Rational Enviroment及业界领先的可视化建模工具Ration Rose。</a:t>
             </a:r>
-            <a:endParaRPr kumimoji="1" lang="zh-CN" altLang="en-US" sz="2000" b="1" dirty="0">
-              <a:ea typeface="楷体_GB2312" charset="-122"/>
-            </a:endParaRPr>
           </a:p>
         </p:txBody>
       </p:sp>
@@ -9571,13 +9657,13 @@
   <p:clrMapOvr>
     <a:masterClrMapping/>
   </p:clrMapOvr>
-  <mc:AlternateContent xmlns:mc="http://schemas.openxmlformats.org/markup-compatibility/2006">
-    <mc:Choice xmlns:p14="http://schemas.microsoft.com/office/powerpoint/2010/main" Requires="p14">
+  <mc:AlternateContent xmlns:mc="http://schemas.openxmlformats.org/markup-compatibility/2006" xmlns:p14="http://schemas.microsoft.com/office/powerpoint/2010/main">
+    <mc:Choice Requires="p14">
       <p:transition spd="slow" p14:dur="1600" advClick="0" advTm="3000">
         <p14:gallery dir="l"/>
       </p:transition>
     </mc:Choice>
-    <mc:Fallback>
+    <mc:Fallback xmlns="">
       <p:transition spd="slow" advClick="0" advTm="3000">
         <p:fade/>
       </p:transition>
@@ -9705,7 +9791,6 @@
               <a:rPr lang="zh-CN" altLang="en-US" sz="2400" b="1" dirty="0"/>
               <a:t>介绍</a:t>
             </a:r>
-            <a:endParaRPr lang="zh-CN" altLang="en-US" sz="2400" b="1" dirty="0"/>
           </a:p>
         </p:txBody>
       </p:sp>
@@ -9934,9 +10019,6 @@
               </a:rPr>
               <a:t> 一直是引导 UML 未来开发的领袖，他提出了许多有关 UML 的概念，与 Rational 的其他软件领袖一起工作在各个领域。</a:t>
             </a:r>
-            <a:endParaRPr kumimoji="1" lang="zh-CN" altLang="en-US" sz="2000" b="1" dirty="0">
-              <a:ea typeface="楷体_GB2312" charset="-122"/>
-            </a:endParaRPr>
           </a:p>
         </p:txBody>
       </p:sp>
@@ -9981,10 +10063,6 @@
               </a:rPr>
               <a:t>James Rumbaugh</a:t>
             </a:r>
-            <a:endParaRPr kumimoji="1" lang="en-US" sz="2400" b="1" dirty="0">
-              <a:ea typeface="楷体_GB2312" charset="-122"/>
-              <a:sym typeface="+mn-ea"/>
-            </a:endParaRPr>
           </a:p>
         </p:txBody>
       </p:sp>
@@ -10063,13 +10141,13 @@
   <p:clrMapOvr>
     <a:masterClrMapping/>
   </p:clrMapOvr>
-  <mc:AlternateContent xmlns:mc="http://schemas.openxmlformats.org/markup-compatibility/2006">
-    <mc:Choice xmlns:p14="http://schemas.microsoft.com/office/powerpoint/2010/main" Requires="p14">
+  <mc:AlternateContent xmlns:mc="http://schemas.openxmlformats.org/markup-compatibility/2006" xmlns:p14="http://schemas.microsoft.com/office/powerpoint/2010/main">
+    <mc:Choice Requires="p14">
       <p:transition spd="slow" p14:dur="1600" advClick="0" advTm="3000">
         <p14:gallery dir="l"/>
       </p:transition>
     </mc:Choice>
-    <mc:Fallback>
+    <mc:Fallback xmlns="">
       <p:transition spd="slow" advClick="0" advTm="3000">
         <p:fade/>
       </p:transition>
@@ -10197,7 +10275,6 @@
               <a:rPr lang="zh-CN" altLang="en-US" sz="2400" b="1" dirty="0"/>
               <a:t>介绍</a:t>
             </a:r>
-            <a:endParaRPr lang="zh-CN" altLang="en-US" sz="2400" b="1" dirty="0"/>
           </a:p>
         </p:txBody>
       </p:sp>
@@ -10402,9 +10479,6 @@
               </a:rPr>
               <a:t>IvarJacobson博士被公认是深刻影响并改变着整个软件工业开发模式的世界级大师，是软件方法论的一面旗帜。他是面向方面的软件开发(AOSD)、组件(Component)和组件架构(Component Architecture)，用例，SDL (Specification Description Language), 现代业务工程，Rational统一过程(RUP), UML建模语言(与Grady Booch和James Rumbaugh共同创建)等业界主流方法和技术的创始人。</a:t>
             </a:r>
-            <a:endParaRPr kumimoji="1" lang="en-US" altLang="en-US" sz="2000" b="1" dirty="0">
-              <a:ea typeface="楷体_GB2312" charset="-122"/>
-            </a:endParaRPr>
           </a:p>
         </p:txBody>
       </p:sp>
@@ -10449,10 +10523,6 @@
               </a:rPr>
               <a:t>Ivar Jacobson</a:t>
             </a:r>
-            <a:endParaRPr kumimoji="1" lang="en-US" sz="2400" b="1" dirty="0">
-              <a:ea typeface="楷体_GB2312" charset="-122"/>
-              <a:sym typeface="+mn-ea"/>
-            </a:endParaRPr>
           </a:p>
         </p:txBody>
       </p:sp>
@@ -10531,13 +10601,13 @@
   <p:clrMapOvr>
     <a:masterClrMapping/>
   </p:clrMapOvr>
-  <mc:AlternateContent xmlns:mc="http://schemas.openxmlformats.org/markup-compatibility/2006">
-    <mc:Choice xmlns:p14="http://schemas.microsoft.com/office/powerpoint/2010/main" Requires="p14">
+  <mc:AlternateContent xmlns:mc="http://schemas.openxmlformats.org/markup-compatibility/2006" xmlns:p14="http://schemas.microsoft.com/office/powerpoint/2010/main">
+    <mc:Choice Requires="p14">
       <p:transition spd="slow" p14:dur="1600" advClick="0" advTm="3000">
         <p14:gallery dir="l"/>
       </p:transition>
     </mc:Choice>
-    <mc:Fallback>
+    <mc:Fallback xmlns="">
       <p:transition spd="slow" advClick="0" advTm="3000">
         <p:fade/>
       </p:transition>
@@ -10665,7 +10735,6 @@
               <a:rPr lang="zh-CN" altLang="en-US" sz="2400" b="1" dirty="0"/>
               <a:t>介绍</a:t>
             </a:r>
-            <a:endParaRPr lang="zh-CN" altLang="en-US" sz="2400" b="1" dirty="0"/>
           </a:p>
         </p:txBody>
       </p:sp>
@@ -10870,9 +10939,6 @@
               </a:rPr>
               <a:t>Ivar Jacobson博士曾任瑞典爱立信公司的首席软件体系架构师，负责迄今为止商业上最为成功的AXE交换机的研发。Ivar Jacobson博士在大规模架构重用方面做了大量的工作, 他在使用对象方法设计大型实时系统方面已经有超过25年的经验</a:t>
             </a:r>
-            <a:endParaRPr kumimoji="1" lang="en-US" altLang="en-US" sz="2000" b="1" dirty="0">
-              <a:ea typeface="楷体_GB2312" charset="-122"/>
-            </a:endParaRPr>
           </a:p>
           <a:p>
             <a:pPr marL="342900" indent="-342900">
@@ -10888,9 +10954,6 @@
               </a:rPr>
               <a:t>在过去四十年以来，Ivar Jacobson始终以其似火的创造热情和惊人的天赋，对整个软件产业保持了非凡的影响，是屈指可数的几位世界级软件大师之一。</a:t>
             </a:r>
-            <a:endParaRPr kumimoji="1" lang="en-US" altLang="en-US" sz="2000" b="1" dirty="0">
-              <a:ea typeface="楷体_GB2312" charset="-122"/>
-            </a:endParaRPr>
           </a:p>
         </p:txBody>
       </p:sp>
@@ -10935,10 +10998,6 @@
               </a:rPr>
               <a:t>Ivar Jacobson</a:t>
             </a:r>
-            <a:endParaRPr kumimoji="1" lang="en-US" sz="2400" b="1" dirty="0">
-              <a:ea typeface="楷体_GB2312" charset="-122"/>
-              <a:sym typeface="+mn-ea"/>
-            </a:endParaRPr>
           </a:p>
         </p:txBody>
       </p:sp>
@@ -11017,13 +11076,13 @@
   <p:clrMapOvr>
     <a:masterClrMapping/>
   </p:clrMapOvr>
-  <mc:AlternateContent xmlns:mc="http://schemas.openxmlformats.org/markup-compatibility/2006">
-    <mc:Choice xmlns:p14="http://schemas.microsoft.com/office/powerpoint/2010/main" Requires="p14">
+  <mc:AlternateContent xmlns:mc="http://schemas.openxmlformats.org/markup-compatibility/2006" xmlns:p14="http://schemas.microsoft.com/office/powerpoint/2010/main">
+    <mc:Choice Requires="p14">
       <p:transition spd="slow" p14:dur="1600" advClick="0" advTm="3000">
         <p14:gallery dir="l"/>
       </p:transition>
     </mc:Choice>
-    <mc:Fallback>
+    <mc:Fallback xmlns="">
       <p:transition spd="slow" advClick="0" advTm="3000">
         <p:fade/>
       </p:transition>
@@ -11151,7 +11210,6 @@
               <a:rPr lang="zh-CN" altLang="en-US" sz="2400" b="1" dirty="0"/>
               <a:t>介绍</a:t>
             </a:r>
-            <a:endParaRPr lang="zh-CN" altLang="en-US" sz="2400" b="1" dirty="0"/>
           </a:p>
         </p:txBody>
       </p:sp>
@@ -11356,9 +11414,6 @@
               </a:rPr>
               <a:t>Jacobson先生早年在爱立信担任首席架构师期间，发明了顺序图和协作图，稍后，他作出了对整个软件工业影响重大的发明——用例。在面向对象如火如荼的八十年代， Jacobson先生创立了Objective System，创造了OOSE软件工程方法，成为在世界上推行面向对象分析设计方法的领军人物。</a:t>
             </a:r>
-            <a:endParaRPr kumimoji="1" lang="en-US" altLang="en-US" sz="2000" b="1" dirty="0">
-              <a:ea typeface="楷体_GB2312" charset="-122"/>
-            </a:endParaRPr>
           </a:p>
           <a:p>
             <a:pPr marL="342900" indent="-342900">
@@ -11374,9 +11429,6 @@
               </a:rPr>
               <a:t>1995年，Jacobson先生加盟了 Rational，在此后的三年中，他与Grady Booch和James Rumbaugh三人一起创造了意义深远的UML，因此，他们三人被成合称为“UML三友”。</a:t>
             </a:r>
-            <a:endParaRPr kumimoji="1" lang="en-US" altLang="en-US" sz="2000" b="1" dirty="0">
-              <a:ea typeface="楷体_GB2312" charset="-122"/>
-            </a:endParaRPr>
           </a:p>
         </p:txBody>
       </p:sp>
@@ -11421,10 +11473,6 @@
               </a:rPr>
               <a:t>Ivar Jacobson</a:t>
             </a:r>
-            <a:endParaRPr kumimoji="1" lang="en-US" sz="2400" b="1" dirty="0">
-              <a:ea typeface="楷体_GB2312" charset="-122"/>
-              <a:sym typeface="+mn-ea"/>
-            </a:endParaRPr>
           </a:p>
         </p:txBody>
       </p:sp>
@@ -11503,13 +11551,13 @@
   <p:clrMapOvr>
     <a:masterClrMapping/>
   </p:clrMapOvr>
-  <mc:AlternateContent xmlns:mc="http://schemas.openxmlformats.org/markup-compatibility/2006">
-    <mc:Choice xmlns:p14="http://schemas.microsoft.com/office/powerpoint/2010/main" Requires="p14">
+  <mc:AlternateContent xmlns:mc="http://schemas.openxmlformats.org/markup-compatibility/2006" xmlns:p14="http://schemas.microsoft.com/office/powerpoint/2010/main">
+    <mc:Choice Requires="p14">
       <p:transition spd="slow" p14:dur="1600" advClick="0" advTm="3000">
         <p14:gallery dir="l"/>
       </p:transition>
     </mc:Choice>
-    <mc:Fallback>
+    <mc:Fallback xmlns="">
       <p:transition spd="slow" advClick="0" advTm="3000">
         <p:fade/>
       </p:transition>
@@ -11637,7 +11685,6 @@
               <a:rPr lang="zh-CN" altLang="en-US" sz="2400" b="1" dirty="0"/>
               <a:t>介绍</a:t>
             </a:r>
-            <a:endParaRPr lang="zh-CN" altLang="en-US" sz="2400" b="1" dirty="0"/>
           </a:p>
         </p:txBody>
       </p:sp>
@@ -11842,9 +11889,6 @@
               </a:rPr>
               <a:t>2003年，Jacobson先生成立了Ivar Jacobson International， 2005年进入中国，成立了雅各布森软件（北京）有限公司。Ivar Jacobson International致力于软件开发新方法的研究，并在2005年提出Essential UP，继续着他的软件传奇。</a:t>
             </a:r>
-            <a:endParaRPr kumimoji="1" lang="en-US" altLang="en-US" sz="2000" b="1" dirty="0">
-              <a:ea typeface="楷体_GB2312" charset="-122"/>
-            </a:endParaRPr>
           </a:p>
           <a:p>
             <a:pPr marL="342900" indent="-342900">
@@ -11860,9 +11904,6 @@
               </a:rPr>
               <a:t>Jacobson先生著作等身，其中像《面向对象软件工程》和《UML语言用户指南》等著作，已经成为殿堂级的软件经典著作。</a:t>
             </a:r>
-            <a:endParaRPr kumimoji="1" lang="en-US" altLang="en-US" sz="2000" b="1" dirty="0">
-              <a:ea typeface="楷体_GB2312" charset="-122"/>
-            </a:endParaRPr>
           </a:p>
         </p:txBody>
       </p:sp>
@@ -11907,10 +11948,6 @@
               </a:rPr>
               <a:t>Ivar Jacobson</a:t>
             </a:r>
-            <a:endParaRPr kumimoji="1" lang="en-US" sz="2400" b="1" dirty="0">
-              <a:ea typeface="楷体_GB2312" charset="-122"/>
-              <a:sym typeface="+mn-ea"/>
-            </a:endParaRPr>
           </a:p>
         </p:txBody>
       </p:sp>
@@ -11989,13 +12026,13 @@
   <p:clrMapOvr>
     <a:masterClrMapping/>
   </p:clrMapOvr>
-  <mc:AlternateContent xmlns:mc="http://schemas.openxmlformats.org/markup-compatibility/2006">
-    <mc:Choice xmlns:p14="http://schemas.microsoft.com/office/powerpoint/2010/main" Requires="p14">
+  <mc:AlternateContent xmlns:mc="http://schemas.openxmlformats.org/markup-compatibility/2006" xmlns:p14="http://schemas.microsoft.com/office/powerpoint/2010/main">
+    <mc:Choice Requires="p14">
       <p:transition spd="slow" p14:dur="1600" advClick="0" advTm="3000">
         <p14:gallery dir="l"/>
       </p:transition>
     </mc:Choice>
-    <mc:Fallback>
+    <mc:Fallback xmlns="">
       <p:transition spd="slow" advClick="0" advTm="3000">
         <p:fade/>
       </p:transition>
@@ -12123,7 +12160,6 @@
               <a:rPr lang="zh-CN" altLang="en-US" sz="2400" b="1" dirty="0"/>
               <a:t>介绍</a:t>
             </a:r>
-            <a:endParaRPr lang="zh-CN" altLang="en-US" sz="2400" b="1" dirty="0"/>
           </a:p>
         </p:txBody>
       </p:sp>
@@ -12328,9 +12364,6 @@
               </a:rPr>
               <a:t>OOA(Object Oriented Analysis)面向对象分析</a:t>
             </a:r>
-            <a:endParaRPr kumimoji="1" lang="en-US" altLang="en-US" sz="2000" b="1" dirty="0">
-              <a:ea typeface="楷体_GB2312" charset="-122"/>
-            </a:endParaRPr>
           </a:p>
           <a:p>
             <a:pPr marL="342900" indent="-342900">
@@ -12346,9 +12379,6 @@
               </a:rPr>
               <a:t>确定需求或者业务的角度，按照面向对象的思想来分析业务。例如：OOA只是对需求中描述的问题，进行模块化的处理，描述问题的本质，区别每个问题的不同点相同点，确定问题中的对象。OOA与结构化分析有较大的区别。OOA所强调的是在系统调查资料的基础上，针对OO方法所需要的素材进行的归类分析和整理，而不是对管理业务现状和方法的分析。 </a:t>
             </a:r>
-            <a:endParaRPr kumimoji="1" lang="en-US" altLang="en-US" sz="2000" b="1" dirty="0">
-              <a:ea typeface="楷体_GB2312" charset="-122"/>
-            </a:endParaRPr>
           </a:p>
         </p:txBody>
       </p:sp>
@@ -12382,7 +12412,6 @@
               <a:rPr lang="en-US" sz="2400" b="1" dirty="0"/>
               <a:t>——OOA</a:t>
             </a:r>
-            <a:endParaRPr lang="en-US" sz="2400" b="1" dirty="0"/>
           </a:p>
         </p:txBody>
       </p:sp>
@@ -12461,13 +12490,13 @@
   <p:clrMapOvr>
     <a:masterClrMapping/>
   </p:clrMapOvr>
-  <mc:AlternateContent xmlns:mc="http://schemas.openxmlformats.org/markup-compatibility/2006">
-    <mc:Choice xmlns:p14="http://schemas.microsoft.com/office/powerpoint/2010/main" Requires="p14">
+  <mc:AlternateContent xmlns:mc="http://schemas.openxmlformats.org/markup-compatibility/2006" xmlns:p14="http://schemas.microsoft.com/office/powerpoint/2010/main">
+    <mc:Choice Requires="p14">
       <p:transition spd="slow" p14:dur="1600" advClick="0" advTm="3000">
         <p14:gallery dir="l"/>
       </p:transition>
     </mc:Choice>
-    <mc:Fallback>
+    <mc:Fallback xmlns="">
       <p:transition spd="slow" advClick="0" advTm="3000">
         <p:fade/>
       </p:transition>
@@ -12595,7 +12624,6 @@
               <a:rPr lang="zh-CN" altLang="en-US" sz="2400" b="1" dirty="0"/>
               <a:t>介绍</a:t>
             </a:r>
-            <a:endParaRPr lang="zh-CN" altLang="en-US" sz="2400" b="1" dirty="0"/>
           </a:p>
         </p:txBody>
       </p:sp>
@@ -12830,9 +12858,6 @@
               </a:rPr>
               <a:t>等方法中的基本概念和符号。</a:t>
             </a:r>
-            <a:endParaRPr kumimoji="1" lang="zh-CN" altLang="en-US" sz="2000" b="1" dirty="0">
-              <a:ea typeface="楷体_GB2312" charset="-122"/>
-            </a:endParaRPr>
           </a:p>
           <a:p>
             <a:pPr marL="342900" indent="-342900">
@@ -12866,9 +12891,6 @@
               </a:rPr>
               <a:t>方法的影响。</a:t>
             </a:r>
-            <a:endParaRPr kumimoji="1" lang="zh-CN" altLang="en-US" sz="2000" b="1" dirty="0">
-              <a:ea typeface="楷体_GB2312" charset="-122"/>
-            </a:endParaRPr>
           </a:p>
           <a:p>
             <a:pPr marL="342900" indent="-342900">
@@ -12890,9 +12912,6 @@
               </a:rPr>
               <a:t>在演变过程中还提出了一些新的概念。</a:t>
             </a:r>
-            <a:endParaRPr kumimoji="1" lang="zh-CN" altLang="en-US" sz="2000" b="1" dirty="0">
-              <a:ea typeface="楷体_GB2312" charset="-122"/>
-            </a:endParaRPr>
           </a:p>
           <a:p>
             <a:pPr marL="342900" indent="-342900">
@@ -12944,9 +12963,6 @@
               </a:rPr>
               <a:t>）等新概念（。</a:t>
             </a:r>
-            <a:endParaRPr kumimoji="1" lang="zh-CN" altLang="en-US" sz="2000" b="1" dirty="0">
-              <a:ea typeface="楷体_GB2312" charset="-122"/>
-            </a:endParaRPr>
           </a:p>
         </p:txBody>
       </p:sp>
@@ -12980,7 +12996,6 @@
               <a:rPr lang="zh-CN" altLang="en-US" sz="2400" b="1" dirty="0"/>
               <a:t>特点</a:t>
             </a:r>
-            <a:endParaRPr lang="zh-CN" altLang="en-US" sz="2400" b="1" dirty="0"/>
           </a:p>
         </p:txBody>
       </p:sp>
@@ -13059,13 +13074,13 @@
   <p:clrMapOvr>
     <a:masterClrMapping/>
   </p:clrMapOvr>
-  <mc:AlternateContent xmlns:mc="http://schemas.openxmlformats.org/markup-compatibility/2006">
-    <mc:Choice xmlns:p14="http://schemas.microsoft.com/office/powerpoint/2010/main" Requires="p14">
+  <mc:AlternateContent xmlns:mc="http://schemas.openxmlformats.org/markup-compatibility/2006" xmlns:p14="http://schemas.microsoft.com/office/powerpoint/2010/main">
+    <mc:Choice Requires="p14">
       <p:transition spd="slow" p14:dur="1600" advClick="0" advTm="3000">
         <p14:gallery dir="l"/>
       </p:transition>
     </mc:Choice>
-    <mc:Fallback>
+    <mc:Fallback xmlns="">
       <p:transition spd="slow" advClick="0" advTm="3000">
         <p:fade/>
       </p:transition>
@@ -13126,16 +13141,6 @@
               </a:rPr>
               <a:t>PART</a:t>
             </a:r>
-            <a:endParaRPr lang="en-US" altLang="zh-CN" sz="3600" spc="300" dirty="0">
-              <a:solidFill>
-                <a:schemeClr val="tx1">
-                  <a:lumMod val="85000"/>
-                  <a:lumOff val="15000"/>
-                </a:schemeClr>
-              </a:solidFill>
-              <a:latin typeface="黑体" panose="02010609060101010101" pitchFamily="49" charset="-122"/>
-              <a:ea typeface="黑体" panose="02010609060101010101" pitchFamily="49" charset="-122"/>
-            </a:endParaRPr>
           </a:p>
         </p:txBody>
       </p:sp>
@@ -13473,9 +13478,6 @@
               </a:rPr>
               <a:t>概念模型</a:t>
             </a:r>
-            <a:endParaRPr lang="zh-CN" altLang="en-US" sz="3600" spc="300" dirty="0">
-              <a:latin typeface="+mn-ea"/>
-            </a:endParaRPr>
           </a:p>
         </p:txBody>
       </p:sp>
@@ -13630,13 +13632,13 @@
   <p:clrMapOvr>
     <a:masterClrMapping/>
   </p:clrMapOvr>
-  <mc:AlternateContent xmlns:mc="http://schemas.openxmlformats.org/markup-compatibility/2006">
-    <mc:Choice xmlns:p14="http://schemas.microsoft.com/office/powerpoint/2010/main" Requires="p14">
+  <mc:AlternateContent xmlns:mc="http://schemas.openxmlformats.org/markup-compatibility/2006" xmlns:p14="http://schemas.microsoft.com/office/powerpoint/2010/main">
+    <mc:Choice Requires="p14">
       <p:transition spd="slow" p14:dur="1600" advClick="0" advTm="3000">
         <p14:gallery dir="l"/>
       </p:transition>
     </mc:Choice>
-    <mc:Fallback>
+    <mc:Fallback xmlns="">
       <p:transition spd="slow" advClick="0" advTm="3000">
         <p:fade/>
       </p:transition>
@@ -14286,7 +14288,6 @@
                 <a:rPr lang="zh-CN" altLang="en-US" sz="2400" b="1" dirty="0"/>
                 <a:t>介绍</a:t>
               </a:r>
-              <a:endParaRPr lang="zh-CN" altLang="en-US" sz="2400" b="1" dirty="0"/>
             </a:p>
           </p:txBody>
         </p:sp>
@@ -14472,7 +14473,6 @@
                 <a:rPr lang="zh-CN" altLang="en-US" sz="2400" b="1" dirty="0"/>
                 <a:t>概念模型</a:t>
               </a:r>
-              <a:endParaRPr lang="zh-CN" altLang="en-US" sz="2400" b="1" dirty="0"/>
             </a:p>
           </p:txBody>
         </p:sp>
@@ -14800,7 +14800,6 @@
                 <a:rPr lang="zh-CN" altLang="en-US" sz="2400" b="1" dirty="0"/>
                 <a:t>体系结构</a:t>
               </a:r>
-              <a:endParaRPr lang="zh-CN" altLang="en-US" sz="2400" b="1" dirty="0"/>
             </a:p>
           </p:txBody>
         </p:sp>
@@ -14839,6 +14838,7 @@
             <a:bodyPr wrap="none" rtlCol="0">
               <a:spAutoFit/>
             </a:bodyPr>
+            <a:lstStyle/>
             <a:p>
               <a:r>
                 <a:rPr lang="en-US" altLang="zh-CN" dirty="0"/>
@@ -14901,6 +14901,7 @@
             </p:style>
             <p:txBody>
               <a:bodyPr rtlCol="0" anchor="ctr"/>
+              <a:lstStyle/>
               <a:p>
                 <a:pPr algn="ctr"/>
                 <a:endParaRPr lang="zh-CN" altLang="en-US"/>
@@ -14946,6 +14947,7 @@
             </p:style>
             <p:txBody>
               <a:bodyPr rtlCol="0" anchor="ctr"/>
+              <a:lstStyle/>
               <a:p>
                 <a:pPr algn="ctr"/>
                 <a:endParaRPr lang="zh-CN" altLang="en-US"/>
@@ -14973,12 +14975,12 @@
             <a:bodyPr wrap="none" rtlCol="0">
               <a:spAutoFit/>
             </a:bodyPr>
+            <a:lstStyle/>
             <a:p>
               <a:r>
                 <a:rPr lang="zh-CN" altLang="en-US" sz="2400" b="1" dirty="0"/>
                 <a:t>组员评价</a:t>
               </a:r>
-              <a:endParaRPr lang="zh-CN" altLang="en-US" sz="2400" b="1" dirty="0"/>
             </a:p>
           </p:txBody>
         </p:sp>
@@ -14988,13 +14990,13 @@
   <p:clrMapOvr>
     <a:masterClrMapping/>
   </p:clrMapOvr>
-  <mc:AlternateContent xmlns:mc="http://schemas.openxmlformats.org/markup-compatibility/2006">
-    <mc:Choice xmlns:p14="http://schemas.microsoft.com/office/powerpoint/2010/main" Requires="p14">
+  <mc:AlternateContent xmlns:mc="http://schemas.openxmlformats.org/markup-compatibility/2006" xmlns:p14="http://schemas.microsoft.com/office/powerpoint/2010/main">
+    <mc:Choice Requires="p14">
       <p:transition spd="slow" p14:dur="1600" advClick="0" advTm="3000">
         <p14:gallery dir="l"/>
       </p:transition>
     </mc:Choice>
-    <mc:Fallback>
+    <mc:Fallback xmlns="">
       <p:transition spd="slow" advClick="0" advTm="3000">
         <p:fade/>
       </p:transition>
@@ -15318,9 +15320,6 @@
               </a:rPr>
               <a:t>图（聚集了相关的事物）</a:t>
             </a:r>
-            <a:endParaRPr kumimoji="1" lang="zh-CN" altLang="en-US" sz="2800" b="1" dirty="0">
-              <a:ea typeface="楷体_GB2312" charset="-122"/>
-            </a:endParaRPr>
           </a:p>
         </p:txBody>
       </p:sp>
@@ -15354,7 +15353,6 @@
               <a:rPr lang="zh-CN" altLang="en-US" sz="2400" b="1" dirty="0"/>
               <a:t>的构造块</a:t>
             </a:r>
-            <a:endParaRPr lang="zh-CN" altLang="en-US" sz="2400" b="1" dirty="0"/>
           </a:p>
         </p:txBody>
       </p:sp>
@@ -15433,13 +15431,13 @@
   <p:clrMapOvr>
     <a:masterClrMapping/>
   </p:clrMapOvr>
-  <mc:AlternateContent xmlns:mc="http://schemas.openxmlformats.org/markup-compatibility/2006">
-    <mc:Choice xmlns:p14="http://schemas.microsoft.com/office/powerpoint/2010/main" Requires="p14">
+  <mc:AlternateContent xmlns:mc="http://schemas.openxmlformats.org/markup-compatibility/2006" xmlns:p14="http://schemas.microsoft.com/office/powerpoint/2010/main">
+    <mc:Choice Requires="p14">
       <p:transition spd="slow" p14:dur="1600" advClick="0" advTm="3000">
         <p14:gallery dir="l"/>
       </p:transition>
     </mc:Choice>
-    <mc:Fallback>
+    <mc:Fallback xmlns="">
       <p:transition spd="slow" advClick="0" advTm="3000">
         <p:fade/>
       </p:transition>
@@ -15778,10 +15776,6 @@
               </a:rPr>
               <a:t>模型中的名词，是模型的静态部分，描述概念或物理元素，总称为类目。包括以下几种</a:t>
             </a:r>
-            <a:endParaRPr kumimoji="1" lang="zh-CN" altLang="en-US" sz="2000" b="1" dirty="0">
-              <a:latin typeface="黑体" panose="02010609060101010101" pitchFamily="49" charset="-122"/>
-              <a:ea typeface="黑体" panose="02010609060101010101" pitchFamily="49" charset="-122"/>
-            </a:endParaRPr>
           </a:p>
           <a:p>
             <a:pPr marL="342900" indent="-342900">
@@ -15812,10 +15806,6 @@
               </a:rPr>
               <a:t>）</a:t>
             </a:r>
-            <a:endParaRPr kumimoji="1" lang="zh-CN" altLang="en-US" sz="2000" b="1" dirty="0">
-              <a:latin typeface="楷体_GB2312" charset="-122"/>
-              <a:ea typeface="楷体_GB2312" charset="-122"/>
-            </a:endParaRPr>
           </a:p>
           <a:p>
             <a:pPr marL="342900" indent="-342900">
@@ -15846,10 +15836,6 @@
               </a:rPr>
               <a:t>）</a:t>
             </a:r>
-            <a:endParaRPr kumimoji="1" lang="zh-CN" altLang="en-US" sz="2000" b="1" dirty="0">
-              <a:latin typeface="楷体_GB2312" charset="-122"/>
-              <a:ea typeface="楷体_GB2312" charset="-122"/>
-            </a:endParaRPr>
           </a:p>
           <a:p>
             <a:pPr marL="342900" indent="-342900">
@@ -15880,10 +15866,6 @@
               </a:rPr>
               <a:t>）</a:t>
             </a:r>
-            <a:endParaRPr kumimoji="1" lang="zh-CN" altLang="en-US" sz="2000" b="1" dirty="0">
-              <a:latin typeface="楷体_GB2312" charset="-122"/>
-              <a:ea typeface="楷体_GB2312" charset="-122"/>
-            </a:endParaRPr>
           </a:p>
           <a:p>
             <a:pPr marL="342900" indent="-342900">
@@ -15948,10 +15930,6 @@
               </a:rPr>
               <a:t>）</a:t>
             </a:r>
-            <a:endParaRPr kumimoji="1" lang="zh-CN" altLang="en-US" sz="2000" b="1" dirty="0">
-              <a:latin typeface="楷体_GB2312" charset="-122"/>
-              <a:ea typeface="楷体_GB2312" charset="-122"/>
-            </a:endParaRPr>
           </a:p>
           <a:p>
             <a:pPr marL="342900" indent="-342900">
@@ -16058,10 +16036,6 @@
               </a:rPr>
               <a:t>）</a:t>
             </a:r>
-            <a:endParaRPr kumimoji="1" lang="zh-CN" altLang="en-US" sz="2000" b="1" dirty="0">
-              <a:latin typeface="楷体_GB2312" charset="-122"/>
-              <a:ea typeface="楷体_GB2312" charset="-122"/>
-            </a:endParaRPr>
           </a:p>
           <a:p>
             <a:pPr marL="342900" indent="-342900">
@@ -16092,10 +16066,6 @@
               </a:rPr>
               <a:t>）</a:t>
             </a:r>
-            <a:endParaRPr kumimoji="1" lang="zh-CN" altLang="en-US" sz="2000" b="1" dirty="0">
-              <a:latin typeface="楷体_GB2312" charset="-122"/>
-              <a:ea typeface="楷体_GB2312" charset="-122"/>
-            </a:endParaRPr>
           </a:p>
         </p:txBody>
       </p:sp>
@@ -16129,7 +16099,6 @@
               <a:rPr lang="zh-CN" altLang="en-US" sz="2400" b="1" dirty="0"/>
               <a:t>中的事物</a:t>
             </a:r>
-            <a:endParaRPr lang="zh-CN" altLang="en-US" sz="2400" b="1" dirty="0"/>
           </a:p>
         </p:txBody>
       </p:sp>
@@ -16222,7 +16191,13 @@
                 <a:tableStyleId>{5C22544A-7EE6-4342-B048-85BDC9FD1C3A}</a:tableStyleId>
               </a:tblPr>
               <a:tblGrid>
-                <a:gridCol w="1080120"/>
+                <a:gridCol w="1080120">
+                  <a:extLst>
+                    <a:ext uri="{9D8B030D-6E8A-4147-A177-3AD203B41FA5}">
+                      <a16:colId xmlns:a16="http://schemas.microsoft.com/office/drawing/2014/main" val="20000"/>
+                    </a:ext>
+                  </a:extLst>
+                </a:gridCol>
               </a:tblGrid>
               <a:tr h="370840">
                 <a:tc>
@@ -16285,6 +16260,11 @@
                     <a:noFill/>
                   </a:tcPr>
                 </a:tc>
+                <a:extLst>
+                  <a:ext uri="{0D108BD9-81ED-4DB2-BD59-A6C34878D82A}">
+                    <a16:rowId xmlns:a16="http://schemas.microsoft.com/office/drawing/2014/main" val="10000"/>
+                  </a:ext>
+                </a:extLst>
               </a:tr>
               <a:tr h="370840">
                 <a:tc>
@@ -16339,6 +16319,11 @@
                     <a:noFill/>
                   </a:tcPr>
                 </a:tc>
+                <a:extLst>
+                  <a:ext uri="{0D108BD9-81ED-4DB2-BD59-A6C34878D82A}">
+                    <a16:rowId xmlns:a16="http://schemas.microsoft.com/office/drawing/2014/main" val="10001"/>
+                  </a:ext>
+                </a:extLst>
               </a:tr>
               <a:tr h="370840">
                 <a:tc>
@@ -16350,7 +16335,6 @@
                         <a:rPr lang="en-US" altLang="zh-CN" dirty="0"/>
                         <a:t>open()</a:t>
                       </a:r>
-                      <a:endParaRPr lang="en-US" altLang="zh-CN" dirty="0"/>
                     </a:p>
                     <a:p>
                       <a:r>
@@ -16400,6 +16384,11 @@
                     <a:noFill/>
                   </a:tcPr>
                 </a:tc>
+                <a:extLst>
+                  <a:ext uri="{0D108BD9-81ED-4DB2-BD59-A6C34878D82A}">
+                    <a16:rowId xmlns:a16="http://schemas.microsoft.com/office/drawing/2014/main" val="10002"/>
+                  </a:ext>
+                </a:extLst>
               </a:tr>
             </a:tbl>
           </a:graphicData>
@@ -16431,7 +16420,6 @@
               <a:rPr lang="zh-CN" altLang="en-US" dirty="0"/>
               <a:t>类</a:t>
             </a:r>
-            <a:endParaRPr lang="zh-CN" altLang="en-US" dirty="0"/>
           </a:p>
         </p:txBody>
       </p:sp>
@@ -16454,7 +16442,13 @@
                 <a:tableStyleId>{5C22544A-7EE6-4342-B048-85BDC9FD1C3A}</a:tableStyleId>
               </a:tblPr>
               <a:tblGrid>
-                <a:gridCol w="1657095"/>
+                <a:gridCol w="1657095">
+                  <a:extLst>
+                    <a:ext uri="{9D8B030D-6E8A-4147-A177-3AD203B41FA5}">
+                      <a16:colId xmlns:a16="http://schemas.microsoft.com/office/drawing/2014/main" val="20000"/>
+                    </a:ext>
+                  </a:extLst>
+                </a:gridCol>
               </a:tblGrid>
               <a:tr h="370840">
                 <a:tc>
@@ -16470,11 +16464,6 @@
                         </a:rPr>
                         <a:t>&lt;interface&gt;</a:t>
                       </a:r>
-                      <a:endParaRPr lang="en-US" altLang="zh-CN" dirty="0">
-                        <a:solidFill>
-                          <a:schemeClr val="tx1"/>
-                        </a:solidFill>
-                      </a:endParaRPr>
                     </a:p>
                     <a:p>
                       <a:r>
@@ -16532,6 +16521,11 @@
                     <a:noFill/>
                   </a:tcPr>
                 </a:tc>
+                <a:extLst>
+                  <a:ext uri="{0D108BD9-81ED-4DB2-BD59-A6C34878D82A}">
+                    <a16:rowId xmlns:a16="http://schemas.microsoft.com/office/drawing/2014/main" val="10000"/>
+                  </a:ext>
+                </a:extLst>
               </a:tr>
               <a:tr h="370840">
                 <a:tc>
@@ -16586,6 +16580,11 @@
                     <a:noFill/>
                   </a:tcPr>
                 </a:tc>
+                <a:extLst>
+                  <a:ext uri="{0D108BD9-81ED-4DB2-BD59-A6C34878D82A}">
+                    <a16:rowId xmlns:a16="http://schemas.microsoft.com/office/drawing/2014/main" val="10001"/>
+                  </a:ext>
+                </a:extLst>
               </a:tr>
               <a:tr h="370840">
                 <a:tc>
@@ -16597,7 +16596,6 @@
                         <a:rPr lang="en-US" altLang="zh-CN" dirty="0"/>
                         <a:t>open()</a:t>
                       </a:r>
-                      <a:endParaRPr lang="en-US" altLang="zh-CN" dirty="0"/>
                     </a:p>
                     <a:p>
                       <a:r>
@@ -16647,6 +16645,11 @@
                     <a:noFill/>
                   </a:tcPr>
                 </a:tc>
+                <a:extLst>
+                  <a:ext uri="{0D108BD9-81ED-4DB2-BD59-A6C34878D82A}">
+                    <a16:rowId xmlns:a16="http://schemas.microsoft.com/office/drawing/2014/main" val="10002"/>
+                  </a:ext>
+                </a:extLst>
               </a:tr>
             </a:tbl>
           </a:graphicData>
@@ -16986,7 +16989,6 @@
               <a:rPr lang="zh-CN" altLang="en-US" dirty="0"/>
               <a:t>接口</a:t>
             </a:r>
-            <a:endParaRPr lang="zh-CN" altLang="en-US" dirty="0"/>
           </a:p>
         </p:txBody>
       </p:sp>
@@ -17107,7 +17109,6 @@
                 <a:rPr lang="zh-CN" altLang="en-US" dirty="0"/>
                 <a:t>协作</a:t>
               </a:r>
-              <a:endParaRPr lang="zh-CN" altLang="en-US" dirty="0"/>
             </a:p>
           </p:txBody>
         </p:sp>
@@ -17228,7 +17229,6 @@
                 <a:rPr lang="zh-CN" altLang="en-US" dirty="0"/>
                 <a:t>用况</a:t>
               </a:r>
-              <a:endParaRPr lang="zh-CN" altLang="en-US" dirty="0"/>
             </a:p>
           </p:txBody>
         </p:sp>
@@ -17449,7 +17449,6 @@
                 <a:rPr lang="en-US" altLang="zh-CN" dirty="0"/>
                 <a:t>suspend()</a:t>
               </a:r>
-              <a:endParaRPr lang="en-US" altLang="zh-CN" dirty="0"/>
             </a:p>
             <a:p>
               <a:r>
@@ -17487,7 +17486,6 @@
               <a:rPr lang="zh-CN" altLang="en-US" dirty="0"/>
               <a:t>主动类</a:t>
             </a:r>
-            <a:endParaRPr lang="zh-CN" altLang="en-US" dirty="0"/>
           </a:p>
         </p:txBody>
       </p:sp>
@@ -17510,7 +17508,13 @@
                 <a:tableStyleId>{5C22544A-7EE6-4342-B048-85BDC9FD1C3A}</a:tableStyleId>
               </a:tblPr>
               <a:tblGrid>
-                <a:gridCol w="1282020"/>
+                <a:gridCol w="1282020">
+                  <a:extLst>
+                    <a:ext uri="{9D8B030D-6E8A-4147-A177-3AD203B41FA5}">
+                      <a16:colId xmlns:a16="http://schemas.microsoft.com/office/drawing/2014/main" val="20000"/>
+                    </a:ext>
+                  </a:extLst>
+                </a:gridCol>
               </a:tblGrid>
               <a:tr h="370840">
                 <a:tc>
@@ -17531,16 +17535,6 @@
                         </a:rPr>
                         <a:t>《artifact》</a:t>
                       </a:r>
-                      <a:endParaRPr lang="en-US" altLang="zh-CN" b="0" dirty="0">
-                        <a:ln>
-                          <a:solidFill>
-                            <a:sysClr val="windowText" lastClr="000000"/>
-                          </a:solidFill>
-                        </a:ln>
-                        <a:solidFill>
-                          <a:schemeClr val="tx1"/>
-                        </a:solidFill>
-                      </a:endParaRPr>
                     </a:p>
                     <a:p>
                       <a:r>
@@ -17603,6 +17597,11 @@
                     <a:noFill/>
                   </a:tcPr>
                 </a:tc>
+                <a:extLst>
+                  <a:ext uri="{0D108BD9-81ED-4DB2-BD59-A6C34878D82A}">
+                    <a16:rowId xmlns:a16="http://schemas.microsoft.com/office/drawing/2014/main" val="10000"/>
+                  </a:ext>
+                </a:extLst>
               </a:tr>
             </a:tbl>
           </a:graphicData>
@@ -17634,7 +17633,6 @@
               <a:rPr lang="zh-CN" altLang="en-US" dirty="0"/>
               <a:t>制品</a:t>
             </a:r>
-            <a:endParaRPr lang="zh-CN" altLang="en-US" dirty="0"/>
           </a:p>
         </p:txBody>
       </p:sp>
@@ -17740,7 +17738,6 @@
               <a:rPr lang="zh-CN" altLang="en-US" dirty="0"/>
               <a:t>结点</a:t>
             </a:r>
-            <a:endParaRPr lang="zh-CN" altLang="en-US" dirty="0"/>
           </a:p>
         </p:txBody>
       </p:sp>
@@ -17749,13 +17746,13 @@
   <p:clrMapOvr>
     <a:masterClrMapping/>
   </p:clrMapOvr>
-  <mc:AlternateContent xmlns:mc="http://schemas.openxmlformats.org/markup-compatibility/2006">
-    <mc:Choice xmlns:p14="http://schemas.microsoft.com/office/powerpoint/2010/main" Requires="p14">
+  <mc:AlternateContent xmlns:mc="http://schemas.openxmlformats.org/markup-compatibility/2006" xmlns:p14="http://schemas.microsoft.com/office/powerpoint/2010/main">
+    <mc:Choice Requires="p14">
       <p:transition spd="slow" p14:dur="1600" advClick="0" advTm="3000">
         <p14:gallery dir="l"/>
       </p:transition>
     </mc:Choice>
-    <mc:Fallback>
+    <mc:Fallback xmlns="">
       <p:transition spd="slow" advClick="0" advTm="3000">
         <p:fade/>
       </p:transition>
@@ -17883,7 +17880,6 @@
               <a:rPr lang="zh-CN" altLang="en-US" sz="2400" b="1" dirty="0"/>
               <a:t>概念模型</a:t>
             </a:r>
-            <a:endParaRPr lang="zh-CN" altLang="en-US" sz="2400" b="1" dirty="0"/>
           </a:p>
         </p:txBody>
       </p:sp>
@@ -18242,7 +18238,6 @@
               <a:rPr lang="zh-CN" altLang="en-US" sz="2400" b="1" dirty="0"/>
               <a:t>中的事物</a:t>
             </a:r>
-            <a:endParaRPr lang="zh-CN" altLang="en-US" sz="2400" b="1" dirty="0"/>
           </a:p>
         </p:txBody>
       </p:sp>
@@ -18321,13 +18316,13 @@
   <p:clrMapOvr>
     <a:masterClrMapping/>
   </p:clrMapOvr>
-  <mc:AlternateContent xmlns:mc="http://schemas.openxmlformats.org/markup-compatibility/2006">
-    <mc:Choice xmlns:p14="http://schemas.microsoft.com/office/powerpoint/2010/main" Requires="p14">
+  <mc:AlternateContent xmlns:mc="http://schemas.openxmlformats.org/markup-compatibility/2006" xmlns:p14="http://schemas.microsoft.com/office/powerpoint/2010/main">
+    <mc:Choice Requires="p14">
       <p:transition spd="slow" p14:dur="1600" advClick="0" advTm="3000">
         <p14:gallery dir="l"/>
       </p:transition>
     </mc:Choice>
-    <mc:Fallback>
+    <mc:Fallback xmlns="">
       <p:transition spd="slow" advClick="0" advTm="3000">
         <p:fade/>
       </p:transition>
@@ -18455,7 +18450,6 @@
               <a:rPr lang="zh-CN" altLang="en-US" sz="2400" b="1" dirty="0"/>
               <a:t>概念模型</a:t>
             </a:r>
-            <a:endParaRPr lang="zh-CN" altLang="en-US" sz="2400" b="1" dirty="0"/>
           </a:p>
         </p:txBody>
       </p:sp>
@@ -18679,10 +18673,6 @@
               </a:rPr>
               <a:t>分组事物是UML模型图的组织部分，描述事物的组织结构，主要由包来实现。</a:t>
             </a:r>
-            <a:endParaRPr lang="zh-CN" altLang="zh-CN" sz="2400" dirty="0">
-              <a:latin typeface="楷体_GB2312" charset="-122"/>
-              <a:ea typeface="楷体_GB2312" charset="-122"/>
-            </a:endParaRPr>
           </a:p>
           <a:p>
             <a:pPr marL="342900" indent="-342900">
@@ -18702,9 +18692,6 @@
               </a:rPr>
               <a:t>注释事物</a:t>
             </a:r>
-            <a:endParaRPr lang="zh-CN" altLang="zh-CN" sz="2400" dirty="0">
-              <a:latin typeface="黑体" panose="02010609060101010101" pitchFamily="49" charset="-122"/>
-            </a:endParaRPr>
           </a:p>
           <a:p>
             <a:pPr>
@@ -18730,10 +18717,6 @@
               </a:rPr>
               <a:t>注释事物是UML模型的解释部分，用来对模型中的元素进行说明，解释。</a:t>
             </a:r>
-            <a:endParaRPr lang="zh-CN" altLang="zh-CN" sz="2400" dirty="0">
-              <a:latin typeface="楷体_GB2312" charset="-122"/>
-              <a:ea typeface="楷体_GB2312" charset="-122"/>
-            </a:endParaRPr>
           </a:p>
         </p:txBody>
       </p:sp>
@@ -18767,7 +18750,6 @@
               <a:rPr lang="zh-CN" altLang="en-US" sz="2400" b="1" dirty="0"/>
               <a:t>中的事物</a:t>
             </a:r>
-            <a:endParaRPr lang="zh-CN" altLang="en-US" sz="2400" b="1" dirty="0"/>
           </a:p>
         </p:txBody>
       </p:sp>
@@ -18846,13 +18828,13 @@
   <p:clrMapOvr>
     <a:masterClrMapping/>
   </p:clrMapOvr>
-  <mc:AlternateContent xmlns:mc="http://schemas.openxmlformats.org/markup-compatibility/2006">
-    <mc:Choice xmlns:p14="http://schemas.microsoft.com/office/powerpoint/2010/main" Requires="p14">
+  <mc:AlternateContent xmlns:mc="http://schemas.openxmlformats.org/markup-compatibility/2006" xmlns:p14="http://schemas.microsoft.com/office/powerpoint/2010/main">
+    <mc:Choice Requires="p14">
       <p:transition spd="slow" p14:dur="1600" advClick="0" advTm="3000">
         <p14:gallery dir="l"/>
       </p:transition>
     </mc:Choice>
-    <mc:Fallback>
+    <mc:Fallback xmlns="">
       <p:transition spd="slow" advClick="0" advTm="3000">
         <p:fade/>
       </p:transition>
@@ -19206,7 +19188,6 @@
               <a:rPr lang="zh-CN" altLang="en-US" sz="2400" b="1" dirty="0"/>
               <a:t>的关系</a:t>
             </a:r>
-            <a:endParaRPr lang="zh-CN" altLang="en-US" sz="2400" b="1" dirty="0"/>
           </a:p>
         </p:txBody>
       </p:sp>
@@ -19344,17 +19325,6 @@
               </a:rPr>
               <a:t>）</a:t>
             </a:r>
-            <a:endParaRPr lang="zh-CN" altLang="en-US" b="1" spc="300" dirty="0">
-              <a:solidFill>
-                <a:schemeClr val="tx1">
-                  <a:lumMod val="65000"/>
-                  <a:lumOff val="35000"/>
-                </a:schemeClr>
-              </a:solidFill>
-              <a:latin typeface="微软雅黑 Light" panose="020B0502040204020203" pitchFamily="34" charset="-122"/>
-              <a:ea typeface="微软雅黑 Light" panose="020B0502040204020203" pitchFamily="34" charset="-122"/>
-              <a:cs typeface="Open Sans" pitchFamily="34" charset="0"/>
-            </a:endParaRPr>
           </a:p>
           <a:p>
             <a:r>
@@ -19911,7 +19881,6 @@
                 <a:rPr lang="zh-CN" altLang="en-US" dirty="0"/>
                 <a:t>依赖</a:t>
               </a:r>
-              <a:endParaRPr lang="zh-CN" altLang="en-US" dirty="0"/>
             </a:p>
           </p:txBody>
         </p:sp>
@@ -19994,7 +19963,6 @@
                 <a:rPr lang="zh-CN" altLang="en-US" dirty="0"/>
                 <a:t>关联</a:t>
               </a:r>
-              <a:endParaRPr lang="zh-CN" altLang="en-US" dirty="0"/>
             </a:p>
           </p:txBody>
         </p:sp>
@@ -20211,7 +20179,6 @@
                   <a:rPr lang="zh-CN" altLang="en-US" dirty="0"/>
                   <a:t>泛化</a:t>
                 </a:r>
-                <a:endParaRPr lang="zh-CN" altLang="en-US" dirty="0"/>
               </a:p>
             </p:txBody>
           </p:sp>
@@ -20355,7 +20322,6 @@
                   <a:rPr lang="zh-CN" altLang="en-US" dirty="0"/>
                   <a:t>实现</a:t>
                 </a:r>
-                <a:endParaRPr lang="zh-CN" altLang="en-US" dirty="0"/>
               </a:p>
             </p:txBody>
           </p:sp>
@@ -20412,13 +20378,13 @@
   <p:clrMapOvr>
     <a:masterClrMapping/>
   </p:clrMapOvr>
-  <mc:AlternateContent xmlns:mc="http://schemas.openxmlformats.org/markup-compatibility/2006">
-    <mc:Choice xmlns:p14="http://schemas.microsoft.com/office/powerpoint/2010/main" Requires="p14">
+  <mc:AlternateContent xmlns:mc="http://schemas.openxmlformats.org/markup-compatibility/2006" xmlns:p14="http://schemas.microsoft.com/office/powerpoint/2010/main">
+    <mc:Choice Requires="p14">
       <p:transition spd="slow" p14:dur="1600" advClick="0" advTm="3000">
         <p14:gallery dir="l"/>
       </p:transition>
     </mc:Choice>
-    <mc:Fallback>
+    <mc:Fallback xmlns="">
       <p:transition spd="slow" advClick="0" advTm="3000">
         <p:fade/>
       </p:transition>
@@ -20707,10 +20673,6 @@
               </a:rPr>
               <a:t> 用例视图主要描述一个系统应该具备的功能，指的是从系统的外部参与者所能看到的系统功能。用例表示的是系统的一个功能单元，可以被描述为参与者与系统之间的一次交互作用。</a:t>
             </a:r>
-            <a:endParaRPr kumimoji="1" lang="en-US" altLang="zh-CN" sz="2000" b="1" dirty="0">
-              <a:latin typeface="楷体_GB2312" charset="-122"/>
-              <a:ea typeface="楷体_GB2312" charset="-122"/>
-            </a:endParaRPr>
           </a:p>
           <a:p>
             <a:pPr marL="342900" indent="-342900">
@@ -20760,7 +20722,6 @@
               <a:rPr lang="zh-CN" altLang="en-US" sz="2400" b="1" dirty="0"/>
               <a:t>用例视图</a:t>
             </a:r>
-            <a:endParaRPr lang="zh-CN" altLang="en-US" sz="2400" b="1" dirty="0"/>
           </a:p>
         </p:txBody>
       </p:sp>
@@ -20927,13 +20888,13 @@
   <p:clrMapOvr>
     <a:masterClrMapping/>
   </p:clrMapOvr>
-  <mc:AlternateContent xmlns:mc="http://schemas.openxmlformats.org/markup-compatibility/2006">
-    <mc:Choice xmlns:p14="http://schemas.microsoft.com/office/powerpoint/2010/main" Requires="p14">
+  <mc:AlternateContent xmlns:mc="http://schemas.openxmlformats.org/markup-compatibility/2006" xmlns:p14="http://schemas.microsoft.com/office/powerpoint/2010/main">
+    <mc:Choice Requires="p14">
       <p:transition spd="slow" p14:dur="1600" advClick="0" advTm="3000">
         <p14:gallery dir="l"/>
       </p:transition>
     </mc:Choice>
-    <mc:Fallback>
+    <mc:Fallback xmlns="">
       <p:transition spd="slow" advClick="0" advTm="3000">
         <p:fade/>
       </p:transition>
@@ -21236,10 +21197,6 @@
               </a:rPr>
               <a:t>。</a:t>
             </a:r>
-            <a:endParaRPr kumimoji="1" lang="en-US" altLang="zh-CN" sz="2000" b="1" dirty="0">
-              <a:latin typeface="黑体" panose="02010609060101010101" pitchFamily="49" charset="-122"/>
-              <a:ea typeface="黑体" panose="02010609060101010101" pitchFamily="49" charset="-122"/>
-            </a:endParaRPr>
           </a:p>
           <a:p>
             <a:pPr marL="342900" indent="-342900">
@@ -21276,10 +21233,6 @@
               </a:rPr>
               <a:t>。</a:t>
             </a:r>
-            <a:endParaRPr kumimoji="1" lang="en-US" altLang="zh-CN" sz="2000" b="1" dirty="0">
-              <a:latin typeface="黑体" panose="02010609060101010101" pitchFamily="49" charset="-122"/>
-              <a:ea typeface="黑体" panose="02010609060101010101" pitchFamily="49" charset="-122"/>
-            </a:endParaRPr>
           </a:p>
           <a:p>
             <a:pPr marL="342900" indent="-342900">
@@ -21322,7 +21275,6 @@
               <a:rPr lang="zh-CN" altLang="en-US" sz="2400" b="1" dirty="0"/>
               <a:t>逻辑视图</a:t>
             </a:r>
-            <a:endParaRPr lang="zh-CN" altLang="en-US" sz="2400" b="1" dirty="0"/>
           </a:p>
         </p:txBody>
       </p:sp>
@@ -21489,13 +21441,13 @@
   <p:clrMapOvr>
     <a:masterClrMapping/>
   </p:clrMapOvr>
-  <mc:AlternateContent xmlns:mc="http://schemas.openxmlformats.org/markup-compatibility/2006">
-    <mc:Choice xmlns:p14="http://schemas.microsoft.com/office/powerpoint/2010/main" Requires="p14">
+  <mc:AlternateContent xmlns:mc="http://schemas.openxmlformats.org/markup-compatibility/2006" xmlns:p14="http://schemas.microsoft.com/office/powerpoint/2010/main">
+    <mc:Choice Requires="p14">
       <p:transition spd="slow" p14:dur="1600" advClick="0" advTm="3000">
         <p14:gallery dir="l"/>
       </p:transition>
     </mc:Choice>
-    <mc:Fallback>
+    <mc:Fallback xmlns="">
       <p:transition spd="slow" advClick="0" advTm="3000">
         <p:fade/>
       </p:transition>
@@ -21798,10 +21750,6 @@
               </a:rPr>
               <a:t>。</a:t>
             </a:r>
-            <a:endParaRPr kumimoji="1" lang="en-US" altLang="zh-CN" sz="2000" b="1" dirty="0">
-              <a:latin typeface="黑体" panose="02010609060101010101" pitchFamily="49" charset="-122"/>
-              <a:ea typeface="黑体" panose="02010609060101010101" pitchFamily="49" charset="-122"/>
-            </a:endParaRPr>
           </a:p>
           <a:p>
             <a:pPr marL="342900" indent="-342900">
@@ -21851,7 +21799,6 @@
               <a:rPr lang="zh-CN" altLang="en-US" sz="2400" b="1" dirty="0"/>
               <a:t>并发视图</a:t>
             </a:r>
-            <a:endParaRPr lang="zh-CN" altLang="en-US" sz="2400" b="1" dirty="0"/>
           </a:p>
         </p:txBody>
       </p:sp>
@@ -22018,13 +21965,13 @@
   <p:clrMapOvr>
     <a:masterClrMapping/>
   </p:clrMapOvr>
-  <mc:AlternateContent xmlns:mc="http://schemas.openxmlformats.org/markup-compatibility/2006">
-    <mc:Choice xmlns:p14="http://schemas.microsoft.com/office/powerpoint/2010/main" Requires="p14">
+  <mc:AlternateContent xmlns:mc="http://schemas.openxmlformats.org/markup-compatibility/2006" xmlns:p14="http://schemas.microsoft.com/office/powerpoint/2010/main">
+    <mc:Choice Requires="p14">
       <p:transition spd="slow" p14:dur="1600" advClick="0" advTm="3000">
         <p14:gallery dir="l"/>
       </p:transition>
     </mc:Choice>
-    <mc:Fallback>
+    <mc:Fallback xmlns="">
       <p:transition spd="slow" advClick="0" advTm="3000">
         <p:fade/>
       </p:transition>
@@ -22313,10 +22260,6 @@
               </a:rPr>
               <a:t> 组件视图描述系统的实现模块以及它们之间的依赖关系。其中，组件指的是不同类型的代码模块，它是构造应用的软件单元。组件视图中也可以添加组件的其他附加信息，例如，资源分配或者其他管理信息。</a:t>
             </a:r>
-            <a:endParaRPr kumimoji="1" lang="en-US" altLang="zh-CN" sz="2000" b="1" dirty="0">
-              <a:latin typeface="楷体_GB2312" charset="-122"/>
-              <a:ea typeface="楷体_GB2312" charset="-122"/>
-            </a:endParaRPr>
           </a:p>
           <a:p>
             <a:pPr marL="342900" indent="-342900">
@@ -22394,7 +22337,6 @@
               <a:rPr lang="zh-CN" altLang="en-US" sz="2400" b="1" dirty="0"/>
               <a:t>组件视图</a:t>
             </a:r>
-            <a:endParaRPr lang="zh-CN" altLang="en-US" sz="2400" b="1" dirty="0"/>
           </a:p>
         </p:txBody>
       </p:sp>
@@ -22561,13 +22503,13 @@
   <p:clrMapOvr>
     <a:masterClrMapping/>
   </p:clrMapOvr>
-  <mc:AlternateContent xmlns:mc="http://schemas.openxmlformats.org/markup-compatibility/2006">
-    <mc:Choice xmlns:p14="http://schemas.microsoft.com/office/powerpoint/2010/main" Requires="p14">
+  <mc:AlternateContent xmlns:mc="http://schemas.openxmlformats.org/markup-compatibility/2006" xmlns:p14="http://schemas.microsoft.com/office/powerpoint/2010/main">
+    <mc:Choice Requires="p14">
       <p:transition spd="slow" p14:dur="1600" advClick="0" advTm="3000">
         <p14:gallery dir="l"/>
       </p:transition>
     </mc:Choice>
-    <mc:Fallback>
+    <mc:Fallback xmlns="">
       <p:transition spd="slow" advClick="0" advTm="3000">
         <p:fade/>
       </p:transition>
@@ -22856,10 +22798,6 @@
               </a:rPr>
               <a:t> 部署视图，也称之为配置视图。配置视图主要显示系统的物理部署，它描述位于节点上的运行实例的部署情况。配置视图主要由配置图表示，配置视图还允许评估分配结果和资源分配。</a:t>
             </a:r>
-            <a:endParaRPr kumimoji="1" lang="en-US" altLang="zh-CN" sz="2000" b="1" dirty="0">
-              <a:latin typeface="楷体_GB2312" charset="-122"/>
-              <a:ea typeface="楷体_GB2312" charset="-122"/>
-            </a:endParaRPr>
           </a:p>
           <a:p>
             <a:pPr marL="342900" indent="-342900">
@@ -22883,10 +22821,6 @@
               </a:rPr>
               <a:t>。</a:t>
             </a:r>
-            <a:endParaRPr kumimoji="1" lang="en-US" altLang="zh-CN" sz="2000" b="1" dirty="0">
-              <a:latin typeface="楷体_GB2312" charset="-122"/>
-              <a:ea typeface="楷体_GB2312" charset="-122"/>
-            </a:endParaRPr>
           </a:p>
           <a:p>
             <a:pPr marL="342900" indent="-342900">
@@ -22929,7 +22863,6 @@
               <a:rPr lang="zh-CN" altLang="en-US" sz="2400" b="1" dirty="0"/>
               <a:t>部署视图</a:t>
             </a:r>
-            <a:endParaRPr lang="zh-CN" altLang="en-US" sz="2400" b="1" dirty="0"/>
           </a:p>
         </p:txBody>
       </p:sp>
@@ -23096,13 +23029,13 @@
   <p:clrMapOvr>
     <a:masterClrMapping/>
   </p:clrMapOvr>
-  <mc:AlternateContent xmlns:mc="http://schemas.openxmlformats.org/markup-compatibility/2006">
-    <mc:Choice xmlns:p14="http://schemas.microsoft.com/office/powerpoint/2010/main" Requires="p14">
+  <mc:AlternateContent xmlns:mc="http://schemas.openxmlformats.org/markup-compatibility/2006" xmlns:p14="http://schemas.microsoft.com/office/powerpoint/2010/main">
+    <mc:Choice Requires="p14">
       <p:transition spd="slow" p14:dur="1600" advClick="0" advTm="3000">
         <p14:gallery dir="l"/>
       </p:transition>
     </mc:Choice>
-    <mc:Fallback>
+    <mc:Fallback xmlns="">
       <p:transition spd="slow" advClick="0" advTm="3000">
         <p:fade/>
       </p:transition>
@@ -23318,16 +23251,6 @@
               </a:rPr>
               <a:t>PART</a:t>
             </a:r>
-            <a:endParaRPr lang="en-US" altLang="zh-CN" sz="3600" spc="300" dirty="0">
-              <a:solidFill>
-                <a:schemeClr val="tx1">
-                  <a:lumMod val="85000"/>
-                  <a:lumOff val="15000"/>
-                </a:schemeClr>
-              </a:solidFill>
-              <a:latin typeface="黑体" panose="02010609060101010101" pitchFamily="49" charset="-122"/>
-              <a:ea typeface="黑体" panose="02010609060101010101" pitchFamily="49" charset="-122"/>
-            </a:endParaRPr>
           </a:p>
         </p:txBody>
       </p:sp>
@@ -23659,9 +23582,6 @@
               </a:rPr>
               <a:t>为什么建模</a:t>
             </a:r>
-            <a:endParaRPr lang="zh-CN" altLang="en-US" sz="3600" spc="300" dirty="0">
-              <a:latin typeface="+mn-ea"/>
-            </a:endParaRPr>
           </a:p>
         </p:txBody>
       </p:sp>
@@ -23816,13 +23736,13 @@
   <p:clrMapOvr>
     <a:masterClrMapping/>
   </p:clrMapOvr>
-  <mc:AlternateContent xmlns:mc="http://schemas.openxmlformats.org/markup-compatibility/2006">
-    <mc:Choice xmlns:p14="http://schemas.microsoft.com/office/powerpoint/2010/main" Requires="p14">
+  <mc:AlternateContent xmlns:mc="http://schemas.openxmlformats.org/markup-compatibility/2006" xmlns:p14="http://schemas.microsoft.com/office/powerpoint/2010/main">
+    <mc:Choice Requires="p14">
       <p:transition spd="slow" p14:dur="1600" advClick="0" advTm="3000">
         <p14:gallery dir="l"/>
       </p:transition>
     </mc:Choice>
-    <mc:Fallback>
+    <mc:Fallback xmlns="">
       <p:transition spd="slow" advClick="0" advTm="3000">
         <p:fade/>
       </p:transition>
@@ -24344,7 +24264,6 @@
               <a:rPr lang="zh-CN" altLang="en-US" sz="2400" b="1" dirty="0"/>
               <a:t>的图</a:t>
             </a:r>
-            <a:endParaRPr lang="zh-CN" altLang="en-US" sz="2400" b="1" dirty="0"/>
           </a:p>
         </p:txBody>
       </p:sp>
@@ -24374,7 +24293,6 @@
               <a:rPr lang="zh-CN" altLang="en-US" dirty="0"/>
               <a:t>图是一组元素的图形表示，大多数情况下把图画成顶点（代表事物）和弧（代表关系）的连通图。</a:t>
             </a:r>
-            <a:endParaRPr lang="zh-CN" altLang="en-US" dirty="0"/>
           </a:p>
         </p:txBody>
       </p:sp>
@@ -24564,13 +24482,13 @@
   <p:clrMapOvr>
     <a:masterClrMapping/>
   </p:clrMapOvr>
-  <mc:AlternateContent xmlns:mc="http://schemas.openxmlformats.org/markup-compatibility/2006">
-    <mc:Choice xmlns:p14="http://schemas.microsoft.com/office/powerpoint/2010/main" Requires="p14">
+  <mc:AlternateContent xmlns:mc="http://schemas.openxmlformats.org/markup-compatibility/2006" xmlns:p14="http://schemas.microsoft.com/office/powerpoint/2010/main">
+    <mc:Choice Requires="p14">
       <p:transition spd="slow" p14:dur="1600" advClick="0" advTm="4000">
         <p14:gallery dir="l"/>
       </p:transition>
     </mc:Choice>
-    <mc:Fallback>
+    <mc:Fallback xmlns="">
       <p:transition spd="slow" advClick="0" advTm="4000">
         <p:fade/>
       </p:transition>
@@ -24605,7 +24523,7 @@
           <p:nvPr/>
         </p:nvPicPr>
         <p:blipFill>
-          <a:blip r:embed="rId1">
+          <a:blip r:embed="rId3">
             <a:extLst>
               <a:ext uri="{28A0092B-C50C-407E-A947-70E740481C1C}">
                 <a14:useLocalDpi xmlns:a14="http://schemas.microsoft.com/office/drawing/2010/main" val="0"/>
@@ -24827,13 +24745,13 @@
   <p:clrMapOvr>
     <a:masterClrMapping/>
   </p:clrMapOvr>
-  <mc:AlternateContent xmlns:mc="http://schemas.openxmlformats.org/markup-compatibility/2006">
-    <mc:Choice xmlns:p14="http://schemas.microsoft.com/office/powerpoint/2010/main" Requires="p14">
+  <mc:AlternateContent xmlns:mc="http://schemas.openxmlformats.org/markup-compatibility/2006" xmlns:p14="http://schemas.microsoft.com/office/powerpoint/2010/main">
+    <mc:Choice Requires="p14">
       <p:transition spd="slow" p14:dur="1600" advClick="0" advTm="3000">
         <p14:gallery dir="l"/>
       </p:transition>
     </mc:Choice>
-    <mc:Fallback>
+    <mc:Fallback xmlns="">
       <p:transition spd="slow" advClick="0" advTm="3000">
         <p:fade/>
       </p:transition>
@@ -25017,7 +24935,7 @@
           <p:nvPr/>
         </p:nvPicPr>
         <p:blipFill>
-          <a:blip r:embed="rId1">
+          <a:blip r:embed="rId3">
             <a:extLst>
               <a:ext uri="{28A0092B-C50C-407E-A947-70E740481C1C}">
                 <a14:useLocalDpi xmlns:a14="http://schemas.microsoft.com/office/drawing/2010/main" val="0"/>
@@ -25096,13 +25014,13 @@
   <p:clrMapOvr>
     <a:masterClrMapping/>
   </p:clrMapOvr>
-  <mc:AlternateContent xmlns:mc="http://schemas.openxmlformats.org/markup-compatibility/2006">
-    <mc:Choice xmlns:p14="http://schemas.microsoft.com/office/powerpoint/2010/main" Requires="p14">
+  <mc:AlternateContent xmlns:mc="http://schemas.openxmlformats.org/markup-compatibility/2006" xmlns:p14="http://schemas.microsoft.com/office/powerpoint/2010/main">
+    <mc:Choice Requires="p14">
       <p:transition spd="slow" p14:dur="1600" advClick="0" advTm="3000">
         <p14:gallery dir="l"/>
       </p:transition>
     </mc:Choice>
-    <mc:Fallback>
+    <mc:Fallback xmlns="">
       <p:transition spd="slow" advClick="0" advTm="3000">
         <p:fade/>
       </p:transition>
@@ -25331,7 +25249,7 @@
           <p:nvPr/>
         </p:nvPicPr>
         <p:blipFill>
-          <a:blip r:embed="rId1">
+          <a:blip r:embed="rId3">
             <a:extLst>
               <a:ext uri="{28A0092B-C50C-407E-A947-70E740481C1C}">
                 <a14:useLocalDpi xmlns:a14="http://schemas.microsoft.com/office/drawing/2010/main" val="0"/>
@@ -25357,13 +25275,13 @@
   <p:clrMapOvr>
     <a:masterClrMapping/>
   </p:clrMapOvr>
-  <mc:AlternateContent xmlns:mc="http://schemas.openxmlformats.org/markup-compatibility/2006">
-    <mc:Choice xmlns:p14="http://schemas.microsoft.com/office/powerpoint/2010/main" Requires="p14">
+  <mc:AlternateContent xmlns:mc="http://schemas.openxmlformats.org/markup-compatibility/2006" xmlns:p14="http://schemas.microsoft.com/office/powerpoint/2010/main">
+    <mc:Choice Requires="p14">
       <p:transition spd="slow" p14:dur="1600" advClick="0" advTm="3000">
         <p14:gallery dir="l"/>
       </p:transition>
     </mc:Choice>
-    <mc:Fallback>
+    <mc:Fallback xmlns="">
       <p:transition spd="slow" advClick="0" advTm="3000">
         <p:fade/>
       </p:transition>
@@ -25398,7 +25316,7 @@
           <p:nvPr/>
         </p:nvPicPr>
         <p:blipFill>
-          <a:blip r:embed="rId1">
+          <a:blip r:embed="rId3">
             <a:extLst>
               <a:ext uri="{28A0092B-C50C-407E-A947-70E740481C1C}">
                 <a14:useLocalDpi xmlns:a14="http://schemas.microsoft.com/office/drawing/2010/main" val="0"/>
@@ -25610,7 +25528,7 @@
           <p:nvPr/>
         </p:nvPicPr>
         <p:blipFill>
-          <a:blip r:embed="rId2">
+          <a:blip r:embed="rId4">
             <a:extLst>
               <a:ext uri="{28A0092B-C50C-407E-A947-70E740481C1C}">
                 <a14:useLocalDpi xmlns:a14="http://schemas.microsoft.com/office/drawing/2010/main" val="0"/>
@@ -25636,13 +25554,13 @@
   <p:clrMapOvr>
     <a:masterClrMapping/>
   </p:clrMapOvr>
-  <mc:AlternateContent xmlns:mc="http://schemas.openxmlformats.org/markup-compatibility/2006">
-    <mc:Choice xmlns:p14="http://schemas.microsoft.com/office/powerpoint/2010/main" Requires="p14">
+  <mc:AlternateContent xmlns:mc="http://schemas.openxmlformats.org/markup-compatibility/2006" xmlns:p14="http://schemas.microsoft.com/office/powerpoint/2010/main">
+    <mc:Choice Requires="p14">
       <p:transition spd="slow" p14:dur="1600" advClick="0" advTm="3000">
         <p14:gallery dir="l"/>
       </p:transition>
     </mc:Choice>
-    <mc:Fallback>
+    <mc:Fallback xmlns="">
       <p:transition spd="slow" advClick="0" advTm="3000">
         <p:fade/>
       </p:transition>
@@ -25863,7 +25781,7 @@
           <p:nvPr/>
         </p:nvPicPr>
         <p:blipFill>
-          <a:blip r:embed="rId1"/>
+          <a:blip r:embed="rId3"/>
           <a:stretch>
             <a:fillRect/>
           </a:stretch>
@@ -25883,13 +25801,13 @@
   <p:clrMapOvr>
     <a:masterClrMapping/>
   </p:clrMapOvr>
-  <mc:AlternateContent xmlns:mc="http://schemas.openxmlformats.org/markup-compatibility/2006">
-    <mc:Choice xmlns:p14="http://schemas.microsoft.com/office/powerpoint/2010/main" Requires="p14">
+  <mc:AlternateContent xmlns:mc="http://schemas.openxmlformats.org/markup-compatibility/2006" xmlns:p14="http://schemas.microsoft.com/office/powerpoint/2010/main">
+    <mc:Choice Requires="p14">
       <p:transition spd="slow" p14:dur="1600" advClick="0" advTm="3000">
         <p14:gallery dir="l"/>
       </p:transition>
     </mc:Choice>
-    <mc:Fallback>
+    <mc:Fallback xmlns="">
       <p:transition spd="slow" advClick="0" advTm="3000">
         <p:fade/>
       </p:transition>
@@ -25924,7 +25842,7 @@
           <p:nvPr/>
         </p:nvPicPr>
         <p:blipFill>
-          <a:blip r:embed="rId1"/>
+          <a:blip r:embed="rId3"/>
           <a:stretch>
             <a:fillRect/>
           </a:stretch>
@@ -26114,7 +26032,6 @@
               <a:rPr lang="zh-CN" altLang="en-US" dirty="0"/>
               <a:t>展现了一组用况、参与者以及他们之间的关系。用狂徒给出系统的静态用况视图。这些图在对系统的行为进行组织和建模上是非常重要的。</a:t>
             </a:r>
-            <a:endParaRPr lang="zh-CN" altLang="en-US" dirty="0"/>
           </a:p>
         </p:txBody>
       </p:sp>
@@ -26123,13 +26040,13 @@
   <p:clrMapOvr>
     <a:masterClrMapping/>
   </p:clrMapOvr>
-  <mc:AlternateContent xmlns:mc="http://schemas.openxmlformats.org/markup-compatibility/2006">
-    <mc:Choice xmlns:p14="http://schemas.microsoft.com/office/powerpoint/2010/main" Requires="p14">
+  <mc:AlternateContent xmlns:mc="http://schemas.openxmlformats.org/markup-compatibility/2006" xmlns:p14="http://schemas.microsoft.com/office/powerpoint/2010/main">
+    <mc:Choice Requires="p14">
       <p:transition spd="slow" p14:dur="1600" advClick="0" advTm="3000">
         <p14:gallery dir="l"/>
       </p:transition>
     </mc:Choice>
-    <mc:Fallback>
+    <mc:Fallback xmlns="">
       <p:transition spd="slow" advClick="0" advTm="3000">
         <p:fade/>
       </p:transition>
@@ -26329,7 +26246,6 @@
               <a:rPr lang="zh-CN" altLang="en-US" dirty="0"/>
               <a:t>顺序图强调消息的时间顺序，形成顺序图时，首先把参加交互的对象或角色放在图的上方，沿水平轴方向排列。</a:t>
             </a:r>
-            <a:endParaRPr lang="zh-CN" altLang="en-US" dirty="0"/>
           </a:p>
         </p:txBody>
       </p:sp>
@@ -26342,7 +26258,7 @@
           <p:nvPr/>
         </p:nvPicPr>
         <p:blipFill>
-          <a:blip r:embed="rId1"/>
+          <a:blip r:embed="rId3"/>
           <a:stretch>
             <a:fillRect/>
           </a:stretch>
@@ -26362,13 +26278,13 @@
   <p:clrMapOvr>
     <a:masterClrMapping/>
   </p:clrMapOvr>
-  <mc:AlternateContent xmlns:mc="http://schemas.openxmlformats.org/markup-compatibility/2006">
-    <mc:Choice xmlns:p14="http://schemas.microsoft.com/office/powerpoint/2010/main" Requires="p14">
+  <mc:AlternateContent xmlns:mc="http://schemas.openxmlformats.org/markup-compatibility/2006" xmlns:p14="http://schemas.microsoft.com/office/powerpoint/2010/main">
+    <mc:Choice Requires="p14">
       <p:transition spd="slow" p14:dur="1600" advClick="0" advTm="3000">
         <p14:gallery dir="l"/>
       </p:transition>
     </mc:Choice>
-    <mc:Fallback>
+    <mc:Fallback xmlns="">
       <p:transition spd="slow" advClick="0" advTm="3000">
         <p:fade/>
       </p:transition>
@@ -26583,7 +26499,6 @@
               <a:rPr lang="zh-CN" altLang="en-US" dirty="0"/>
               <a:t>显示在某种情形下对象之间发送的消息。 协作图显示了一系列的对象和在这些对象之间的联系以及对象间发送和接收的消息 </a:t>
             </a:r>
-            <a:endParaRPr lang="zh-CN" altLang="en-US" dirty="0"/>
           </a:p>
         </p:txBody>
       </p:sp>
@@ -26596,7 +26511,7 @@
           <p:nvPr/>
         </p:nvPicPr>
         <p:blipFill>
-          <a:blip r:embed="rId1"/>
+          <a:blip r:embed="rId3"/>
           <a:stretch>
             <a:fillRect/>
           </a:stretch>
@@ -26616,13 +26531,13 @@
   <p:clrMapOvr>
     <a:masterClrMapping/>
   </p:clrMapOvr>
-  <mc:AlternateContent xmlns:mc="http://schemas.openxmlformats.org/markup-compatibility/2006">
-    <mc:Choice xmlns:p14="http://schemas.microsoft.com/office/powerpoint/2010/main" Requires="p14">
+  <mc:AlternateContent xmlns:mc="http://schemas.openxmlformats.org/markup-compatibility/2006" xmlns:p14="http://schemas.microsoft.com/office/powerpoint/2010/main">
+    <mc:Choice Requires="p14">
       <p:transition spd="slow" p14:dur="1600" advClick="0" advTm="3000">
         <p14:gallery dir="l"/>
       </p:transition>
     </mc:Choice>
-    <mc:Fallback>
+    <mc:Fallback xmlns="">
       <p:transition spd="slow" advClick="0" advTm="3000">
         <p:fade/>
       </p:transition>
@@ -26806,7 +26721,7 @@
           <p:nvPr/>
         </p:nvPicPr>
         <p:blipFill>
-          <a:blip r:embed="rId1"/>
+          <a:blip r:embed="rId3"/>
           <a:stretch>
             <a:fillRect/>
           </a:stretch>
@@ -26861,7 +26776,6 @@
               <a:rPr lang="zh-CN" altLang="en-US" dirty="0"/>
               <a:t>非常有助于对反应式系统建模</a:t>
             </a:r>
-            <a:endParaRPr lang="zh-CN" altLang="en-US" dirty="0"/>
           </a:p>
         </p:txBody>
       </p:sp>
@@ -26870,13 +26784,13 @@
   <p:clrMapOvr>
     <a:masterClrMapping/>
   </p:clrMapOvr>
-  <mc:AlternateContent xmlns:mc="http://schemas.openxmlformats.org/markup-compatibility/2006">
-    <mc:Choice xmlns:p14="http://schemas.microsoft.com/office/powerpoint/2010/main" Requires="p14">
+  <mc:AlternateContent xmlns:mc="http://schemas.openxmlformats.org/markup-compatibility/2006" xmlns:p14="http://schemas.microsoft.com/office/powerpoint/2010/main">
+    <mc:Choice Requires="p14">
       <p:transition spd="slow" p14:dur="1600" advClick="0" advTm="3000">
         <p14:gallery dir="l"/>
       </p:transition>
     </mc:Choice>
-    <mc:Fallback>
+    <mc:Fallback xmlns="">
       <p:transition spd="slow" advClick="0" advTm="3000">
         <p:fade/>
       </p:transition>
@@ -27004,7 +26918,6 @@
               <a:rPr lang="zh-CN" altLang="en-US" b="1" dirty="0"/>
               <a:t>为什么要建模</a:t>
             </a:r>
-            <a:endParaRPr lang="zh-CN" altLang="en-US" b="1" dirty="0"/>
           </a:p>
         </p:txBody>
       </p:sp>
@@ -27118,7 +27031,6 @@
               <a:rPr lang="zh-CN" altLang="en-US" sz="2400" b="1" dirty="0"/>
               <a:t>模型是对现实的简化，建模是为了更好的理解正在开发的系统</a:t>
             </a:r>
-            <a:endParaRPr lang="zh-CN" altLang="en-US" sz="2400" b="1" dirty="0"/>
           </a:p>
         </p:txBody>
       </p:sp>
@@ -27259,7 +27171,6 @@
               <a:rPr lang="zh-CN" altLang="en-US" sz="2000" dirty="0"/>
               <a:t>模型对做出的决策进行文档化</a:t>
             </a:r>
-            <a:endParaRPr lang="zh-CN" altLang="en-US" sz="2000" dirty="0"/>
           </a:p>
         </p:txBody>
       </p:sp>
@@ -27289,7 +27200,6 @@
               <a:rPr lang="zh-CN" altLang="en-US" sz="2400" b="1" dirty="0"/>
               <a:t>通过建模要达到一下四个目的</a:t>
             </a:r>
-            <a:endParaRPr lang="zh-CN" altLang="en-US" sz="2400" b="1" dirty="0"/>
           </a:p>
         </p:txBody>
       </p:sp>
@@ -27368,13 +27278,13 @@
   <p:clrMapOvr>
     <a:masterClrMapping/>
   </p:clrMapOvr>
-  <mc:AlternateContent xmlns:mc="http://schemas.openxmlformats.org/markup-compatibility/2006">
-    <mc:Choice xmlns:p14="http://schemas.microsoft.com/office/powerpoint/2010/main" Requires="p14">
+  <mc:AlternateContent xmlns:mc="http://schemas.openxmlformats.org/markup-compatibility/2006" xmlns:p14="http://schemas.microsoft.com/office/powerpoint/2010/main">
+    <mc:Choice Requires="p14">
       <p:transition spd="slow" p14:dur="1600" advClick="0" advTm="3000">
         <p14:gallery dir="l"/>
       </p:transition>
     </mc:Choice>
-    <mc:Fallback>
+    <mc:Fallback xmlns="">
       <p:transition spd="slow" advClick="0" advTm="3000">
         <p:fade/>
       </p:transition>
@@ -27586,7 +27496,6 @@
               <a:rPr lang="zh-CN" altLang="en-US" dirty="0"/>
               <a:t> 实心圆表示初始节点，圆圈内加一个实心圆来表示活动终点 </a:t>
             </a:r>
-            <a:endParaRPr lang="zh-CN" altLang="en-US" dirty="0"/>
           </a:p>
         </p:txBody>
       </p:sp>
@@ -27599,7 +27508,7 @@
           <p:nvPr/>
         </p:nvPicPr>
         <p:blipFill>
-          <a:blip r:embed="rId1">
+          <a:blip r:embed="rId3">
             <a:extLst>
               <a:ext uri="{28A0092B-C50C-407E-A947-70E740481C1C}">
                 <a14:useLocalDpi xmlns:a14="http://schemas.microsoft.com/office/drawing/2010/main" val="0"/>
@@ -27748,7 +27657,6 @@
               <a:rPr lang="zh-CN" altLang="en-US" dirty="0"/>
               <a:t>泳道等</a:t>
             </a:r>
-            <a:endParaRPr lang="zh-CN" altLang="en-US" dirty="0"/>
           </a:p>
         </p:txBody>
       </p:sp>
@@ -27761,7 +27669,7 @@
           <p:nvPr/>
         </p:nvPicPr>
         <p:blipFill>
-          <a:blip r:embed="rId2">
+          <a:blip r:embed="rId4">
             <a:extLst>
               <a:ext uri="{28A0092B-C50C-407E-A947-70E740481C1C}">
                 <a14:useLocalDpi xmlns:a14="http://schemas.microsoft.com/office/drawing/2010/main" val="0"/>
@@ -27787,13 +27695,13 @@
   <p:clrMapOvr>
     <a:masterClrMapping/>
   </p:clrMapOvr>
-  <mc:AlternateContent xmlns:mc="http://schemas.openxmlformats.org/markup-compatibility/2006">
-    <mc:Choice xmlns:p14="http://schemas.microsoft.com/office/powerpoint/2010/main" Requires="p14">
+  <mc:AlternateContent xmlns:mc="http://schemas.openxmlformats.org/markup-compatibility/2006" xmlns:p14="http://schemas.microsoft.com/office/powerpoint/2010/main">
+    <mc:Choice Requires="p14">
       <p:transition spd="slow" p14:dur="1600" advClick="0" advTm="3000">
         <p14:gallery dir="l"/>
       </p:transition>
     </mc:Choice>
-    <mc:Fallback>
+    <mc:Fallback xmlns="">
       <p:transition spd="slow" advClick="0" advTm="3000">
         <p:fade/>
       </p:transition>
@@ -27993,7 +27901,6 @@
               <a:rPr lang="zh-CN" altLang="en-US" dirty="0"/>
               <a:t>展现了对运行时的处理结点以及在其中生存的构件的配置。部署图给出了体系结构的静态部署视图。通常一个结点包含一个或多个制品</a:t>
             </a:r>
-            <a:endParaRPr lang="zh-CN" altLang="en-US" dirty="0"/>
           </a:p>
         </p:txBody>
       </p:sp>
@@ -28006,7 +27913,7 @@
           <p:nvPr/>
         </p:nvPicPr>
         <p:blipFill>
-          <a:blip r:embed="rId1"/>
+          <a:blip r:embed="rId3"/>
           <a:stretch>
             <a:fillRect/>
           </a:stretch>
@@ -28026,13 +27933,13 @@
   <p:clrMapOvr>
     <a:masterClrMapping/>
   </p:clrMapOvr>
-  <mc:AlternateContent xmlns:mc="http://schemas.openxmlformats.org/markup-compatibility/2006">
-    <mc:Choice xmlns:p14="http://schemas.microsoft.com/office/powerpoint/2010/main" Requires="p14">
+  <mc:AlternateContent xmlns:mc="http://schemas.openxmlformats.org/markup-compatibility/2006" xmlns:p14="http://schemas.microsoft.com/office/powerpoint/2010/main">
+    <mc:Choice Requires="p14">
       <p:transition spd="slow" p14:dur="1600" advClick="0" advTm="3000">
         <p14:gallery dir="l"/>
       </p:transition>
     </mc:Choice>
-    <mc:Fallback>
+    <mc:Fallback xmlns="">
       <p:transition spd="slow" advClick="0" advTm="3000">
         <p:fade/>
       </p:transition>
@@ -28216,7 +28123,7 @@
           <p:nvPr/>
         </p:nvPicPr>
         <p:blipFill>
-          <a:blip r:embed="rId1"/>
+          <a:blip r:embed="rId3"/>
           <a:stretch>
             <a:fillRect/>
           </a:stretch>
@@ -28240,7 +28147,7 @@
           <p:nvPr/>
         </p:nvPicPr>
         <p:blipFill>
-          <a:blip r:embed="rId2"/>
+          <a:blip r:embed="rId4"/>
           <a:stretch>
             <a:fillRect/>
           </a:stretch>
@@ -28264,7 +28171,7 @@
           <p:nvPr/>
         </p:nvPicPr>
         <p:blipFill>
-          <a:blip r:embed="rId3"/>
+          <a:blip r:embed="rId5"/>
           <a:stretch>
             <a:fillRect/>
           </a:stretch>
@@ -28288,7 +28195,7 @@
           <p:nvPr/>
         </p:nvPicPr>
         <p:blipFill>
-          <a:blip r:embed="rId4"/>
+          <a:blip r:embed="rId6"/>
           <a:stretch>
             <a:fillRect/>
           </a:stretch>
@@ -28360,13 +28267,13 @@
   <p:clrMapOvr>
     <a:masterClrMapping/>
   </p:clrMapOvr>
-  <mc:AlternateContent xmlns:mc="http://schemas.openxmlformats.org/markup-compatibility/2006">
-    <mc:Choice xmlns:p14="http://schemas.microsoft.com/office/powerpoint/2010/main" Requires="p14">
+  <mc:AlternateContent xmlns:mc="http://schemas.openxmlformats.org/markup-compatibility/2006" xmlns:p14="http://schemas.microsoft.com/office/powerpoint/2010/main">
+    <mc:Choice Requires="p14">
       <p:transition spd="slow" p14:dur="1600" advClick="0" advTm="3000">
         <p14:gallery dir="l"/>
       </p:transition>
     </mc:Choice>
-    <mc:Fallback>
+    <mc:Fallback xmlns="">
       <p:transition spd="slow" advClick="0" advTm="3000">
         <p:fade/>
       </p:transition>
@@ -28577,7 +28484,7 @@
           <p:nvPr/>
         </p:nvPicPr>
         <p:blipFill>
-          <a:blip r:embed="rId1" cstate="print">
+          <a:blip r:embed="rId3" cstate="print">
             <a:extLst>
               <a:ext uri="{28A0092B-C50C-407E-A947-70E740481C1C}">
                 <a14:useLocalDpi xmlns:a14="http://schemas.microsoft.com/office/drawing/2010/main" val="0"/>
@@ -28628,7 +28535,6 @@
               <a:rPr lang="zh-CN" altLang="en-US" sz="2800" dirty="0"/>
               <a:t>语法和语义规则</a:t>
             </a:r>
-            <a:endParaRPr lang="zh-CN" altLang="en-US" sz="2800" dirty="0"/>
           </a:p>
         </p:txBody>
       </p:sp>
@@ -28774,7 +28680,6 @@
               <a:rPr lang="zh-CN" altLang="en-US" sz="2400" dirty="0"/>
               <a:t>运行或模拟一个动态模型意味着什么</a:t>
             </a:r>
-            <a:endParaRPr lang="zh-CN" altLang="en-US" sz="2400" dirty="0"/>
           </a:p>
         </p:txBody>
       </p:sp>
@@ -28899,13 +28804,13 @@
   <p:clrMapOvr>
     <a:masterClrMapping/>
   </p:clrMapOvr>
-  <mc:AlternateContent xmlns:mc="http://schemas.openxmlformats.org/markup-compatibility/2006">
-    <mc:Choice xmlns:p14="http://schemas.microsoft.com/office/powerpoint/2010/main" Requires="p14">
+  <mc:AlternateContent xmlns:mc="http://schemas.openxmlformats.org/markup-compatibility/2006" xmlns:p14="http://schemas.microsoft.com/office/powerpoint/2010/main">
+    <mc:Choice Requires="p14">
       <p:transition spd="slow" p14:dur="1600" advClick="0" advTm="3000">
         <p14:gallery dir="l"/>
       </p:transition>
     </mc:Choice>
-    <mc:Fallback>
+    <mc:Fallback xmlns="">
       <p:transition spd="slow" advClick="0" advTm="3000">
         <p:fade/>
       </p:transition>
@@ -29339,11 +29244,6 @@
                 </a:rPr>
                 <a:t>规约</a:t>
               </a:r>
-              <a:endParaRPr lang="zh-CN" altLang="en-US" sz="2800" dirty="0">
-                <a:solidFill>
-                  <a:schemeClr val="bg1"/>
-                </a:solidFill>
-              </a:endParaRPr>
             </a:p>
           </p:txBody>
         </p:sp>
@@ -29377,11 +29277,6 @@
                 </a:rPr>
                 <a:t>修饰</a:t>
               </a:r>
-              <a:endParaRPr lang="zh-CN" altLang="en-US" sz="2800" dirty="0">
-                <a:solidFill>
-                  <a:schemeClr val="bg1"/>
-                </a:solidFill>
-              </a:endParaRPr>
             </a:p>
           </p:txBody>
         </p:sp>
@@ -29415,11 +29310,6 @@
                 </a:rPr>
                 <a:t>扩展机制</a:t>
               </a:r>
-              <a:endParaRPr lang="zh-CN" altLang="en-US" sz="2800" dirty="0">
-                <a:solidFill>
-                  <a:schemeClr val="bg1"/>
-                </a:solidFill>
-              </a:endParaRPr>
             </a:p>
           </p:txBody>
         </p:sp>
@@ -29453,11 +29343,6 @@
                 </a:rPr>
                 <a:t>通用划分</a:t>
               </a:r>
-              <a:endParaRPr lang="zh-CN" altLang="en-US" sz="2800" dirty="0">
-                <a:solidFill>
-                  <a:schemeClr val="bg1"/>
-                </a:solidFill>
-              </a:endParaRPr>
             </a:p>
           </p:txBody>
         </p:sp>
@@ -29777,13 +29662,13 @@
   <p:clrMapOvr>
     <a:masterClrMapping/>
   </p:clrMapOvr>
-  <mc:AlternateContent xmlns:mc="http://schemas.openxmlformats.org/markup-compatibility/2006">
-    <mc:Choice xmlns:p14="http://schemas.microsoft.com/office/powerpoint/2010/main" Requires="p14">
+  <mc:AlternateContent xmlns:mc="http://schemas.openxmlformats.org/markup-compatibility/2006" xmlns:p14="http://schemas.microsoft.com/office/powerpoint/2010/main">
+    <mc:Choice Requires="p14">
       <p:transition spd="slow" p14:dur="1600" advClick="0" advTm="4000">
         <p14:gallery dir="l"/>
       </p:transition>
     </mc:Choice>
-    <mc:Fallback>
+    <mc:Fallback xmlns="">
       <p:transition spd="slow" advClick="0" advTm="4000">
         <p:fade/>
       </p:transition>
@@ -29844,16 +29729,6 @@
               </a:rPr>
               <a:t>PART</a:t>
             </a:r>
-            <a:endParaRPr lang="en-US" altLang="zh-CN" sz="3600" spc="300" dirty="0">
-              <a:solidFill>
-                <a:schemeClr val="tx1">
-                  <a:lumMod val="85000"/>
-                  <a:lumOff val="15000"/>
-                </a:schemeClr>
-              </a:solidFill>
-              <a:latin typeface="黑体" panose="02010609060101010101" pitchFamily="49" charset="-122"/>
-              <a:ea typeface="黑体" panose="02010609060101010101" pitchFamily="49" charset="-122"/>
-            </a:endParaRPr>
           </a:p>
         </p:txBody>
       </p:sp>
@@ -30185,9 +30060,6 @@
               </a:rPr>
               <a:t>体系结构</a:t>
             </a:r>
-            <a:endParaRPr lang="zh-CN" altLang="en-US" sz="3600" spc="300" dirty="0">
-              <a:latin typeface="+mn-ea"/>
-            </a:endParaRPr>
           </a:p>
         </p:txBody>
       </p:sp>
@@ -30342,13 +30214,13 @@
   <p:clrMapOvr>
     <a:masterClrMapping/>
   </p:clrMapOvr>
-  <mc:AlternateContent xmlns:mc="http://schemas.openxmlformats.org/markup-compatibility/2006">
-    <mc:Choice xmlns:p14="http://schemas.microsoft.com/office/powerpoint/2010/main" Requires="p14">
+  <mc:AlternateContent xmlns:mc="http://schemas.openxmlformats.org/markup-compatibility/2006" xmlns:p14="http://schemas.microsoft.com/office/powerpoint/2010/main">
+    <mc:Choice Requires="p14">
       <p:transition spd="slow" p14:dur="1600" advClick="0" advTm="3000">
         <p14:gallery dir="l"/>
       </p:transition>
     </mc:Choice>
-    <mc:Fallback>
+    <mc:Fallback xmlns="">
       <p:transition spd="slow" advClick="0" advTm="3000">
         <p:fade/>
       </p:transition>
@@ -30656,7 +30528,6 @@
               <a:rPr lang="zh-CN" altLang="en-US" sz="2200" b="1" dirty="0"/>
               <a:t>指导这些组织的体系结构风格：静态和动态元素以及他们的接口、协作和组成。</a:t>
             </a:r>
-            <a:endParaRPr lang="zh-CN" altLang="en-US" sz="2200" b="1" dirty="0"/>
           </a:p>
         </p:txBody>
       </p:sp>
@@ -30665,13 +30536,13 @@
   <p:clrMapOvr>
     <a:masterClrMapping/>
   </p:clrMapOvr>
-  <mc:AlternateContent xmlns:mc="http://schemas.openxmlformats.org/markup-compatibility/2006">
-    <mc:Choice xmlns:p14="http://schemas.microsoft.com/office/powerpoint/2010/main" Requires="p14">
+  <mc:AlternateContent xmlns:mc="http://schemas.openxmlformats.org/markup-compatibility/2006" xmlns:p14="http://schemas.microsoft.com/office/powerpoint/2010/main">
+    <mc:Choice Requires="p14">
       <p:transition spd="slow" p14:dur="1600" advClick="0" advTm="3000">
         <p14:gallery dir="l"/>
       </p:transition>
     </mc:Choice>
-    <mc:Fallback>
+    <mc:Fallback xmlns="">
       <p:transition spd="slow" advClick="0" advTm="3000">
         <p:fade/>
       </p:transition>
@@ -30916,11 +30787,6 @@
                 </a:rPr>
                 <a:t>设计视图</a:t>
               </a:r>
-              <a:endParaRPr lang="zh-CN" altLang="en-US" sz="2400" dirty="0">
-                <a:solidFill>
-                  <a:schemeClr val="tx1"/>
-                </a:solidFill>
-              </a:endParaRPr>
             </a:p>
           </p:txBody>
         </p:sp>
@@ -31007,11 +30873,6 @@
               </a:rPr>
               <a:t>部署视图</a:t>
             </a:r>
-            <a:endParaRPr lang="zh-CN" altLang="en-US" sz="2400" dirty="0">
-              <a:solidFill>
-                <a:schemeClr val="tx1"/>
-              </a:solidFill>
-            </a:endParaRPr>
           </a:p>
         </p:txBody>
       </p:sp>
@@ -31071,11 +30932,6 @@
               </a:rPr>
               <a:t>交互视图</a:t>
             </a:r>
-            <a:endParaRPr lang="zh-CN" altLang="en-US" sz="2400" dirty="0">
-              <a:solidFill>
-                <a:schemeClr val="tx1"/>
-              </a:solidFill>
-            </a:endParaRPr>
           </a:p>
         </p:txBody>
       </p:sp>
@@ -31135,11 +30991,6 @@
               </a:rPr>
               <a:t>实现视图</a:t>
             </a:r>
-            <a:endParaRPr lang="zh-CN" altLang="en-US" sz="2400" dirty="0">
-              <a:solidFill>
-                <a:schemeClr val="tx1"/>
-              </a:solidFill>
-            </a:endParaRPr>
           </a:p>
         </p:txBody>
       </p:sp>
@@ -31221,7 +31072,6 @@
               <a:rPr lang="zh-CN" altLang="en-US" sz="2400" dirty="0"/>
               <a:t>用况视图</a:t>
             </a:r>
-            <a:endParaRPr lang="zh-CN" altLang="en-US" sz="2400" dirty="0"/>
           </a:p>
         </p:txBody>
       </p:sp>
@@ -31258,7 +31108,6 @@
               <a:rPr lang="zh-CN" altLang="en-US" dirty="0"/>
               <a:t>功能</a:t>
             </a:r>
-            <a:endParaRPr lang="zh-CN" altLang="en-US" dirty="0"/>
           </a:p>
         </p:txBody>
       </p:sp>
@@ -31288,7 +31137,6 @@
               <a:rPr lang="zh-CN" altLang="en-US" dirty="0"/>
               <a:t>行为</a:t>
             </a:r>
-            <a:endParaRPr lang="zh-CN" altLang="en-US" dirty="0"/>
           </a:p>
         </p:txBody>
       </p:sp>
@@ -31332,7 +31180,6 @@
               <a:rPr lang="zh-CN" altLang="en-US" dirty="0"/>
               <a:t>吞吐量</a:t>
             </a:r>
-            <a:endParaRPr lang="zh-CN" altLang="en-US" dirty="0"/>
           </a:p>
         </p:txBody>
       </p:sp>
@@ -31429,13 +31276,13 @@
   <p:clrMapOvr>
     <a:masterClrMapping/>
   </p:clrMapOvr>
-  <mc:AlternateContent xmlns:mc="http://schemas.openxmlformats.org/markup-compatibility/2006">
-    <mc:Choice xmlns:p14="http://schemas.microsoft.com/office/powerpoint/2010/main" Requires="p14">
+  <mc:AlternateContent xmlns:mc="http://schemas.openxmlformats.org/markup-compatibility/2006" xmlns:p14="http://schemas.microsoft.com/office/powerpoint/2010/main">
+    <mc:Choice Requires="p14">
       <p:transition spd="slow" p14:dur="1600" advClick="0" advTm="3000">
         <p14:gallery dir="l"/>
       </p:transition>
     </mc:Choice>
-    <mc:Fallback>
+    <mc:Fallback xmlns="">
       <p:transition spd="slow" advClick="0" advTm="3000">
         <p:fade/>
       </p:transition>
@@ -31496,16 +31343,6 @@
               </a:rPr>
               <a:t>PART</a:t>
             </a:r>
-            <a:endParaRPr lang="en-US" altLang="zh-CN" sz="3600" spc="300" dirty="0">
-              <a:solidFill>
-                <a:schemeClr val="tx1">
-                  <a:lumMod val="85000"/>
-                  <a:lumOff val="15000"/>
-                </a:schemeClr>
-              </a:solidFill>
-              <a:latin typeface="黑体" panose="02010609060101010101" pitchFamily="49" charset="-122"/>
-              <a:ea typeface="黑体" panose="02010609060101010101" pitchFamily="49" charset="-122"/>
-            </a:endParaRPr>
           </a:p>
         </p:txBody>
       </p:sp>
@@ -31796,16 +31633,6 @@
               </a:rPr>
               <a:t>5</a:t>
             </a:r>
-            <a:endParaRPr lang="en-US" altLang="zh-CN" sz="9600" b="1" dirty="0">
-              <a:solidFill>
-                <a:schemeClr val="tx1">
-                  <a:lumMod val="85000"/>
-                  <a:lumOff val="15000"/>
-                </a:schemeClr>
-              </a:solidFill>
-              <a:latin typeface="黑体" panose="02010609060101010101" pitchFamily="49" charset="-122"/>
-              <a:ea typeface="黑体" panose="02010609060101010101" pitchFamily="49" charset="-122"/>
-            </a:endParaRPr>
           </a:p>
         </p:txBody>
       </p:sp>
@@ -31837,9 +31664,6 @@
               </a:rPr>
               <a:t>组员分工</a:t>
             </a:r>
-            <a:endParaRPr lang="zh-CN" altLang="en-US" sz="3600" spc="300" dirty="0">
-              <a:latin typeface="+mn-ea"/>
-            </a:endParaRPr>
           </a:p>
         </p:txBody>
       </p:sp>
@@ -31994,13 +31818,13 @@
   <p:clrMapOvr>
     <a:masterClrMapping/>
   </p:clrMapOvr>
-  <mc:AlternateContent xmlns:mc="http://schemas.openxmlformats.org/markup-compatibility/2006">
-    <mc:Choice xmlns:p14="http://schemas.microsoft.com/office/powerpoint/2010/main" Requires="p14">
+  <mc:AlternateContent xmlns:mc="http://schemas.openxmlformats.org/markup-compatibility/2006" xmlns:p14="http://schemas.microsoft.com/office/powerpoint/2010/main">
+    <mc:Choice Requires="p14">
       <p:transition spd="slow" p14:dur="1600" advClick="0" advTm="3000">
         <p14:gallery dir="l"/>
       </p:transition>
     </mc:Choice>
-    <mc:Fallback>
+    <mc:Fallback xmlns="">
       <p:transition spd="slow" advClick="0" advTm="3000">
         <p:fade/>
       </p:transition>
@@ -32128,11 +31952,6 @@
               </a:rPr>
               <a:t>组员分工</a:t>
             </a:r>
-            <a:endParaRPr lang="zh-CN" altLang="en-US" sz="2400" b="1" dirty="0">
-              <a:solidFill>
-                <a:srgbClr val="FF0000"/>
-              </a:solidFill>
-            </a:endParaRPr>
           </a:p>
         </p:txBody>
       </p:sp>
@@ -32199,6 +32018,7 @@
           <a:bodyPr wrap="square" rtlCol="0">
             <a:spAutoFit/>
           </a:bodyPr>
+          <a:lstStyle/>
           <a:p>
             <a:r>
               <a:rPr lang="zh-CN" altLang="en-US"/>
@@ -32218,11 +32038,7 @@
             </a:r>
             <a:r>
               <a:rPr lang="zh-CN" altLang="en-US"/>
-              <a:t>分</a:t>
-            </a:r>
-            <a:r>
-              <a:rPr lang="zh-CN" altLang="en-US"/>
-              <a:t>）</a:t>
+              <a:t>分）</a:t>
             </a:r>
             <a:endParaRPr lang="en-US" altLang="zh-CN"/>
           </a:p>
@@ -32248,6 +32064,7 @@
           <a:bodyPr wrap="square" rtlCol="0">
             <a:spAutoFit/>
           </a:bodyPr>
+          <a:lstStyle/>
           <a:p>
             <a:r>
               <a:rPr lang="zh-CN" altLang="en-US"/>
@@ -32267,11 +32084,7 @@
             </a:r>
             <a:r>
               <a:rPr lang="zh-CN" altLang="en-US"/>
-              <a:t>图</a:t>
-            </a:r>
-            <a:r>
-              <a:rPr lang="zh-CN" altLang="en-US"/>
-              <a:t>       评价（</a:t>
+              <a:t>图       评价（</a:t>
             </a:r>
             <a:r>
               <a:rPr lang="en-US" altLang="zh-CN"/>
@@ -32305,6 +32118,7 @@
           <a:bodyPr wrap="square" rtlCol="0">
             <a:spAutoFit/>
           </a:bodyPr>
+          <a:lstStyle/>
           <a:p>
             <a:r>
               <a:rPr lang="zh-CN" altLang="en-US"/>
@@ -32350,6 +32164,7 @@
           <a:bodyPr wrap="square" rtlCol="0">
             <a:spAutoFit/>
           </a:bodyPr>
+          <a:lstStyle/>
           <a:p>
             <a:r>
               <a:rPr lang="zh-CN" altLang="en-US"/>
@@ -32395,6 +32210,7 @@
           <a:bodyPr wrap="square" rtlCol="0">
             <a:spAutoFit/>
           </a:bodyPr>
+          <a:lstStyle/>
           <a:p>
             <a:r>
               <a:rPr lang="zh-CN" altLang="en-US"/>
@@ -32425,13 +32241,13 @@
   <p:clrMapOvr>
     <a:masterClrMapping/>
   </p:clrMapOvr>
-  <mc:AlternateContent xmlns:mc="http://schemas.openxmlformats.org/markup-compatibility/2006">
-    <mc:Choice xmlns:p14="http://schemas.microsoft.com/office/powerpoint/2010/main" Requires="p14">
+  <mc:AlternateContent xmlns:mc="http://schemas.openxmlformats.org/markup-compatibility/2006" xmlns:p14="http://schemas.microsoft.com/office/powerpoint/2010/main">
+    <mc:Choice Requires="p14">
       <p:transition spd="slow" p14:dur="1600" advClick="0" advTm="3000">
         <p14:gallery dir="l"/>
       </p:transition>
     </mc:Choice>
-    <mc:Fallback>
+    <mc:Fallback xmlns="">
       <p:transition spd="slow" advClick="0" advTm="3000">
         <p:fade/>
       </p:transition>
@@ -32559,7 +32375,6 @@
               <a:rPr lang="zh-CN" altLang="en-US" b="1" dirty="0"/>
               <a:t>建模原理</a:t>
             </a:r>
-            <a:endParaRPr lang="zh-CN" altLang="en-US" b="1" dirty="0"/>
           </a:p>
         </p:txBody>
       </p:sp>
@@ -33138,13 +32953,13 @@
   <p:clrMapOvr>
     <a:masterClrMapping/>
   </p:clrMapOvr>
-  <mc:AlternateContent xmlns:mc="http://schemas.openxmlformats.org/markup-compatibility/2006">
-    <mc:Choice xmlns:p14="http://schemas.microsoft.com/office/powerpoint/2010/main" Requires="p14">
+  <mc:AlternateContent xmlns:mc="http://schemas.openxmlformats.org/markup-compatibility/2006" xmlns:p14="http://schemas.microsoft.com/office/powerpoint/2010/main">
+    <mc:Choice Requires="p14">
       <p:transition spd="slow" p14:dur="1600" advClick="0" advTm="3000">
         <p14:gallery dir="l"/>
       </p:transition>
     </mc:Choice>
-    <mc:Fallback>
+    <mc:Fallback xmlns="">
       <p:transition spd="slow" advClick="0" advTm="3000">
         <p:fade/>
       </p:transition>
@@ -33268,7 +33083,6 @@
               <a:rPr lang="zh-CN" altLang="en-US" b="1" dirty="0"/>
               <a:t>课堂提问</a:t>
             </a:r>
-            <a:endParaRPr lang="zh-CN" altLang="en-US" b="1" dirty="0"/>
           </a:p>
         </p:txBody>
       </p:sp>
@@ -33338,7 +33152,7 @@
             <p:nvPr/>
           </p:nvPicPr>
           <p:blipFill>
-            <a:blip r:embed="rId1" cstate="print">
+            <a:blip r:embed="rId3" cstate="print">
               <a:extLst>
                 <a:ext uri="{28A0092B-C50C-407E-A947-70E740481C1C}">
                   <a14:useLocalDpi xmlns:a14="http://schemas.microsoft.com/office/drawing/2010/main" val="0"/>
@@ -33368,7 +33182,7 @@
             <p:nvPr/>
           </p:nvPicPr>
           <p:blipFill>
-            <a:blip r:embed="rId2" cstate="print">
+            <a:blip r:embed="rId4" cstate="print">
               <a:extLst>
                 <a:ext uri="{28A0092B-C50C-407E-A947-70E740481C1C}">
                   <a14:useLocalDpi xmlns:a14="http://schemas.microsoft.com/office/drawing/2010/main" val="0"/>
@@ -33398,7 +33212,7 @@
             <p:nvPr/>
           </p:nvPicPr>
           <p:blipFill>
-            <a:blip r:embed="rId3" cstate="print">
+            <a:blip r:embed="rId5" cstate="print">
               <a:extLst>
                 <a:ext uri="{28A0092B-C50C-407E-A947-70E740481C1C}">
                   <a14:useLocalDpi xmlns:a14="http://schemas.microsoft.com/office/drawing/2010/main" val="0"/>
@@ -33475,17 +33289,6 @@
               </a:rPr>
               <a:t>、在软件开发过程中，为什么要选择建模的方法？</a:t>
             </a:r>
-            <a:endParaRPr lang="zh-CN" altLang="en-US" sz="1400" spc="300" dirty="0">
-              <a:solidFill>
-                <a:schemeClr val="tx1">
-                  <a:lumMod val="65000"/>
-                  <a:lumOff val="35000"/>
-                </a:schemeClr>
-              </a:solidFill>
-              <a:latin typeface="微软雅黑 Light" panose="020B0502040204020203" pitchFamily="34" charset="-122"/>
-              <a:ea typeface="微软雅黑 Light" panose="020B0502040204020203" pitchFamily="34" charset="-122"/>
-              <a:cs typeface="Open Sans" pitchFamily="34" charset="0"/>
-            </a:endParaRPr>
           </a:p>
           <a:p>
             <a:pPr>
@@ -33549,17 +33352,6 @@
               </a:rPr>
               <a:t>的构造块有哪些？</a:t>
             </a:r>
-            <a:endParaRPr lang="zh-CN" altLang="en-US" sz="1400" spc="300" dirty="0">
-              <a:solidFill>
-                <a:schemeClr val="tx1">
-                  <a:lumMod val="65000"/>
-                  <a:lumOff val="35000"/>
-                </a:schemeClr>
-              </a:solidFill>
-              <a:latin typeface="微软雅黑 Light" panose="020B0502040204020203" pitchFamily="34" charset="-122"/>
-              <a:ea typeface="微软雅黑 Light" panose="020B0502040204020203" pitchFamily="34" charset="-122"/>
-              <a:cs typeface="Open Sans" pitchFamily="34" charset="0"/>
-            </a:endParaRPr>
           </a:p>
           <a:p>
             <a:pPr>
@@ -33623,17 +33415,6 @@
               </a:rPr>
               <a:t>的关系有哪些？</a:t>
             </a:r>
-            <a:endParaRPr lang="zh-CN" altLang="en-US" sz="1400" spc="300" dirty="0">
-              <a:solidFill>
-                <a:schemeClr val="tx1">
-                  <a:lumMod val="65000"/>
-                  <a:lumOff val="35000"/>
-                </a:schemeClr>
-              </a:solidFill>
-              <a:latin typeface="微软雅黑 Light" panose="020B0502040204020203" pitchFamily="34" charset="-122"/>
-              <a:ea typeface="微软雅黑 Light" panose="020B0502040204020203" pitchFamily="34" charset="-122"/>
-              <a:cs typeface="Open Sans" pitchFamily="34" charset="0"/>
-            </a:endParaRPr>
           </a:p>
         </p:txBody>
       </p:sp>
@@ -33680,13 +33461,13 @@
   <p:clrMapOvr>
     <a:masterClrMapping/>
   </p:clrMapOvr>
-  <mc:AlternateContent xmlns:mc="http://schemas.openxmlformats.org/markup-compatibility/2006">
-    <mc:Choice xmlns:p14="http://schemas.microsoft.com/office/powerpoint/2010/main" Requires="p14">
+  <mc:AlternateContent xmlns:mc="http://schemas.openxmlformats.org/markup-compatibility/2006" xmlns:p14="http://schemas.microsoft.com/office/powerpoint/2010/main">
+    <mc:Choice Requires="p14">
       <p:transition spd="slow" p14:dur="1600" advClick="0" advTm="3000">
         <p14:gallery dir="l"/>
       </p:transition>
     </mc:Choice>
-    <mc:Fallback>
+    <mc:Fallback xmlns="">
       <p:transition spd="slow" advClick="0" advTm="3000">
         <p:fade/>
       </p:transition>
@@ -33696,6 +33477,281 @@
 </file>
 
 <file path=ppt/slides/slide51.xml><?xml version="1.0" encoding="utf-8"?>
+<p:sld xmlns:a="http://schemas.openxmlformats.org/drawingml/2006/main" xmlns:r="http://schemas.openxmlformats.org/officeDocument/2006/relationships" xmlns:p="http://schemas.openxmlformats.org/presentationml/2006/main">
+  <p:cSld>
+    <p:spTree>
+      <p:nvGrpSpPr>
+        <p:cNvPr id="1" name=""/>
+        <p:cNvGrpSpPr/>
+        <p:nvPr/>
+      </p:nvGrpSpPr>
+      <p:grpSpPr>
+        <a:xfrm>
+          <a:off x="0" y="0"/>
+          <a:ext cx="0" cy="0"/>
+          <a:chOff x="0" y="0"/>
+          <a:chExt cx="0" cy="0"/>
+        </a:xfrm>
+      </p:grpSpPr>
+      <p:cxnSp>
+        <p:nvCxnSpPr>
+          <p:cNvPr id="2" name="直接连接符 1"/>
+          <p:cNvCxnSpPr/>
+          <p:nvPr/>
+        </p:nvCxnSpPr>
+        <p:spPr>
+          <a:xfrm flipH="1">
+            <a:off x="-194358" y="217178"/>
+            <a:ext cx="777432" cy="653712"/>
+          </a:xfrm>
+          <a:prstGeom prst="line">
+            <a:avLst/>
+          </a:prstGeom>
+          <a:ln w="38100">
+            <a:solidFill>
+              <a:schemeClr val="tx1">
+                <a:lumMod val="85000"/>
+                <a:lumOff val="15000"/>
+              </a:schemeClr>
+            </a:solidFill>
+          </a:ln>
+        </p:spPr>
+        <p:style>
+          <a:lnRef idx="1">
+            <a:schemeClr val="accent1"/>
+          </a:lnRef>
+          <a:fillRef idx="0">
+            <a:schemeClr val="accent1"/>
+          </a:fillRef>
+          <a:effectRef idx="0">
+            <a:schemeClr val="accent1"/>
+          </a:effectRef>
+          <a:fontRef idx="minor">
+            <a:schemeClr val="tx1"/>
+          </a:fontRef>
+        </p:style>
+      </p:cxnSp>
+      <p:cxnSp>
+        <p:nvCxnSpPr>
+          <p:cNvPr id="3" name="直接连接符 2"/>
+          <p:cNvCxnSpPr/>
+          <p:nvPr/>
+        </p:nvCxnSpPr>
+        <p:spPr>
+          <a:xfrm flipH="1">
+            <a:off x="-58057" y="761631"/>
+            <a:ext cx="388716" cy="326856"/>
+          </a:xfrm>
+          <a:prstGeom prst="line">
+            <a:avLst/>
+          </a:prstGeom>
+          <a:ln w="12700">
+            <a:solidFill>
+              <a:srgbClr val="C00000"/>
+            </a:solidFill>
+          </a:ln>
+        </p:spPr>
+        <p:style>
+          <a:lnRef idx="1">
+            <a:schemeClr val="accent1"/>
+          </a:lnRef>
+          <a:fillRef idx="0">
+            <a:schemeClr val="accent1"/>
+          </a:fillRef>
+          <a:effectRef idx="0">
+            <a:schemeClr val="accent1"/>
+          </a:effectRef>
+          <a:fontRef idx="minor">
+            <a:schemeClr val="tx1"/>
+          </a:fontRef>
+        </p:style>
+      </p:cxnSp>
+      <p:sp>
+        <p:nvSpPr>
+          <p:cNvPr id="4" name="矩形 3"/>
+          <p:cNvSpPr/>
+          <p:nvPr/>
+        </p:nvSpPr>
+        <p:spPr>
+          <a:xfrm>
+            <a:off x="797873" y="611396"/>
+            <a:ext cx="2236510" cy="707886"/>
+          </a:xfrm>
+          <a:prstGeom prst="rect">
+            <a:avLst/>
+          </a:prstGeom>
+        </p:spPr>
+        <p:txBody>
+          <a:bodyPr wrap="none">
+            <a:spAutoFit/>
+          </a:bodyPr>
+          <a:lstStyle/>
+          <a:p>
+            <a:r>
+              <a:rPr lang="zh-CN" altLang="en-US" sz="4000" b="1" dirty="0">
+                <a:solidFill>
+                  <a:srgbClr val="C00000"/>
+                </a:solidFill>
+              </a:rPr>
+              <a:t>参考文献</a:t>
+            </a:r>
+            <a:endParaRPr lang="zh-CN" altLang="en-US" sz="4000" b="1" dirty="0"/>
+          </a:p>
+        </p:txBody>
+      </p:sp>
+      <p:sp>
+        <p:nvSpPr>
+          <p:cNvPr id="11" name="矩形 10"/>
+          <p:cNvSpPr/>
+          <p:nvPr/>
+        </p:nvSpPr>
+        <p:spPr>
+          <a:xfrm>
+            <a:off x="1198662" y="1736812"/>
+            <a:ext cx="6692820" cy="3456384"/>
+          </a:xfrm>
+          <a:prstGeom prst="rect">
+            <a:avLst/>
+          </a:prstGeom>
+          <a:noFill/>
+          <a:ln w="12700">
+            <a:solidFill>
+              <a:schemeClr val="tx1">
+                <a:lumMod val="65000"/>
+                <a:lumOff val="35000"/>
+              </a:schemeClr>
+            </a:solidFill>
+          </a:ln>
+        </p:spPr>
+        <p:style>
+          <a:lnRef idx="2">
+            <a:schemeClr val="accent1">
+              <a:shade val="50000"/>
+            </a:schemeClr>
+          </a:lnRef>
+          <a:fillRef idx="1">
+            <a:schemeClr val="accent1"/>
+          </a:fillRef>
+          <a:effectRef idx="0">
+            <a:schemeClr val="accent1"/>
+          </a:effectRef>
+          <a:fontRef idx="minor">
+            <a:schemeClr val="lt1"/>
+          </a:fontRef>
+        </p:style>
+        <p:txBody>
+          <a:bodyPr rtlCol="0" anchor="ctr"/>
+          <a:lstStyle/>
+          <a:p>
+            <a:pPr algn="ctr"/>
+            <a:endParaRPr lang="zh-CN" altLang="en-US"/>
+          </a:p>
+        </p:txBody>
+      </p:sp>
+      <p:sp>
+        <p:nvSpPr>
+          <p:cNvPr id="6" name="文本框 5"/>
+          <p:cNvSpPr txBox="1"/>
+          <p:nvPr/>
+        </p:nvSpPr>
+        <p:spPr>
+          <a:xfrm>
+            <a:off x="1630710" y="1916832"/>
+            <a:ext cx="5760640" cy="1785104"/>
+          </a:xfrm>
+          <a:prstGeom prst="rect">
+            <a:avLst/>
+          </a:prstGeom>
+          <a:noFill/>
+        </p:spPr>
+        <p:txBody>
+          <a:bodyPr wrap="square" rtlCol="0">
+            <a:spAutoFit/>
+          </a:bodyPr>
+          <a:lstStyle/>
+          <a:p>
+            <a:endParaRPr lang="en-US" altLang="zh-CN" sz="2200" b="1" dirty="0"/>
+          </a:p>
+          <a:p>
+            <a:pPr marL="342900" indent="-342900">
+              <a:buFont typeface="Wingdings" panose="05000000000000000000" pitchFamily="2" charset="2"/>
+              <a:buChar char="n"/>
+            </a:pPr>
+            <a:r>
+              <a:rPr lang="en-US" altLang="zh-CN" sz="2200" b="1" dirty="0"/>
+              <a:t>CSDN</a:t>
+            </a:r>
+            <a:r>
+              <a:rPr lang="zh-CN" altLang="en-US" sz="2200" b="1" dirty="0"/>
+              <a:t>网站</a:t>
+            </a:r>
+            <a:endParaRPr lang="en-US" altLang="zh-CN" sz="2200" b="1" dirty="0"/>
+          </a:p>
+          <a:p>
+            <a:pPr marL="342900" indent="-342900">
+              <a:buFont typeface="Wingdings" panose="05000000000000000000" pitchFamily="2" charset="2"/>
+              <a:buChar char="n"/>
+            </a:pPr>
+            <a:r>
+              <a:rPr lang="zh-CN" altLang="en-US" sz="2200" b="1" dirty="0"/>
+              <a:t>维基百科</a:t>
+            </a:r>
+            <a:endParaRPr lang="en-US" altLang="zh-CN" sz="2200" b="1" dirty="0"/>
+          </a:p>
+          <a:p>
+            <a:pPr marL="342900" indent="-342900">
+              <a:buFont typeface="Wingdings" panose="05000000000000000000" pitchFamily="2" charset="2"/>
+              <a:buChar char="n"/>
+            </a:pPr>
+            <a:r>
+              <a:rPr lang="en-US" altLang="zh-CN" sz="2200" b="1" dirty="0"/>
+              <a:t>UML</a:t>
+            </a:r>
+            <a:r>
+              <a:rPr lang="zh-CN" altLang="en-US" sz="2200" b="1" dirty="0"/>
+              <a:t>用户指南</a:t>
+            </a:r>
+            <a:r>
+              <a:rPr lang="en-US" altLang="zh-CN" sz="2200" b="1" dirty="0"/>
+              <a:t>——</a:t>
+            </a:r>
+            <a:r>
+              <a:rPr lang="zh-CN" altLang="en-US" sz="2200" b="1" dirty="0"/>
+              <a:t>人民邮电出版社</a:t>
+            </a:r>
+            <a:endParaRPr lang="en-US" altLang="zh-CN" sz="2200" b="1" dirty="0"/>
+          </a:p>
+          <a:p>
+            <a:endParaRPr lang="en-US" altLang="zh-CN" sz="2200" b="1" dirty="0"/>
+          </a:p>
+        </p:txBody>
+      </p:sp>
+    </p:spTree>
+    <p:extLst>
+      <p:ext uri="{BB962C8B-B14F-4D97-AF65-F5344CB8AC3E}">
+        <p14:creationId xmlns:p14="http://schemas.microsoft.com/office/powerpoint/2010/main" val="1608952862"/>
+      </p:ext>
+    </p:extLst>
+  </p:cSld>
+  <p:clrMapOvr>
+    <a:masterClrMapping/>
+  </p:clrMapOvr>
+  <mc:AlternateContent xmlns:mc="http://schemas.openxmlformats.org/markup-compatibility/2006" xmlns:p14="http://schemas.microsoft.com/office/powerpoint/2010/main">
+    <mc:Choice Requires="p14">
+      <p:transition spd="slow" p14:dur="1600" advClick="0" advTm="3000">
+        <p14:gallery dir="l"/>
+      </p:transition>
+    </mc:Choice>
+    <mc:Fallback xmlns="">
+      <p:transition spd="slow" advClick="0" advTm="3000">
+        <p:fade/>
+      </p:transition>
+    </mc:Fallback>
+  </mc:AlternateContent>
+</p:sld>
+</file>
+
+<file path=ppt/slides/slide52.xml><?xml version="1.0" encoding="utf-8"?>
 <p:sld xmlns:a="http://schemas.openxmlformats.org/drawingml/2006/main" xmlns:r="http://schemas.openxmlformats.org/officeDocument/2006/relationships" xmlns:p="http://schemas.openxmlformats.org/presentationml/2006/main">
   <p:cSld>
     <p:spTree>
@@ -34096,13 +34152,6 @@
                 </a:rPr>
                 <a:t>请输入你的内容</a:t>
               </a:r>
-              <a:endParaRPr lang="zh-CN" altLang="en-US" dirty="0">
-                <a:solidFill>
-                  <a:schemeClr val="bg1"/>
-                </a:solidFill>
-                <a:latin typeface="汉仪大圣体简" panose="00020600040101010101" pitchFamily="18" charset="-122"/>
-                <a:ea typeface="汉仪大圣体简" panose="00020600040101010101" pitchFamily="18" charset="-122"/>
-              </a:endParaRPr>
             </a:p>
           </p:txBody>
         </p:sp>
@@ -34502,13 +34551,13 @@
   <p:clrMapOvr>
     <a:masterClrMapping/>
   </p:clrMapOvr>
-  <mc:AlternateContent xmlns:mc="http://schemas.openxmlformats.org/markup-compatibility/2006">
-    <mc:Choice xmlns:p14="http://schemas.microsoft.com/office/powerpoint/2010/main" Requires="p14">
+  <mc:AlternateContent xmlns:mc="http://schemas.openxmlformats.org/markup-compatibility/2006" xmlns:p14="http://schemas.microsoft.com/office/powerpoint/2010/main">
+    <mc:Choice Requires="p14">
       <p:transition spd="slow" p14:dur="1600" advClick="0" advTm="3000">
         <p14:gallery dir="l"/>
       </p:transition>
     </mc:Choice>
-    <mc:Fallback>
+    <mc:Fallback xmlns="">
       <p:transition spd="slow" advClick="0" advTm="3000">
         <p:fade/>
       </p:transition>
@@ -34885,7 +34934,6 @@
               <a:rPr lang="zh-CN" altLang="en-US" b="1" dirty="0"/>
               <a:t>为什么要建模</a:t>
             </a:r>
-            <a:endParaRPr lang="zh-CN" altLang="en-US" b="1" dirty="0"/>
           </a:p>
         </p:txBody>
       </p:sp>
@@ -35110,7 +35158,6 @@
               <a:rPr lang="zh-CN" altLang="en-US" sz="2000" dirty="0"/>
               <a:t>模型对做出的决策进行文档化</a:t>
             </a:r>
-            <a:endParaRPr lang="zh-CN" altLang="en-US" sz="2000" dirty="0"/>
           </a:p>
         </p:txBody>
       </p:sp>
@@ -35140,7 +35187,6 @@
               <a:rPr lang="zh-CN" altLang="en-US" sz="2400" b="1" dirty="0"/>
               <a:t>通过建模要达到一下四个目的</a:t>
             </a:r>
-            <a:endParaRPr lang="zh-CN" altLang="en-US" sz="2400" b="1" dirty="0"/>
           </a:p>
         </p:txBody>
       </p:sp>
@@ -35219,13 +35265,13 @@
   <p:clrMapOvr>
     <a:masterClrMapping/>
   </p:clrMapOvr>
-  <mc:AlternateContent xmlns:mc="http://schemas.openxmlformats.org/markup-compatibility/2006">
-    <mc:Choice xmlns:p14="http://schemas.microsoft.com/office/powerpoint/2010/main" Requires="p14">
+  <mc:AlternateContent xmlns:mc="http://schemas.openxmlformats.org/markup-compatibility/2006" xmlns:p14="http://schemas.microsoft.com/office/powerpoint/2010/main">
+    <mc:Choice Requires="p14">
       <p:transition spd="slow" p14:dur="1600" advClick="0" advTm="3000">
         <p14:gallery dir="l"/>
       </p:transition>
     </mc:Choice>
-    <mc:Fallback>
+    <mc:Fallback xmlns="">
       <p:transition spd="slow" advClick="0" advTm="3000">
         <p:fade/>
       </p:transition>
@@ -35286,16 +35332,6 @@
               </a:rPr>
               <a:t>PART</a:t>
             </a:r>
-            <a:endParaRPr lang="en-US" altLang="zh-CN" sz="3600" spc="300" dirty="0">
-              <a:solidFill>
-                <a:schemeClr val="tx1">
-                  <a:lumMod val="85000"/>
-                  <a:lumOff val="15000"/>
-                </a:schemeClr>
-              </a:solidFill>
-              <a:latin typeface="黑体" panose="02010609060101010101" pitchFamily="49" charset="-122"/>
-              <a:ea typeface="黑体" panose="02010609060101010101" pitchFamily="49" charset="-122"/>
-            </a:endParaRPr>
           </a:p>
         </p:txBody>
       </p:sp>
@@ -35633,9 +35669,6 @@
               </a:rPr>
               <a:t>简介</a:t>
             </a:r>
-            <a:endParaRPr lang="zh-CN" altLang="en-US" sz="3600" spc="300" dirty="0">
-              <a:latin typeface="+mn-ea"/>
-            </a:endParaRPr>
           </a:p>
         </p:txBody>
       </p:sp>
@@ -35790,13 +35823,13 @@
   <p:clrMapOvr>
     <a:masterClrMapping/>
   </p:clrMapOvr>
-  <mc:AlternateContent xmlns:mc="http://schemas.openxmlformats.org/markup-compatibility/2006">
-    <mc:Choice xmlns:p14="http://schemas.microsoft.com/office/powerpoint/2010/main" Requires="p14">
+  <mc:AlternateContent xmlns:mc="http://schemas.openxmlformats.org/markup-compatibility/2006" xmlns:p14="http://schemas.microsoft.com/office/powerpoint/2010/main">
+    <mc:Choice Requires="p14">
       <p:transition spd="slow" p14:dur="1600" advClick="0" advTm="3000">
         <p14:gallery dir="l"/>
       </p:transition>
     </mc:Choice>
-    <mc:Fallback>
+    <mc:Fallback xmlns="">
       <p:transition spd="slow" advClick="0" advTm="3000">
         <p:fade/>
       </p:transition>
@@ -35924,7 +35957,6 @@
               <a:rPr lang="zh-CN" altLang="en-US" sz="2400" b="1" dirty="0"/>
               <a:t>简介</a:t>
             </a:r>
-            <a:endParaRPr lang="zh-CN" altLang="en-US" sz="2400" b="1" dirty="0"/>
           </a:p>
         </p:txBody>
       </p:sp>
@@ -36154,7 +36186,6 @@
               <a:rPr lang="zh-CN" altLang="en-US" sz="2000" dirty="0"/>
               <a:t>，统一建模语言）是一种能够描述问题、描述解决方案、起到沟通作用的语言。通俗的讲它是一种用文本、图形和符号的集合来描述现实生活中各种类实物、活动及其之间关系的语言。</a:t>
             </a:r>
-            <a:endParaRPr lang="zh-CN" altLang="en-US" sz="2000" dirty="0"/>
           </a:p>
         </p:txBody>
       </p:sp>
@@ -36229,7 +36260,6 @@
               <a:rPr lang="zh-CN" altLang="en-US" sz="2000" dirty="0"/>
               <a:t>工具转化成指定的程序语言和代码</a:t>
             </a:r>
-            <a:endParaRPr lang="zh-CN" altLang="en-US" sz="2000" dirty="0"/>
           </a:p>
         </p:txBody>
       </p:sp>
@@ -36279,7 +36309,6 @@
               <a:rPr lang="zh-CN" altLang="en-US" dirty="0"/>
               <a:t>对软件密集型系统的制品进行可视化、详述、构造和文档化。</a:t>
             </a:r>
-            <a:endParaRPr lang="zh-CN" altLang="en-US" dirty="0"/>
           </a:p>
         </p:txBody>
       </p:sp>
@@ -36288,13 +36317,13 @@
   <p:clrMapOvr>
     <a:masterClrMapping/>
   </p:clrMapOvr>
-  <mc:AlternateContent xmlns:mc="http://schemas.openxmlformats.org/markup-compatibility/2006">
-    <mc:Choice xmlns:p14="http://schemas.microsoft.com/office/powerpoint/2010/main" Requires="p14">
+  <mc:AlternateContent xmlns:mc="http://schemas.openxmlformats.org/markup-compatibility/2006" xmlns:p14="http://schemas.microsoft.com/office/powerpoint/2010/main">
+    <mc:Choice Requires="p14">
       <p:transition spd="slow" p14:dur="1600" advClick="0" advTm="3000">
         <p14:gallery dir="l"/>
       </p:transition>
     </mc:Choice>
-    <mc:Fallback>
+    <mc:Fallback xmlns="">
       <p:transition spd="slow" advClick="0" advTm="3000">
         <p:fade/>
       </p:transition>
@@ -36422,7 +36451,6 @@
               <a:rPr lang="zh-CN" altLang="en-US" sz="2400" b="1" dirty="0"/>
               <a:t>介绍</a:t>
             </a:r>
-            <a:endParaRPr lang="zh-CN" altLang="en-US" sz="2400" b="1" dirty="0"/>
           </a:p>
         </p:txBody>
       </p:sp>
@@ -36670,7 +36698,6 @@
               <a:rPr lang="zh-CN" altLang="en-US" sz="2000" dirty="0"/>
               <a:t>。</a:t>
             </a:r>
-            <a:endParaRPr lang="zh-CN" altLang="en-US" sz="2000" dirty="0"/>
           </a:p>
           <a:p>
             <a:pPr marL="342900" indent="-342900">
@@ -36773,7 +36800,6 @@
               <a:rPr lang="zh-CN" altLang="en-US" sz="2000" dirty="0"/>
               <a:t>）。</a:t>
             </a:r>
-            <a:endParaRPr lang="zh-CN" altLang="en-US" sz="2000" dirty="0"/>
           </a:p>
           <a:p>
             <a:pPr marL="342900" indent="-342900">
@@ -36812,7 +36838,6 @@
               <a:rPr lang="zh-CN" altLang="en-US" sz="2000" dirty="0"/>
               <a:t>的定义工作。</a:t>
             </a:r>
-            <a:endParaRPr lang="zh-CN" altLang="en-US" sz="2000" dirty="0"/>
           </a:p>
           <a:p>
             <a:pPr marL="342900" indent="-342900">
@@ -36843,7 +36868,6 @@
               <a:rPr lang="zh-CN" altLang="en-US" sz="2000" dirty="0"/>
               <a:t>，成为可视化建模语言事实上的工业标准。</a:t>
             </a:r>
-            <a:endParaRPr lang="zh-CN" altLang="en-US" sz="2000" dirty="0"/>
           </a:p>
           <a:p>
             <a:pPr marL="342900" indent="-342900">
@@ -36890,7 +36914,6 @@
               <a:rPr lang="zh-CN" altLang="en-US" sz="2000" dirty="0"/>
               <a:t>作为基于面向对象技术的标准建模语言。</a:t>
             </a:r>
-            <a:endParaRPr lang="zh-CN" altLang="en-US" sz="2000" dirty="0"/>
           </a:p>
         </p:txBody>
       </p:sp>
@@ -36924,7 +36947,6 @@
               <a:rPr lang="zh-CN" altLang="en-US" sz="2400" b="1" dirty="0"/>
               <a:t>发展历程</a:t>
             </a:r>
-            <a:endParaRPr lang="zh-CN" altLang="en-US" sz="2400" b="1" dirty="0"/>
           </a:p>
         </p:txBody>
       </p:sp>
@@ -37003,13 +37025,13 @@
   <p:clrMapOvr>
     <a:masterClrMapping/>
   </p:clrMapOvr>
-  <mc:AlternateContent xmlns:mc="http://schemas.openxmlformats.org/markup-compatibility/2006">
-    <mc:Choice xmlns:p14="http://schemas.microsoft.com/office/powerpoint/2010/main" Requires="p14">
+  <mc:AlternateContent xmlns:mc="http://schemas.openxmlformats.org/markup-compatibility/2006" xmlns:p14="http://schemas.microsoft.com/office/powerpoint/2010/main">
+    <mc:Choice Requires="p14">
       <p:transition spd="slow" p14:dur="1600" advClick="0" advTm="3000">
         <p14:gallery dir="l"/>
       </p:transition>
     </mc:Choice>
-    <mc:Fallback>
+    <mc:Fallback xmlns="">
       <p:transition spd="slow" advClick="0" advTm="3000">
         <p:fade/>
       </p:transition>
@@ -37238,6 +37260,8 @@
       </a:bgFillStyleLst>
     </a:fmtScheme>
   </a:themeElements>
+  <a:objectDefaults/>
+  <a:extraClrSchemeLst/>
   <a:extLst>
     <a:ext uri="{05A4C25C-085E-4340-85A3-A5531E510DB2}">
       <thm15:themeFamily xmlns:thm15="http://schemas.microsoft.com/office/thememl/2012/main" name="Office Theme" id="{62F939B6-93AF-4DB8-9C6B-D6C7DFDC589F}" vid="{4A3C46E8-61CC-4603-A589-7422A47A8E4A}"/>
@@ -37526,6 +37550,8 @@
       </a:bgFillStyleLst>
     </a:fmtScheme>
   </a:themeElements>
+  <a:objectDefaults/>
+  <a:extraClrSchemeLst/>
   <a:extLst>
     <a:ext uri="{05A4C25C-085E-4340-85A3-A5531E510DB2}">
       <thm15:themeFamily xmlns:thm15="http://schemas.microsoft.com/office/thememl/2012/main" name="Office Theme" id="{62F939B6-93AF-4DB8-9C6B-D6C7DFDC589F}" vid="{4A3C46E8-61CC-4603-A589-7422A47A8E4A}"/>
